--- a/Docs/Apresentação Padrões de Projetos.pptx
+++ b/Docs/Apresentação Padrões de Projetos.pptx
@@ -18,6 +18,11 @@
     <p:sldId id="259" r:id="rId12"/>
     <p:sldId id="270" r:id="rId13"/>
     <p:sldId id="260" r:id="rId14"/>
+    <p:sldId id="271" r:id="rId15"/>
+    <p:sldId id="272" r:id="rId16"/>
+    <p:sldId id="273" r:id="rId17"/>
+    <p:sldId id="274" r:id="rId18"/>
+    <p:sldId id="275" r:id="rId19"/>
   </p:sldIdLst>
   <p:sldSz cx="9144000" cy="6858000" type="screen4x3"/>
   <p:notesSz cx="6858000" cy="9144000"/>
@@ -116,7 +121,27 @@
       </a:defRPr>
     </a:lvl9pPr>
   </p:defaultTextStyle>
+  <p:extLst>
+    <p:ext uri="{EFAFB233-063F-42B5-8137-9DF3F51BA10A}">
+      <p15:sldGuideLst xmlns:p15="http://schemas.microsoft.com/office/powerpoint/2012/main">
+        <p15:guide id="1" orient="horz" pos="2160">
+          <p15:clr>
+            <a:srgbClr val="A4A3A4"/>
+          </p15:clr>
+        </p15:guide>
+        <p15:guide id="2" pos="2880">
+          <p15:clr>
+            <a:srgbClr val="A4A3A4"/>
+          </p15:clr>
+        </p15:guide>
+      </p15:sldGuideLst>
+    </p:ext>
+  </p:extLst>
 </p:presentation>
+</file>
+
+<file path=ppt/revisionInfo.xml><?xml version="1.0" encoding="utf-8"?>
+<p1510:revInfo xmlns:a="http://schemas.openxmlformats.org/drawingml/2006/main" xmlns:r="http://schemas.openxmlformats.org/officeDocument/2006/relationships" xmlns:p1510="http://schemas.microsoft.com/office/powerpoint/2015/10/main"/>
 </file>
 
 <file path=ppt/slideLayouts/slideLayout1.xml><?xml version="1.0" encoding="utf-8"?>
@@ -166,7 +191,7 @@
           </a:lstStyle>
           <a:p>
             <a:r>
-              <a:rPr lang="en-US" smtClean="0"/>
+              <a:rPr lang="en-US"/>
               <a:t>Click to edit Master title style</a:t>
             </a:r>
             <a:endParaRPr lang="en-US" dirty="0"/>
@@ -287,7 +312,7 @@
           </a:lstStyle>
           <a:p>
             <a:r>
-              <a:rPr lang="en-US" smtClean="0"/>
+              <a:rPr lang="en-US"/>
               <a:t>Click to edit Master subtitle style</a:t>
             </a:r>
             <a:endParaRPr lang="en-US" dirty="0"/>
@@ -311,7 +336,7 @@
           <a:p>
             <a:fld id="{8EE831F1-ED05-4BAA-8C74-2BAAB7F343BB}" type="datetimeFigureOut">
               <a:rPr lang="pt-BR" smtClean="0"/>
-              <a:t>11/06/2017</a:t>
+              <a:t>12/06/2017</a:t>
             </a:fld>
             <a:endParaRPr lang="pt-BR"/>
           </a:p>
@@ -334,7 +359,7 @@
           <a:p>
             <a:fld id="{EF5993D9-3239-4E1A-B177-3A3DADB6A390}" type="slidenum">
               <a:rPr lang="pt-BR" smtClean="0"/>
-              <a:t>‹#›</a:t>
+              <a:t>‹nº›</a:t>
             </a:fld>
             <a:endParaRPr lang="pt-BR"/>
           </a:p>
@@ -400,7 +425,7 @@
           <a:lstStyle/>
           <a:p>
             <a:r>
-              <a:rPr lang="en-US" smtClean="0"/>
+              <a:rPr lang="en-US"/>
               <a:t>Click to edit Master title style</a:t>
             </a:r>
             <a:endParaRPr lang="en-US" dirty="0"/>
@@ -424,38 +449,37 @@
           <a:p>
             <a:pPr lvl="0"/>
             <a:r>
-              <a:rPr lang="en-US" smtClean="0"/>
+              <a:rPr lang="en-US"/>
               <a:t>Click to edit Master text styles</a:t>
             </a:r>
           </a:p>
           <a:p>
             <a:pPr lvl="1"/>
             <a:r>
-              <a:rPr lang="en-US" smtClean="0"/>
+              <a:rPr lang="en-US"/>
               <a:t>Second level</a:t>
             </a:r>
           </a:p>
           <a:p>
             <a:pPr lvl="2"/>
             <a:r>
-              <a:rPr lang="en-US" smtClean="0"/>
+              <a:rPr lang="en-US"/>
               <a:t>Third level</a:t>
             </a:r>
           </a:p>
           <a:p>
             <a:pPr lvl="3"/>
             <a:r>
-              <a:rPr lang="en-US" smtClean="0"/>
+              <a:rPr lang="en-US"/>
               <a:t>Fourth level</a:t>
             </a:r>
           </a:p>
           <a:p>
             <a:pPr lvl="4"/>
             <a:r>
-              <a:rPr lang="en-US" smtClean="0"/>
+              <a:rPr lang="en-US"/>
               <a:t>Fifth level</a:t>
             </a:r>
-            <a:endParaRPr lang="en-US"/>
           </a:p>
         </p:txBody>
       </p:sp>
@@ -476,7 +500,7 @@
           <a:p>
             <a:fld id="{8EE831F1-ED05-4BAA-8C74-2BAAB7F343BB}" type="datetimeFigureOut">
               <a:rPr lang="pt-BR" smtClean="0"/>
-              <a:t>11/06/2017</a:t>
+              <a:t>12/06/2017</a:t>
             </a:fld>
             <a:endParaRPr lang="pt-BR"/>
           </a:p>
@@ -518,7 +542,7 @@
           <a:p>
             <a:fld id="{EF5993D9-3239-4E1A-B177-3A3DADB6A390}" type="slidenum">
               <a:rPr lang="pt-BR" smtClean="0"/>
-              <a:t>‹#›</a:t>
+              <a:t>‹nº›</a:t>
             </a:fld>
             <a:endParaRPr lang="pt-BR"/>
           </a:p>
@@ -570,7 +594,7 @@
           <a:lstStyle/>
           <a:p>
             <a:r>
-              <a:rPr lang="en-US" smtClean="0"/>
+              <a:rPr lang="en-US"/>
               <a:t>Click to edit Master title style</a:t>
             </a:r>
             <a:endParaRPr lang="en-US" dirty="0"/>
@@ -599,38 +623,37 @@
           <a:p>
             <a:pPr lvl="0"/>
             <a:r>
-              <a:rPr lang="en-US" smtClean="0"/>
+              <a:rPr lang="en-US"/>
               <a:t>Click to edit Master text styles</a:t>
             </a:r>
           </a:p>
           <a:p>
             <a:pPr lvl="1"/>
             <a:r>
-              <a:rPr lang="en-US" smtClean="0"/>
+              <a:rPr lang="en-US"/>
               <a:t>Second level</a:t>
             </a:r>
           </a:p>
           <a:p>
             <a:pPr lvl="2"/>
             <a:r>
-              <a:rPr lang="en-US" smtClean="0"/>
+              <a:rPr lang="en-US"/>
               <a:t>Third level</a:t>
             </a:r>
           </a:p>
           <a:p>
             <a:pPr lvl="3"/>
             <a:r>
-              <a:rPr lang="en-US" smtClean="0"/>
+              <a:rPr lang="en-US"/>
               <a:t>Fourth level</a:t>
             </a:r>
           </a:p>
           <a:p>
             <a:pPr lvl="4"/>
             <a:r>
-              <a:rPr lang="en-US" smtClean="0"/>
+              <a:rPr lang="en-US"/>
               <a:t>Fifth level</a:t>
             </a:r>
-            <a:endParaRPr lang="en-US"/>
           </a:p>
         </p:txBody>
       </p:sp>
@@ -651,7 +674,7 @@
           <a:p>
             <a:fld id="{8EE831F1-ED05-4BAA-8C74-2BAAB7F343BB}" type="datetimeFigureOut">
               <a:rPr lang="pt-BR" smtClean="0"/>
-              <a:t>11/06/2017</a:t>
+              <a:t>12/06/2017</a:t>
             </a:fld>
             <a:endParaRPr lang="pt-BR"/>
           </a:p>
@@ -693,7 +716,7 @@
           <a:p>
             <a:fld id="{EF5993D9-3239-4E1A-B177-3A3DADB6A390}" type="slidenum">
               <a:rPr lang="pt-BR" smtClean="0"/>
-              <a:t>‹#›</a:t>
+              <a:t>‹nº›</a:t>
             </a:fld>
             <a:endParaRPr lang="pt-BR"/>
           </a:p>
@@ -740,7 +763,7 @@
           <a:lstStyle/>
           <a:p>
             <a:r>
-              <a:rPr lang="en-US" smtClean="0"/>
+              <a:rPr lang="en-US"/>
               <a:t>Click to edit Master title style</a:t>
             </a:r>
             <a:endParaRPr lang="en-US" dirty="0"/>
@@ -782,38 +805,38 @@
           <a:p>
             <a:pPr lvl="0"/>
             <a:r>
-              <a:rPr lang="en-US" smtClean="0"/>
+              <a:rPr lang="en-US"/>
               <a:t>Click to edit Master text styles</a:t>
             </a:r>
           </a:p>
           <a:p>
             <a:pPr lvl="1"/>
             <a:r>
-              <a:rPr lang="en-US" smtClean="0"/>
+              <a:rPr lang="en-US"/>
               <a:t>Second level</a:t>
             </a:r>
           </a:p>
           <a:p>
             <a:pPr lvl="2"/>
             <a:r>
-              <a:rPr lang="en-US" smtClean="0"/>
+              <a:rPr lang="en-US"/>
               <a:t>Third level</a:t>
             </a:r>
           </a:p>
           <a:p>
             <a:pPr lvl="3"/>
             <a:r>
-              <a:rPr lang="en-US" smtClean="0"/>
+              <a:rPr lang="en-US"/>
               <a:t>Fourth level</a:t>
             </a:r>
           </a:p>
           <a:p>
             <a:pPr lvl="4"/>
             <a:r>
-              <a:rPr lang="en-US" smtClean="0"/>
+              <a:rPr lang="en-US"/>
               <a:t>Fifth level</a:t>
             </a:r>
-            <a:endParaRPr lang="en-US" dirty="0" smtClean="0"/>
+            <a:endParaRPr lang="en-US" dirty="0"/>
           </a:p>
         </p:txBody>
       </p:sp>
@@ -834,7 +857,7 @@
           <a:p>
             <a:fld id="{8EE831F1-ED05-4BAA-8C74-2BAAB7F343BB}" type="datetimeFigureOut">
               <a:rPr lang="pt-BR" smtClean="0"/>
-              <a:t>11/06/2017</a:t>
+              <a:t>12/06/2017</a:t>
             </a:fld>
             <a:endParaRPr lang="pt-BR"/>
           </a:p>
@@ -876,7 +899,7 @@
           <a:p>
             <a:fld id="{EF5993D9-3239-4E1A-B177-3A3DADB6A390}" type="slidenum">
               <a:rPr lang="pt-BR" smtClean="0"/>
-              <a:t>‹#›</a:t>
+              <a:t>‹nº›</a:t>
             </a:fld>
             <a:endParaRPr lang="pt-BR"/>
           </a:p>
@@ -953,7 +976,7 @@
           </a:lstStyle>
           <a:p>
             <a:r>
-              <a:rPr lang="en-US" smtClean="0"/>
+              <a:rPr lang="en-US"/>
               <a:t>Click to edit Master title style</a:t>
             </a:r>
             <a:endParaRPr lang="en-US" dirty="0"/>
@@ -1073,7 +1096,7 @@
           <a:p>
             <a:pPr lvl="0"/>
             <a:r>
-              <a:rPr lang="en-US" smtClean="0"/>
+              <a:rPr lang="en-US"/>
               <a:t>Click to edit Master text styles</a:t>
             </a:r>
           </a:p>
@@ -1096,7 +1119,7 @@
           <a:p>
             <a:fld id="{8EE831F1-ED05-4BAA-8C74-2BAAB7F343BB}" type="datetimeFigureOut">
               <a:rPr lang="pt-BR" smtClean="0"/>
-              <a:t>11/06/2017</a:t>
+              <a:t>12/06/2017</a:t>
             </a:fld>
             <a:endParaRPr lang="pt-BR"/>
           </a:p>
@@ -1138,7 +1161,7 @@
           <a:p>
             <a:fld id="{EF5993D9-3239-4E1A-B177-3A3DADB6A390}" type="slidenum">
               <a:rPr lang="pt-BR" smtClean="0"/>
-              <a:t>‹#›</a:t>
+              <a:t>‹nº›</a:t>
             </a:fld>
             <a:endParaRPr lang="pt-BR"/>
           </a:p>
@@ -1335,10 +1358,9 @@
           <a:lstStyle/>
           <a:p>
             <a:r>
-              <a:rPr lang="en-US" smtClean="0"/>
+              <a:rPr lang="en-US"/>
               <a:t>Click to edit Master title style</a:t>
             </a:r>
-            <a:endParaRPr lang="en-US"/>
           </a:p>
         </p:txBody>
       </p:sp>
@@ -1392,38 +1414,38 @@
           <a:p>
             <a:pPr lvl="0"/>
             <a:r>
-              <a:rPr lang="en-US" smtClean="0"/>
+              <a:rPr lang="en-US"/>
               <a:t>Click to edit Master text styles</a:t>
             </a:r>
           </a:p>
           <a:p>
             <a:pPr lvl="1"/>
             <a:r>
-              <a:rPr lang="en-US" smtClean="0"/>
+              <a:rPr lang="en-US"/>
               <a:t>Second level</a:t>
             </a:r>
           </a:p>
           <a:p>
             <a:pPr lvl="2"/>
             <a:r>
-              <a:rPr lang="en-US" smtClean="0"/>
+              <a:rPr lang="en-US"/>
               <a:t>Third level</a:t>
             </a:r>
           </a:p>
           <a:p>
             <a:pPr lvl="3"/>
             <a:r>
-              <a:rPr lang="en-US" smtClean="0"/>
+              <a:rPr lang="en-US"/>
               <a:t>Fourth level</a:t>
             </a:r>
           </a:p>
           <a:p>
             <a:pPr lvl="4"/>
             <a:r>
-              <a:rPr lang="en-US" smtClean="0"/>
+              <a:rPr lang="en-US"/>
               <a:t>Fifth level</a:t>
             </a:r>
-            <a:endParaRPr lang="en-US" dirty="0" smtClean="0"/>
+            <a:endParaRPr lang="en-US" dirty="0"/>
           </a:p>
         </p:txBody>
       </p:sp>
@@ -1444,7 +1466,7 @@
           <a:p>
             <a:fld id="{8EE831F1-ED05-4BAA-8C74-2BAAB7F343BB}" type="datetimeFigureOut">
               <a:rPr lang="pt-BR" smtClean="0"/>
-              <a:t>11/06/2017</a:t>
+              <a:t>12/06/2017</a:t>
             </a:fld>
             <a:endParaRPr lang="pt-BR"/>
           </a:p>
@@ -1486,7 +1508,7 @@
           <a:p>
             <a:fld id="{EF5993D9-3239-4E1A-B177-3A3DADB6A390}" type="slidenum">
               <a:rPr lang="pt-BR" smtClean="0"/>
-              <a:t>‹#›</a:t>
+              <a:t>‹nº›</a:t>
             </a:fld>
             <a:endParaRPr lang="pt-BR"/>
           </a:p>
@@ -1514,38 +1536,37 @@
           <a:p>
             <a:pPr lvl="0"/>
             <a:r>
-              <a:rPr lang="en-US" smtClean="0"/>
+              <a:rPr lang="en-US"/>
               <a:t>Click to edit Master text styles</a:t>
             </a:r>
           </a:p>
           <a:p>
             <a:pPr lvl="1"/>
             <a:r>
-              <a:rPr lang="en-US" smtClean="0"/>
+              <a:rPr lang="en-US"/>
               <a:t>Second level</a:t>
             </a:r>
           </a:p>
           <a:p>
             <a:pPr lvl="2"/>
             <a:r>
-              <a:rPr lang="en-US" smtClean="0"/>
+              <a:rPr lang="en-US"/>
               <a:t>Third level</a:t>
             </a:r>
           </a:p>
           <a:p>
             <a:pPr lvl="3"/>
             <a:r>
-              <a:rPr lang="en-US" smtClean="0"/>
+              <a:rPr lang="en-US"/>
               <a:t>Fourth level</a:t>
             </a:r>
           </a:p>
           <a:p>
             <a:pPr lvl="4"/>
             <a:r>
-              <a:rPr lang="en-US" smtClean="0"/>
+              <a:rPr lang="en-US"/>
               <a:t>Fifth level</a:t>
             </a:r>
-            <a:endParaRPr lang="en-US"/>
           </a:p>
         </p:txBody>
       </p:sp>
@@ -1594,10 +1615,9 @@
           </a:lstStyle>
           <a:p>
             <a:r>
-              <a:rPr lang="en-US" smtClean="0"/>
+              <a:rPr lang="en-US"/>
               <a:t>Click to edit Master title style</a:t>
             </a:r>
-            <a:endParaRPr lang="en-US"/>
           </a:p>
         </p:txBody>
       </p:sp>
@@ -1662,7 +1682,7 @@
           <a:p>
             <a:pPr lvl="0"/>
             <a:r>
-              <a:rPr lang="en-US" smtClean="0"/>
+              <a:rPr lang="en-US"/>
               <a:t>Click to edit Master text styles</a:t>
             </a:r>
           </a:p>
@@ -1729,7 +1749,7 @@
           <a:p>
             <a:pPr lvl="0"/>
             <a:r>
-              <a:rPr lang="en-US" smtClean="0"/>
+              <a:rPr lang="en-US"/>
               <a:t>Click to edit Master text styles</a:t>
             </a:r>
           </a:p>
@@ -1752,7 +1772,7 @@
           <a:p>
             <a:fld id="{8EE831F1-ED05-4BAA-8C74-2BAAB7F343BB}" type="datetimeFigureOut">
               <a:rPr lang="pt-BR" smtClean="0"/>
-              <a:t>11/06/2017</a:t>
+              <a:t>12/06/2017</a:t>
             </a:fld>
             <a:endParaRPr lang="pt-BR"/>
           </a:p>
@@ -1794,7 +1814,7 @@
           <a:p>
             <a:fld id="{EF5993D9-3239-4E1A-B177-3A3DADB6A390}" type="slidenum">
               <a:rPr lang="pt-BR" smtClean="0"/>
-              <a:t>‹#›</a:t>
+              <a:t>‹nº›</a:t>
             </a:fld>
             <a:endParaRPr lang="pt-BR"/>
           </a:p>
@@ -1822,35 +1842,35 @@
           <a:p>
             <a:pPr lvl="0"/>
             <a:r>
-              <a:rPr lang="en-US" smtClean="0"/>
+              <a:rPr lang="en-US"/>
               <a:t>Click to edit Master text styles</a:t>
             </a:r>
           </a:p>
           <a:p>
             <a:pPr lvl="1"/>
             <a:r>
-              <a:rPr lang="en-US" smtClean="0"/>
+              <a:rPr lang="en-US"/>
               <a:t>Second level</a:t>
             </a:r>
           </a:p>
           <a:p>
             <a:pPr lvl="2"/>
             <a:r>
-              <a:rPr lang="en-US" smtClean="0"/>
+              <a:rPr lang="en-US"/>
               <a:t>Third level</a:t>
             </a:r>
           </a:p>
           <a:p>
             <a:pPr lvl="3"/>
             <a:r>
-              <a:rPr lang="en-US" smtClean="0"/>
+              <a:rPr lang="en-US"/>
               <a:t>Fourth level</a:t>
             </a:r>
           </a:p>
           <a:p>
             <a:pPr lvl="4"/>
             <a:r>
-              <a:rPr lang="en-US" smtClean="0"/>
+              <a:rPr lang="en-US"/>
               <a:t>Fifth level</a:t>
             </a:r>
             <a:endParaRPr lang="en-US" dirty="0"/>
@@ -1879,35 +1899,35 @@
           <a:p>
             <a:pPr lvl="0"/>
             <a:r>
-              <a:rPr lang="en-US" smtClean="0"/>
+              <a:rPr lang="en-US"/>
               <a:t>Click to edit Master text styles</a:t>
             </a:r>
           </a:p>
           <a:p>
             <a:pPr lvl="1"/>
             <a:r>
-              <a:rPr lang="en-US" smtClean="0"/>
+              <a:rPr lang="en-US"/>
               <a:t>Second level</a:t>
             </a:r>
           </a:p>
           <a:p>
             <a:pPr lvl="2"/>
             <a:r>
-              <a:rPr lang="en-US" smtClean="0"/>
+              <a:rPr lang="en-US"/>
               <a:t>Third level</a:t>
             </a:r>
           </a:p>
           <a:p>
             <a:pPr lvl="3"/>
             <a:r>
-              <a:rPr lang="en-US" smtClean="0"/>
+              <a:rPr lang="en-US"/>
               <a:t>Fourth level</a:t>
             </a:r>
           </a:p>
           <a:p>
             <a:pPr lvl="4"/>
             <a:r>
-              <a:rPr lang="en-US" smtClean="0"/>
+              <a:rPr lang="en-US"/>
               <a:t>Fifth level</a:t>
             </a:r>
             <a:endParaRPr lang="en-US" dirty="0"/>
@@ -1955,7 +1975,7 @@
           <a:lstStyle/>
           <a:p>
             <a:r>
-              <a:rPr lang="en-US" smtClean="0"/>
+              <a:rPr lang="en-US"/>
               <a:t>Click to edit Master title style</a:t>
             </a:r>
             <a:endParaRPr lang="en-US" dirty="0"/>
@@ -1979,7 +1999,7 @@
           <a:p>
             <a:fld id="{8EE831F1-ED05-4BAA-8C74-2BAAB7F343BB}" type="datetimeFigureOut">
               <a:rPr lang="pt-BR" smtClean="0"/>
-              <a:t>11/06/2017</a:t>
+              <a:t>12/06/2017</a:t>
             </a:fld>
             <a:endParaRPr lang="pt-BR"/>
           </a:p>
@@ -2021,7 +2041,7 @@
           <a:p>
             <a:fld id="{EF5993D9-3239-4E1A-B177-3A3DADB6A390}" type="slidenum">
               <a:rPr lang="pt-BR" smtClean="0"/>
-              <a:t>‹#›</a:t>
+              <a:t>‹nº›</a:t>
             </a:fld>
             <a:endParaRPr lang="pt-BR"/>
           </a:p>
@@ -2069,7 +2089,7 @@
           <a:p>
             <a:fld id="{8EE831F1-ED05-4BAA-8C74-2BAAB7F343BB}" type="datetimeFigureOut">
               <a:rPr lang="pt-BR" smtClean="0"/>
-              <a:t>11/06/2017</a:t>
+              <a:t>12/06/2017</a:t>
             </a:fld>
             <a:endParaRPr lang="pt-BR"/>
           </a:p>
@@ -2111,7 +2131,7 @@
           <a:p>
             <a:fld id="{EF5993D9-3239-4E1A-B177-3A3DADB6A390}" type="slidenum">
               <a:rPr lang="pt-BR" smtClean="0"/>
-              <a:t>‹#›</a:t>
+              <a:t>‹nº›</a:t>
             </a:fld>
             <a:endParaRPr lang="pt-BR"/>
           </a:p>
@@ -2178,7 +2198,7 @@
           </a:lstStyle>
           <a:p>
             <a:r>
-              <a:rPr lang="en-US" smtClean="0"/>
+              <a:rPr lang="en-US"/>
               <a:t>Click to edit Master title style</a:t>
             </a:r>
             <a:endParaRPr lang="en-US" dirty="0"/>
@@ -2235,35 +2255,35 @@
           <a:p>
             <a:pPr lvl="0"/>
             <a:r>
-              <a:rPr lang="en-US" smtClean="0"/>
+              <a:rPr lang="en-US"/>
               <a:t>Click to edit Master text styles</a:t>
             </a:r>
           </a:p>
           <a:p>
             <a:pPr lvl="1"/>
             <a:r>
-              <a:rPr lang="en-US" smtClean="0"/>
+              <a:rPr lang="en-US"/>
               <a:t>Second level</a:t>
             </a:r>
           </a:p>
           <a:p>
             <a:pPr lvl="2"/>
             <a:r>
-              <a:rPr lang="en-US" smtClean="0"/>
+              <a:rPr lang="en-US"/>
               <a:t>Third level</a:t>
             </a:r>
           </a:p>
           <a:p>
             <a:pPr lvl="3"/>
             <a:r>
-              <a:rPr lang="en-US" smtClean="0"/>
+              <a:rPr lang="en-US"/>
               <a:t>Fourth level</a:t>
             </a:r>
           </a:p>
           <a:p>
             <a:pPr lvl="4"/>
             <a:r>
-              <a:rPr lang="en-US" smtClean="0"/>
+              <a:rPr lang="en-US"/>
               <a:t>Fifth level</a:t>
             </a:r>
             <a:endParaRPr lang="en-US" dirty="0"/>
@@ -2334,7 +2354,7 @@
           <a:p>
             <a:pPr lvl="0"/>
             <a:r>
-              <a:rPr lang="en-US" smtClean="0"/>
+              <a:rPr lang="en-US"/>
               <a:t>Click to edit Master text styles</a:t>
             </a:r>
           </a:p>
@@ -2357,7 +2377,7 @@
           <a:p>
             <a:fld id="{8EE831F1-ED05-4BAA-8C74-2BAAB7F343BB}" type="datetimeFigureOut">
               <a:rPr lang="pt-BR" smtClean="0"/>
-              <a:t>11/06/2017</a:t>
+              <a:t>12/06/2017</a:t>
             </a:fld>
             <a:endParaRPr lang="pt-BR"/>
           </a:p>
@@ -2399,7 +2419,7 @@
           <a:p>
             <a:fld id="{EF5993D9-3239-4E1A-B177-3A3DADB6A390}" type="slidenum">
               <a:rPr lang="pt-BR" smtClean="0"/>
-              <a:t>‹#›</a:t>
+              <a:t>‹nº›</a:t>
             </a:fld>
             <a:endParaRPr lang="pt-BR"/>
           </a:p>
@@ -2458,7 +2478,7 @@
           </a:lstStyle>
           <a:p>
             <a:r>
-              <a:rPr lang="en-US" smtClean="0"/>
+              <a:rPr lang="en-US"/>
               <a:t>Click to edit Master title style</a:t>
             </a:r>
             <a:endParaRPr lang="en-US" dirty="0"/>
@@ -2535,7 +2555,7 @@
           </a:lstStyle>
           <a:p>
             <a:r>
-              <a:rPr lang="en-US" smtClean="0"/>
+              <a:rPr lang="en-US"/>
               <a:t>Click icon to add picture</a:t>
             </a:r>
             <a:endParaRPr lang="en-US" dirty="0"/>
@@ -2603,7 +2623,7 @@
           <a:p>
             <a:pPr lvl="0"/>
             <a:r>
-              <a:rPr lang="en-US" smtClean="0"/>
+              <a:rPr lang="en-US"/>
               <a:t>Click to edit Master text styles</a:t>
             </a:r>
           </a:p>
@@ -2626,7 +2646,7 @@
           <a:p>
             <a:fld id="{8EE831F1-ED05-4BAA-8C74-2BAAB7F343BB}" type="datetimeFigureOut">
               <a:rPr lang="pt-BR" smtClean="0"/>
-              <a:t>11/06/2017</a:t>
+              <a:t>12/06/2017</a:t>
             </a:fld>
             <a:endParaRPr lang="pt-BR"/>
           </a:p>
@@ -2668,7 +2688,7 @@
           <a:p>
             <a:fld id="{EF5993D9-3239-4E1A-B177-3A3DADB6A390}" type="slidenum">
               <a:rPr lang="pt-BR" smtClean="0"/>
-              <a:t>‹#›</a:t>
+              <a:t>‹nº›</a:t>
             </a:fld>
             <a:endParaRPr lang="pt-BR"/>
           </a:p>
@@ -2730,7 +2750,7 @@
           <a:lstStyle/>
           <a:p>
             <a:r>
-              <a:rPr lang="en-US" smtClean="0"/>
+              <a:rPr lang="en-US"/>
               <a:t>Click to edit Master title style</a:t>
             </a:r>
             <a:endParaRPr lang="en-US" dirty="0"/>
@@ -2764,38 +2784,38 @@
           <a:p>
             <a:pPr lvl="0"/>
             <a:r>
-              <a:rPr lang="en-US" smtClean="0"/>
+              <a:rPr lang="en-US"/>
               <a:t>Click to edit Master text styles</a:t>
             </a:r>
           </a:p>
           <a:p>
             <a:pPr lvl="1"/>
             <a:r>
-              <a:rPr lang="en-US" smtClean="0"/>
+              <a:rPr lang="en-US"/>
               <a:t>Second level</a:t>
             </a:r>
           </a:p>
           <a:p>
             <a:pPr lvl="2"/>
             <a:r>
-              <a:rPr lang="en-US" smtClean="0"/>
+              <a:rPr lang="en-US"/>
               <a:t>Third level</a:t>
             </a:r>
           </a:p>
           <a:p>
             <a:pPr lvl="3"/>
             <a:r>
-              <a:rPr lang="en-US" smtClean="0"/>
+              <a:rPr lang="en-US"/>
               <a:t>Fourth level</a:t>
             </a:r>
           </a:p>
           <a:p>
             <a:pPr lvl="4"/>
             <a:r>
-              <a:rPr lang="en-US" smtClean="0"/>
+              <a:rPr lang="en-US"/>
               <a:t>Fifth level</a:t>
             </a:r>
-            <a:endParaRPr lang="en-US" dirty="0" smtClean="0"/>
+            <a:endParaRPr lang="en-US" dirty="0"/>
           </a:p>
         </p:txBody>
       </p:sp>
@@ -2836,7 +2856,7 @@
           <a:p>
             <a:fld id="{8EE831F1-ED05-4BAA-8C74-2BAAB7F343BB}" type="datetimeFigureOut">
               <a:rPr lang="pt-BR" smtClean="0"/>
-              <a:t>11/06/2017</a:t>
+              <a:t>12/06/2017</a:t>
             </a:fld>
             <a:endParaRPr lang="pt-BR"/>
           </a:p>
@@ -2918,7 +2938,7 @@
           <a:p>
             <a:fld id="{EF5993D9-3239-4E1A-B177-3A3DADB6A390}" type="slidenum">
               <a:rPr lang="pt-BR" smtClean="0"/>
-              <a:t>‹#›</a:t>
+              <a:t>‹nº›</a:t>
             </a:fld>
             <a:endParaRPr lang="pt-BR"/>
           </a:p>
@@ -3375,11 +3395,11 @@
           <a:lstStyle/>
           <a:p>
             <a:r>
-              <a:rPr lang="pt-BR" sz="3600" dirty="0" smtClean="0"/>
+              <a:rPr lang="pt-BR" sz="3600" dirty="0"/>
               <a:t>Padrões de projetos</a:t>
             </a:r>
             <a:br>
-              <a:rPr lang="pt-BR" sz="3600" dirty="0" smtClean="0"/>
+              <a:rPr lang="pt-BR" sz="3600" dirty="0"/>
             </a:br>
             <a:endParaRPr lang="pt-BR" sz="3600" dirty="0"/>
           </a:p>
@@ -3408,41 +3428,40 @@
           <a:lstStyle/>
           <a:p>
             <a:r>
-              <a:rPr lang="pt-BR" dirty="0" smtClean="0"/>
+              <a:rPr lang="pt-BR" dirty="0"/>
               <a:t>Grupo:</a:t>
             </a:r>
             <a:br>
-              <a:rPr lang="pt-BR" dirty="0" smtClean="0"/>
+              <a:rPr lang="pt-BR" dirty="0"/>
             </a:br>
             <a:r>
-              <a:rPr lang="pt-BR" dirty="0" smtClean="0"/>
+              <a:rPr lang="pt-BR" dirty="0"/>
               <a:t>Bruno Félix</a:t>
             </a:r>
           </a:p>
           <a:p>
             <a:r>
-              <a:rPr lang="pt-BR" dirty="0" smtClean="0"/>
+              <a:rPr lang="pt-BR" dirty="0"/>
               <a:t>Jaasiel Tavares</a:t>
             </a:r>
           </a:p>
           <a:p>
             <a:r>
-              <a:rPr lang="pt-BR" dirty="0" smtClean="0"/>
+              <a:rPr lang="pt-BR" dirty="0"/>
               <a:t>Maikon Silva</a:t>
             </a:r>
           </a:p>
           <a:p>
             <a:r>
-              <a:rPr lang="pt-BR" dirty="0" smtClean="0"/>
+              <a:rPr lang="pt-BR" dirty="0"/>
               <a:t>Tiago José</a:t>
             </a:r>
           </a:p>
           <a:p>
             <a:r>
-              <a:rPr lang="pt-BR" dirty="0" smtClean="0"/>
+              <a:rPr lang="pt-BR" dirty="0"/>
               <a:t>Victor Luiz</a:t>
             </a:r>
-            <a:endParaRPr lang="pt-BR" dirty="0"/>
           </a:p>
         </p:txBody>
       </p:sp>
@@ -3456,13 +3475,6 @@
   <p:clrMapOvr>
     <a:masterClrMapping/>
   </p:clrMapOvr>
-  <p:timing>
-    <p:tnLst>
-      <p:par>
-        <p:cTn id="1" dur="indefinite" restart="never" nodeType="tmRoot"/>
-      </p:par>
-    </p:tnLst>
-  </p:timing>
 </p:sld>
 </file>
 
@@ -3570,10 +3582,9 @@
           <a:lstStyle/>
           <a:p>
             <a:r>
-              <a:rPr lang="pt-BR" dirty="0" smtClean="0"/>
+              <a:rPr lang="pt-BR" dirty="0"/>
               <a:t>Vantagens Builder</a:t>
             </a:r>
-            <a:endParaRPr lang="pt-BR" dirty="0"/>
           </a:p>
         </p:txBody>
       </p:sp>
@@ -3606,20 +3617,12 @@
                   <a:schemeClr val="tx1"/>
                 </a:solidFill>
               </a:rPr>
-              <a:t>Permite variar a representação interna de um produto. O objeto Builder fornece ao diretor uma interface abstrata para a construção do produto. A interface permite ao construtor ocultar a representação e a estrutura interna do produto. Ela também oculta como o produto é montado. Já que o produto é construído através de uma interface abstrata, tudo o que você tem que fazer para mudar sua representação interna é definir um novo tipo de </a:t>
-            </a:r>
-            <a:r>
-              <a:rPr lang="pt-BR" sz="2200" dirty="0" smtClean="0">
-                <a:solidFill>
-                  <a:schemeClr val="tx1"/>
-                </a:solidFill>
-              </a:rPr>
-              <a:t>contrutor.</a:t>
+              <a:t>Permite variar a representação interna de um produto. O objeto Builder fornece ao diretor uma interface abstrata para a construção do produto. A interface permite ao construtor ocultar a representação e a estrutura interna do produto. Ela também oculta como o produto é montado. Já que o produto é construído através de uma interface abstrata, tudo o que você tem que fazer para mudar sua representação interna é definir um novo tipo de contrutor.</a:t>
             </a:r>
           </a:p>
           <a:p>
             <a:pPr algn="just"/>
-            <a:endParaRPr lang="pt-BR" sz="2200" dirty="0" smtClean="0">
+            <a:endParaRPr lang="pt-BR" sz="2200" dirty="0">
               <a:solidFill>
                 <a:schemeClr val="tx1"/>
               </a:solidFill>
@@ -3628,26 +3631,13 @@
           <a:p>
             <a:pPr algn="just"/>
             <a:r>
-              <a:rPr lang="pt-BR" sz="2200" dirty="0" smtClean="0">
-                <a:solidFill>
-                  <a:schemeClr val="tx1"/>
-                </a:solidFill>
-              </a:rPr>
-              <a:t>Isola </a:t>
-            </a:r>
-            <a:r>
               <a:rPr lang="pt-BR" sz="2200" dirty="0">
                 <a:solidFill>
                   <a:schemeClr val="tx1"/>
                 </a:solidFill>
               </a:rPr>
-              <a:t>o código para construção e representação: O padrão Builder melhora a modularidade pelo encapsulamento da forma como um objeto complexo é construído e representado. </a:t>
-            </a:r>
-            <a:endParaRPr lang="pt-BR" sz="2200" dirty="0" smtClean="0">
-              <a:solidFill>
-                <a:schemeClr val="tx1"/>
-              </a:solidFill>
-            </a:endParaRPr>
+              <a:t>Isola o código para construção e representação: O padrão Builder melhora a modularidade pelo encapsulamento da forma como um objeto complexo é construído e representado. </a:t>
+            </a:r>
           </a:p>
         </p:txBody>
       </p:sp>
@@ -3661,13 +3651,6 @@
   <p:clrMapOvr>
     <a:masterClrMapping/>
   </p:clrMapOvr>
-  <p:timing>
-    <p:tnLst>
-      <p:par>
-        <p:cTn id="1" dur="indefinite" restart="never" nodeType="tmRoot"/>
-      </p:par>
-    </p:tnLst>
-  </p:timing>
 </p:sld>
 </file>
 
@@ -3704,10 +3687,9 @@
           <a:lstStyle/>
           <a:p>
             <a:r>
-              <a:rPr lang="pt-BR" dirty="0" smtClean="0"/>
+              <a:rPr lang="pt-BR" dirty="0"/>
               <a:t>Vantagens Builder</a:t>
             </a:r>
-            <a:endParaRPr lang="pt-BR" dirty="0"/>
           </a:p>
         </p:txBody>
       </p:sp>
@@ -3735,71 +3717,34 @@
           <a:p>
             <a:pPr algn="just"/>
             <a:r>
-              <a:rPr lang="pt-BR" sz="1900" dirty="0" smtClean="0">
-                <a:solidFill>
-                  <a:schemeClr val="tx1"/>
-                </a:solidFill>
-              </a:rPr>
-              <a:t>Os </a:t>
-            </a:r>
-            <a:r>
               <a:rPr lang="pt-BR" sz="1900" dirty="0">
                 <a:solidFill>
                   <a:schemeClr val="tx1"/>
                 </a:solidFill>
               </a:rPr>
-              <a:t>clientes nada necessitam saber sobre as classes que definem a estrutura interna do produto, tais classes não aparecem na interface do Builder. </a:t>
-            </a:r>
-            <a:endParaRPr lang="pt-BR" sz="1900" dirty="0" smtClean="0">
-              <a:solidFill>
-                <a:schemeClr val="tx1"/>
-              </a:solidFill>
-            </a:endParaRPr>
+              <a:t>Os clientes nada necessitam saber sobre as classes que definem a estrutura interna do produto, tais classes não aparecem na interface do Builder. </a:t>
+            </a:r>
           </a:p>
           <a:p>
             <a:pPr algn="just"/>
             <a:r>
-              <a:rPr lang="pt-BR" sz="1900" dirty="0" smtClean="0">
-                <a:solidFill>
-                  <a:schemeClr val="tx1"/>
-                </a:solidFill>
-              </a:rPr>
-              <a:t>Cada </a:t>
-            </a:r>
-            <a:r>
               <a:rPr lang="pt-BR" sz="1900" dirty="0">
                 <a:solidFill>
                   <a:schemeClr val="tx1"/>
                 </a:solidFill>
               </a:rPr>
-              <a:t>ConcreteBuilder contém todo o código para criar e montar um tipo de produto específico. O código é escrito somente uma vez, então, diferentes Directors podem reutilizá-lo para construir variantes de Product com o mesmo conjunto de </a:t>
-            </a:r>
-            <a:r>
-              <a:rPr lang="pt-BR" sz="1900" dirty="0" smtClean="0">
-                <a:solidFill>
-                  <a:schemeClr val="tx1"/>
-                </a:solidFill>
-              </a:rPr>
-              <a:t>partes.</a:t>
+              <a:t>Cada ConcreteBuilder contém todo o código para criar e montar um tipo de produto específico. O código é escrito somente uma vez, então, diferentes Directors podem reutilizá-lo para construir variantes de Product com o mesmo conjunto de partes.</a:t>
             </a:r>
           </a:p>
           <a:p>
             <a:pPr algn="just"/>
             <a:r>
-              <a:rPr lang="pt-BR" sz="1900" dirty="0" smtClean="0">
-                <a:solidFill>
-                  <a:schemeClr val="tx1"/>
-                </a:solidFill>
-              </a:rPr>
-              <a:t>Oferece </a:t>
-            </a:r>
-            <a:r>
               <a:rPr lang="pt-BR" sz="1900" dirty="0">
                 <a:solidFill>
                   <a:schemeClr val="tx1"/>
                 </a:solidFill>
               </a:rPr>
-              <a:t>um controle mais fino sobre o processo de construção: Ao contrário de padrões de criação que constroem produtos de uma só vez, o Builder constrói o produto passo a passo sobre o controle do diretor. Somente quando o produto está terminado o diretor o recupera do construtor. Daí a interface de Builder refletir o processo de construção do produto mais explicitamente do que outros padrões de criação. Isso dá um controle mais fino sobre o processo de construção e, consequentemente, da estrutura interna do produto resultante.</a:t>
+              <a:t>Oferece um controle mais fino sobre o processo de construção: Ao contrário de padrões de criação que constroem produtos de uma só vez, o Builder constrói o produto passo a passo sobre o controle do diretor. Somente quando o produto está terminado o diretor o recupera do construtor. Daí a interface de Builder refletir o processo de construção do produto mais explicitamente do que outros padrões de criação. Isso dá um controle mais fino sobre o processo de construção e, consequentemente, da estrutura interna do produto resultante.</a:t>
             </a:r>
           </a:p>
         </p:txBody>
@@ -3814,13 +3759,6 @@
   <p:clrMapOvr>
     <a:masterClrMapping/>
   </p:clrMapOvr>
-  <p:timing>
-    <p:tnLst>
-      <p:par>
-        <p:cTn id="1" dur="indefinite" restart="never" nodeType="tmRoot"/>
-      </p:par>
-    </p:tnLst>
-  </p:timing>
 </p:sld>
 </file>
 
@@ -3857,10 +3795,9 @@
           <a:lstStyle/>
           <a:p>
             <a:r>
-              <a:rPr lang="pt-BR" dirty="0" smtClean="0"/>
+              <a:rPr lang="pt-BR" dirty="0"/>
               <a:t>Desvantagens Builder</a:t>
             </a:r>
-            <a:endParaRPr lang="pt-BR" dirty="0"/>
           </a:p>
         </p:txBody>
       </p:sp>
@@ -3888,23 +3825,7 @@
                   <a:schemeClr val="tx1"/>
                 </a:solidFill>
               </a:rPr>
-              <a:t>Requer criar </a:t>
-            </a:r>
-            <a:r>
-              <a:rPr lang="pt-BR" dirty="0" smtClean="0">
-                <a:solidFill>
-                  <a:schemeClr val="tx1"/>
-                </a:solidFill>
-              </a:rPr>
-              <a:t>uma classe que implemente o builder específico </a:t>
-            </a:r>
-            <a:r>
-              <a:rPr lang="pt-BR" dirty="0">
-                <a:solidFill>
-                  <a:schemeClr val="tx1"/>
-                </a:solidFill>
-              </a:rPr>
-              <a:t>para cada instância diferente do produto.</a:t>
+              <a:t>Requer criar uma classe que implemente o builder específico para cada instância diferente do produto.</a:t>
             </a:r>
           </a:p>
         </p:txBody>
@@ -3919,13 +3840,577 @@
   <p:clrMapOvr>
     <a:masterClrMapping/>
   </p:clrMapOvr>
-  <p:timing>
-    <p:tnLst>
-      <p:par>
-        <p:cTn id="1" dur="indefinite" restart="never" nodeType="tmRoot"/>
-      </p:par>
-    </p:tnLst>
-  </p:timing>
+</p:sld>
+</file>
+
+<file path=ppt/slides/slide14.xml><?xml version="1.0" encoding="utf-8"?>
+<p:sld xmlns:a="http://schemas.openxmlformats.org/drawingml/2006/main" xmlns:r="http://schemas.openxmlformats.org/officeDocument/2006/relationships" xmlns:p="http://schemas.openxmlformats.org/presentationml/2006/main">
+  <p:cSld>
+    <p:spTree>
+      <p:nvGrpSpPr>
+        <p:cNvPr id="1" name=""/>
+        <p:cNvGrpSpPr/>
+        <p:nvPr/>
+      </p:nvGrpSpPr>
+      <p:grpSpPr>
+        <a:xfrm>
+          <a:off x="0" y="0"/>
+          <a:ext cx="0" cy="0"/>
+          <a:chOff x="0" y="0"/>
+          <a:chExt cx="0" cy="0"/>
+        </a:xfrm>
+      </p:grpSpPr>
+      <p:sp>
+        <p:nvSpPr>
+          <p:cNvPr id="2" name="Title 1"/>
+          <p:cNvSpPr>
+            <a:spLocks noGrp="1"/>
+          </p:cNvSpPr>
+          <p:nvPr>
+            <p:ph type="title"/>
+          </p:nvPr>
+        </p:nvSpPr>
+        <p:spPr/>
+        <p:txBody>
+          <a:bodyPr/>
+          <a:lstStyle/>
+          <a:p>
+            <a:r>
+              <a:rPr lang="pt-BR" dirty="0" err="1"/>
+              <a:t>Facade</a:t>
+            </a:r>
+            <a:endParaRPr lang="pt-BR" dirty="0"/>
+          </a:p>
+        </p:txBody>
+      </p:sp>
+      <p:sp>
+        <p:nvSpPr>
+          <p:cNvPr id="3" name="Content Placeholder 2"/>
+          <p:cNvSpPr>
+            <a:spLocks noGrp="1"/>
+          </p:cNvSpPr>
+          <p:nvPr>
+            <p:ph idx="1"/>
+          </p:nvPr>
+        </p:nvSpPr>
+        <p:spPr/>
+        <p:txBody>
+          <a:bodyPr>
+            <a:normAutofit fontScale="92500" lnSpcReduction="10000"/>
+          </a:bodyPr>
+          <a:lstStyle/>
+          <a:p>
+            <a:r>
+              <a:rPr lang="pt-BR" dirty="0">
+                <a:solidFill>
+                  <a:schemeClr val="tx1"/>
+                </a:solidFill>
+              </a:rPr>
+              <a:t>Padrão de projeto de design de software</a:t>
+            </a:r>
+          </a:p>
+          <a:p>
+            <a:endParaRPr lang="pt-BR" dirty="0">
+              <a:solidFill>
+                <a:schemeClr val="tx1"/>
+              </a:solidFill>
+            </a:endParaRPr>
+          </a:p>
+          <a:p>
+            <a:r>
+              <a:rPr lang="pt-BR" dirty="0">
+                <a:solidFill>
+                  <a:schemeClr val="tx1"/>
+                </a:solidFill>
+              </a:rPr>
+              <a:t>Tem como propósito promover uma interface unificada para um conjunto de interfaces de um subsistema. Dessa forma, é definida uma interface de alto nível que torna um subsistema mais fácil de ser utilizado/acessado.</a:t>
+            </a:r>
+          </a:p>
+          <a:p>
+            <a:endParaRPr lang="pt-BR" dirty="0">
+              <a:solidFill>
+                <a:schemeClr val="tx1"/>
+              </a:solidFill>
+            </a:endParaRPr>
+          </a:p>
+          <a:p>
+            <a:r>
+              <a:rPr lang="pt-BR" dirty="0">
+                <a:solidFill>
+                  <a:schemeClr val="tx1"/>
+                </a:solidFill>
+              </a:rPr>
+              <a:t>Seu objetivo é implementar uma forma de interagir com um sistema que seja mais fácil que o antigo, com a intenção de usar um subconjunto do sistema em questão. Ou seja, busca simplificar o uso de um sistema existente a partir de uma interface</a:t>
+            </a:r>
+          </a:p>
+        </p:txBody>
+      </p:sp>
+    </p:spTree>
+    <p:extLst>
+      <p:ext uri="{BB962C8B-B14F-4D97-AF65-F5344CB8AC3E}">
+        <p14:creationId xmlns:p14="http://schemas.microsoft.com/office/powerpoint/2010/main" val="2124802612"/>
+      </p:ext>
+    </p:extLst>
+  </p:cSld>
+  <p:clrMapOvr>
+    <a:masterClrMapping/>
+  </p:clrMapOvr>
+</p:sld>
+</file>
+
+<file path=ppt/slides/slide15.xml><?xml version="1.0" encoding="utf-8"?>
+<p:sld xmlns:a="http://schemas.openxmlformats.org/drawingml/2006/main" xmlns:r="http://schemas.openxmlformats.org/officeDocument/2006/relationships" xmlns:p="http://schemas.openxmlformats.org/presentationml/2006/main">
+  <p:cSld>
+    <p:spTree>
+      <p:nvGrpSpPr>
+        <p:cNvPr id="1" name=""/>
+        <p:cNvGrpSpPr/>
+        <p:nvPr/>
+      </p:nvGrpSpPr>
+      <p:grpSpPr>
+        <a:xfrm>
+          <a:off x="0" y="0"/>
+          <a:ext cx="0" cy="0"/>
+          <a:chOff x="0" y="0"/>
+          <a:chExt cx="0" cy="0"/>
+        </a:xfrm>
+      </p:grpSpPr>
+      <p:sp>
+        <p:nvSpPr>
+          <p:cNvPr id="2" name="Title 1"/>
+          <p:cNvSpPr>
+            <a:spLocks noGrp="1"/>
+          </p:cNvSpPr>
+          <p:nvPr>
+            <p:ph type="title"/>
+          </p:nvPr>
+        </p:nvSpPr>
+        <p:spPr/>
+        <p:txBody>
+          <a:bodyPr/>
+          <a:lstStyle/>
+          <a:p>
+            <a:r>
+              <a:rPr lang="pt-BR" dirty="0"/>
+              <a:t>Estrutura Antes</a:t>
+            </a:r>
+          </a:p>
+        </p:txBody>
+      </p:sp>
+      <p:sp>
+        <p:nvSpPr>
+          <p:cNvPr id="3" name="Content Placeholder 2"/>
+          <p:cNvSpPr>
+            <a:spLocks noGrp="1"/>
+          </p:cNvSpPr>
+          <p:nvPr>
+            <p:ph idx="1"/>
+          </p:nvPr>
+        </p:nvSpPr>
+        <p:spPr>
+          <a:xfrm>
+            <a:off x="467544" y="1772816"/>
+            <a:ext cx="8229600" cy="4525963"/>
+          </a:xfrm>
+        </p:spPr>
+        <p:txBody>
+          <a:bodyPr>
+            <a:normAutofit/>
+          </a:bodyPr>
+          <a:lstStyle/>
+          <a:p>
+            <a:pPr marL="0" indent="0">
+              <a:buNone/>
+            </a:pPr>
+            <a:endParaRPr lang="pt-BR" dirty="0"/>
+          </a:p>
+          <a:p>
+            <a:endParaRPr lang="pt-BR" dirty="0"/>
+          </a:p>
+        </p:txBody>
+      </p:sp>
+      <p:pic>
+        <p:nvPicPr>
+          <p:cNvPr id="5" name="Imagem 4">
+            <a:extLst>
+              <a:ext uri="{FF2B5EF4-FFF2-40B4-BE49-F238E27FC236}">
+                <a16:creationId xmlns:a16="http://schemas.microsoft.com/office/drawing/2014/main" id="{6E21660A-4590-4BDF-9CA9-A33099FA11CC}"/>
+              </a:ext>
+            </a:extLst>
+          </p:cNvPr>
+          <p:cNvPicPr>
+            <a:picLocks noChangeAspect="1"/>
+          </p:cNvPicPr>
+          <p:nvPr/>
+        </p:nvPicPr>
+        <p:blipFill>
+          <a:blip r:embed="rId2">
+            <a:extLst>
+              <a:ext uri="{28A0092B-C50C-407E-A947-70E740481C1C}">
+                <a14:useLocalDpi xmlns:a14="http://schemas.microsoft.com/office/drawing/2010/main" val="0"/>
+              </a:ext>
+            </a:extLst>
+          </a:blip>
+          <a:stretch>
+            <a:fillRect/>
+          </a:stretch>
+        </p:blipFill>
+        <p:spPr>
+          <a:xfrm>
+            <a:off x="152400" y="1652587"/>
+            <a:ext cx="8839200" cy="4296693"/>
+          </a:xfrm>
+          <a:prstGeom prst="rect">
+            <a:avLst/>
+          </a:prstGeom>
+        </p:spPr>
+      </p:pic>
+    </p:spTree>
+    <p:extLst>
+      <p:ext uri="{BB962C8B-B14F-4D97-AF65-F5344CB8AC3E}">
+        <p14:creationId xmlns:p14="http://schemas.microsoft.com/office/powerpoint/2010/main" val="2708588025"/>
+      </p:ext>
+    </p:extLst>
+  </p:cSld>
+  <p:clrMapOvr>
+    <a:masterClrMapping/>
+  </p:clrMapOvr>
+</p:sld>
+</file>
+
+<file path=ppt/slides/slide16.xml><?xml version="1.0" encoding="utf-8"?>
+<p:sld xmlns:a="http://schemas.openxmlformats.org/drawingml/2006/main" xmlns:r="http://schemas.openxmlformats.org/officeDocument/2006/relationships" xmlns:p="http://schemas.openxmlformats.org/presentationml/2006/main">
+  <p:cSld>
+    <p:spTree>
+      <p:nvGrpSpPr>
+        <p:cNvPr id="1" name=""/>
+        <p:cNvGrpSpPr/>
+        <p:nvPr/>
+      </p:nvGrpSpPr>
+      <p:grpSpPr>
+        <a:xfrm>
+          <a:off x="0" y="0"/>
+          <a:ext cx="0" cy="0"/>
+          <a:chOff x="0" y="0"/>
+          <a:chExt cx="0" cy="0"/>
+        </a:xfrm>
+      </p:grpSpPr>
+      <p:sp>
+        <p:nvSpPr>
+          <p:cNvPr id="2" name="Title 1"/>
+          <p:cNvSpPr>
+            <a:spLocks noGrp="1"/>
+          </p:cNvSpPr>
+          <p:nvPr>
+            <p:ph type="title"/>
+          </p:nvPr>
+        </p:nvSpPr>
+        <p:spPr/>
+        <p:txBody>
+          <a:bodyPr/>
+          <a:lstStyle/>
+          <a:p>
+            <a:r>
+              <a:rPr lang="pt-BR" dirty="0"/>
+              <a:t>Estrutura Atual</a:t>
+            </a:r>
+          </a:p>
+        </p:txBody>
+      </p:sp>
+      <p:sp>
+        <p:nvSpPr>
+          <p:cNvPr id="3" name="Content Placeholder 2"/>
+          <p:cNvSpPr>
+            <a:spLocks noGrp="1"/>
+          </p:cNvSpPr>
+          <p:nvPr>
+            <p:ph idx="1"/>
+          </p:nvPr>
+        </p:nvSpPr>
+        <p:spPr>
+          <a:xfrm>
+            <a:off x="467544" y="1772816"/>
+            <a:ext cx="8229600" cy="4525963"/>
+          </a:xfrm>
+        </p:spPr>
+        <p:txBody>
+          <a:bodyPr>
+            <a:normAutofit/>
+          </a:bodyPr>
+          <a:lstStyle/>
+          <a:p>
+            <a:pPr marL="0" indent="0">
+              <a:buNone/>
+            </a:pPr>
+            <a:endParaRPr lang="pt-BR" dirty="0"/>
+          </a:p>
+          <a:p>
+            <a:endParaRPr lang="pt-BR" dirty="0"/>
+          </a:p>
+        </p:txBody>
+      </p:sp>
+      <p:pic>
+        <p:nvPicPr>
+          <p:cNvPr id="6" name="Imagem 5">
+            <a:extLst>
+              <a:ext uri="{FF2B5EF4-FFF2-40B4-BE49-F238E27FC236}">
+                <a16:creationId xmlns:a16="http://schemas.microsoft.com/office/drawing/2014/main" id="{0B7272D5-577B-4887-843A-A2CEB72221B7}"/>
+              </a:ext>
+            </a:extLst>
+          </p:cNvPr>
+          <p:cNvPicPr>
+            <a:picLocks noChangeAspect="1"/>
+          </p:cNvPicPr>
+          <p:nvPr/>
+        </p:nvPicPr>
+        <p:blipFill>
+          <a:blip r:embed="rId2">
+            <a:extLst>
+              <a:ext uri="{28A0092B-C50C-407E-A947-70E740481C1C}">
+                <a14:useLocalDpi xmlns:a14="http://schemas.microsoft.com/office/drawing/2010/main" val="0"/>
+              </a:ext>
+            </a:extLst>
+          </a:blip>
+          <a:stretch>
+            <a:fillRect/>
+          </a:stretch>
+        </p:blipFill>
+        <p:spPr>
+          <a:xfrm>
+            <a:off x="457200" y="1602353"/>
+            <a:ext cx="8229599" cy="4343400"/>
+          </a:xfrm>
+          <a:prstGeom prst="rect">
+            <a:avLst/>
+          </a:prstGeom>
+        </p:spPr>
+      </p:pic>
+    </p:spTree>
+    <p:extLst>
+      <p:ext uri="{BB962C8B-B14F-4D97-AF65-F5344CB8AC3E}">
+        <p14:creationId xmlns:p14="http://schemas.microsoft.com/office/powerpoint/2010/main" val="2349198731"/>
+      </p:ext>
+    </p:extLst>
+  </p:cSld>
+  <p:clrMapOvr>
+    <a:masterClrMapping/>
+  </p:clrMapOvr>
+</p:sld>
+</file>
+
+<file path=ppt/slides/slide17.xml><?xml version="1.0" encoding="utf-8"?>
+<p:sld xmlns:a="http://schemas.openxmlformats.org/drawingml/2006/main" xmlns:r="http://schemas.openxmlformats.org/officeDocument/2006/relationships" xmlns:p="http://schemas.openxmlformats.org/presentationml/2006/main">
+  <p:cSld>
+    <p:spTree>
+      <p:nvGrpSpPr>
+        <p:cNvPr id="1" name=""/>
+        <p:cNvGrpSpPr/>
+        <p:nvPr/>
+      </p:nvGrpSpPr>
+      <p:grpSpPr>
+        <a:xfrm>
+          <a:off x="0" y="0"/>
+          <a:ext cx="0" cy="0"/>
+          <a:chOff x="0" y="0"/>
+          <a:chExt cx="0" cy="0"/>
+        </a:xfrm>
+      </p:grpSpPr>
+      <p:sp>
+        <p:nvSpPr>
+          <p:cNvPr id="2" name="Title 1"/>
+          <p:cNvSpPr>
+            <a:spLocks noGrp="1"/>
+          </p:cNvSpPr>
+          <p:nvPr>
+            <p:ph type="title"/>
+          </p:nvPr>
+        </p:nvSpPr>
+        <p:spPr/>
+        <p:txBody>
+          <a:bodyPr/>
+          <a:lstStyle/>
+          <a:p>
+            <a:r>
+              <a:rPr lang="pt-BR" dirty="0"/>
+              <a:t>Vantagens </a:t>
+            </a:r>
+            <a:r>
+              <a:rPr lang="pt-BR" dirty="0" err="1"/>
+              <a:t>Facade</a:t>
+            </a:r>
+            <a:endParaRPr lang="pt-BR" dirty="0"/>
+          </a:p>
+        </p:txBody>
+      </p:sp>
+      <p:sp>
+        <p:nvSpPr>
+          <p:cNvPr id="3" name="Content Placeholder 2"/>
+          <p:cNvSpPr>
+            <a:spLocks noGrp="1"/>
+          </p:cNvSpPr>
+          <p:nvPr>
+            <p:ph idx="1"/>
+          </p:nvPr>
+        </p:nvSpPr>
+        <p:spPr>
+          <a:xfrm>
+            <a:off x="467544" y="1772816"/>
+            <a:ext cx="8229600" cy="4525963"/>
+          </a:xfrm>
+        </p:spPr>
+        <p:txBody>
+          <a:bodyPr>
+            <a:normAutofit/>
+          </a:bodyPr>
+          <a:lstStyle/>
+          <a:p>
+            <a:r>
+              <a:rPr lang="pt-BR" dirty="0">
+                <a:solidFill>
+                  <a:schemeClr val="tx1"/>
+                </a:solidFill>
+              </a:rPr>
+              <a:t>Torna o sistema mais fácil de se usar, protegendo os clientes dos componentes do sistema, reduzindo o número de objetos que terão que lidar.</a:t>
+            </a:r>
+          </a:p>
+          <a:p>
+            <a:endParaRPr lang="pt-BR" dirty="0">
+              <a:solidFill>
+                <a:schemeClr val="tx1"/>
+              </a:solidFill>
+            </a:endParaRPr>
+          </a:p>
+          <a:p>
+            <a:r>
+              <a:rPr lang="pt-BR" dirty="0">
+                <a:solidFill>
+                  <a:schemeClr val="tx1"/>
+                </a:solidFill>
+              </a:rPr>
+              <a:t>Promove fraco/pouco acoplamento entre os subsistemas e seus clientes.</a:t>
+            </a:r>
+          </a:p>
+          <a:p>
+            <a:endParaRPr lang="pt-BR" dirty="0">
+              <a:solidFill>
+                <a:schemeClr val="tx1"/>
+              </a:solidFill>
+            </a:endParaRPr>
+          </a:p>
+          <a:p>
+            <a:r>
+              <a:rPr lang="pt-BR" dirty="0">
+                <a:solidFill>
+                  <a:schemeClr val="tx1"/>
+                </a:solidFill>
+              </a:rPr>
+              <a:t>Não evita que as aplicações possam acessar as subclasses diretamente, pode-se escolher entre a facilidade de uso ou a generalidade.</a:t>
+            </a:r>
+          </a:p>
+        </p:txBody>
+      </p:sp>
+    </p:spTree>
+    <p:extLst>
+      <p:ext uri="{BB962C8B-B14F-4D97-AF65-F5344CB8AC3E}">
+        <p14:creationId xmlns:p14="http://schemas.microsoft.com/office/powerpoint/2010/main" val="2070413288"/>
+      </p:ext>
+    </p:extLst>
+  </p:cSld>
+  <p:clrMapOvr>
+    <a:masterClrMapping/>
+  </p:clrMapOvr>
+</p:sld>
+</file>
+
+<file path=ppt/slides/slide18.xml><?xml version="1.0" encoding="utf-8"?>
+<p:sld xmlns:a="http://schemas.openxmlformats.org/drawingml/2006/main" xmlns:r="http://schemas.openxmlformats.org/officeDocument/2006/relationships" xmlns:p="http://schemas.openxmlformats.org/presentationml/2006/main">
+  <p:cSld>
+    <p:spTree>
+      <p:nvGrpSpPr>
+        <p:cNvPr id="1" name=""/>
+        <p:cNvGrpSpPr/>
+        <p:nvPr/>
+      </p:nvGrpSpPr>
+      <p:grpSpPr>
+        <a:xfrm>
+          <a:off x="0" y="0"/>
+          <a:ext cx="0" cy="0"/>
+          <a:chOff x="0" y="0"/>
+          <a:chExt cx="0" cy="0"/>
+        </a:xfrm>
+      </p:grpSpPr>
+      <p:sp>
+        <p:nvSpPr>
+          <p:cNvPr id="2" name="Title 1"/>
+          <p:cNvSpPr>
+            <a:spLocks noGrp="1"/>
+          </p:cNvSpPr>
+          <p:nvPr>
+            <p:ph type="title"/>
+          </p:nvPr>
+        </p:nvSpPr>
+        <p:spPr/>
+        <p:txBody>
+          <a:bodyPr/>
+          <a:lstStyle/>
+          <a:p>
+            <a:r>
+              <a:rPr lang="pt-BR" dirty="0"/>
+              <a:t>Desvantagens </a:t>
+            </a:r>
+            <a:r>
+              <a:rPr lang="pt-BR" dirty="0" err="1"/>
+              <a:t>Facade</a:t>
+            </a:r>
+            <a:endParaRPr lang="pt-BR" dirty="0"/>
+          </a:p>
+        </p:txBody>
+      </p:sp>
+      <p:pic>
+        <p:nvPicPr>
+          <p:cNvPr id="5" name="Espaço Reservado para Conteúdo 4">
+            <a:extLst>
+              <a:ext uri="{FF2B5EF4-FFF2-40B4-BE49-F238E27FC236}">
+                <a16:creationId xmlns:a16="http://schemas.microsoft.com/office/drawing/2014/main" id="{C7158B15-0B5E-4179-890E-07A1B9A4C7F1}"/>
+              </a:ext>
+            </a:extLst>
+          </p:cNvPr>
+          <p:cNvPicPr>
+            <a:picLocks noGrp="1" noChangeAspect="1"/>
+          </p:cNvPicPr>
+          <p:nvPr>
+            <p:ph idx="1"/>
+          </p:nvPr>
+        </p:nvPicPr>
+        <p:blipFill>
+          <a:blip r:embed="rId2">
+            <a:extLst>
+              <a:ext uri="{28A0092B-C50C-407E-A947-70E740481C1C}">
+                <a14:useLocalDpi xmlns:a14="http://schemas.microsoft.com/office/drawing/2010/main" val="0"/>
+              </a:ext>
+            </a:extLst>
+          </a:blip>
+          <a:stretch>
+            <a:fillRect/>
+          </a:stretch>
+        </p:blipFill>
+        <p:spPr>
+          <a:xfrm>
+            <a:off x="2411760" y="1961331"/>
+            <a:ext cx="3915941" cy="3915941"/>
+          </a:xfrm>
+        </p:spPr>
+      </p:pic>
+    </p:spTree>
+    <p:extLst>
+      <p:ext uri="{BB962C8B-B14F-4D97-AF65-F5344CB8AC3E}">
+        <p14:creationId xmlns:p14="http://schemas.microsoft.com/office/powerpoint/2010/main" val="579172413"/>
+      </p:ext>
+    </p:extLst>
+  </p:cSld>
+  <p:clrMapOvr>
+    <a:masterClrMapping/>
+  </p:clrMapOvr>
 </p:sld>
 </file>
 
@@ -3967,10 +4452,9 @@
           <a:lstStyle/>
           <a:p>
             <a:r>
-              <a:rPr lang="pt-BR" dirty="0" smtClean="0"/>
+              <a:rPr lang="pt-BR" dirty="0"/>
               <a:t>Sumário</a:t>
             </a:r>
-            <a:endParaRPr lang="pt-BR" dirty="0"/>
           </a:p>
         </p:txBody>
       </p:sp>
@@ -3997,7 +4481,7 @@
           <a:lstStyle/>
           <a:p>
             <a:r>
-              <a:rPr lang="pt-BR" dirty="0" smtClean="0">
+              <a:rPr lang="pt-BR" dirty="0">
                 <a:solidFill>
                   <a:schemeClr val="tx1"/>
                 </a:solidFill>
@@ -4008,7 +4492,7 @@
           <a:p>
             <a:pPr lvl="1"/>
             <a:r>
-              <a:rPr lang="pt-BR" dirty="0" smtClean="0">
+              <a:rPr lang="pt-BR" dirty="0">
                 <a:solidFill>
                   <a:schemeClr val="tx1"/>
                 </a:solidFill>
@@ -4019,7 +4503,7 @@
           <a:p>
             <a:pPr lvl="1"/>
             <a:r>
-              <a:rPr lang="pt-BR" dirty="0" smtClean="0">
+              <a:rPr lang="pt-BR" dirty="0">
                 <a:solidFill>
                   <a:schemeClr val="tx1"/>
                 </a:solidFill>
@@ -4030,7 +4514,7 @@
           <a:p>
             <a:pPr lvl="1"/>
             <a:r>
-              <a:rPr lang="pt-BR" dirty="0" smtClean="0">
+              <a:rPr lang="pt-BR" dirty="0">
                 <a:solidFill>
                   <a:schemeClr val="tx1"/>
                 </a:solidFill>
@@ -4041,20 +4525,12 @@
           <a:p>
             <a:pPr lvl="1"/>
             <a:r>
-              <a:rPr lang="pt-BR" dirty="0" smtClean="0">
+              <a:rPr lang="pt-BR" dirty="0">
                 <a:solidFill>
                   <a:schemeClr val="tx1"/>
                 </a:solidFill>
               </a:rPr>
               <a:t>Desvantagens;</a:t>
-            </a:r>
-            <a:r>
-              <a:rPr lang="pt-BR" dirty="0">
-                <a:solidFill>
-                  <a:schemeClr val="tx1"/>
-                </a:solidFill>
-              </a:rPr>
-              <a:t/>
             </a:r>
             <a:br>
               <a:rPr lang="pt-BR" dirty="0">
@@ -4063,7 +4539,7 @@
                 </a:solidFill>
               </a:rPr>
             </a:br>
-            <a:endParaRPr lang="pt-BR" dirty="0" smtClean="0">
+            <a:endParaRPr lang="pt-BR" dirty="0">
               <a:solidFill>
                 <a:schemeClr val="tx1"/>
               </a:solidFill>
@@ -4071,7 +4547,7 @@
           </a:p>
           <a:p>
             <a:r>
-              <a:rPr lang="pt-BR" dirty="0" smtClean="0">
+              <a:rPr lang="pt-BR" dirty="0">
                 <a:solidFill>
                   <a:schemeClr val="tx1"/>
                 </a:solidFill>
@@ -4104,20 +4580,12 @@
           <a:p>
             <a:pPr lvl="1"/>
             <a:r>
-              <a:rPr lang="pt-BR" dirty="0" smtClean="0">
-                <a:solidFill>
-                  <a:schemeClr val="tx1"/>
-                </a:solidFill>
-              </a:rPr>
-              <a:t>Vantagens</a:t>
-            </a:r>
-            <a:r>
               <a:rPr lang="pt-BR" dirty="0">
                 <a:solidFill>
                   <a:schemeClr val="tx1"/>
                 </a:solidFill>
               </a:rPr>
-              <a:t>;</a:t>
+              <a:t>Vantagens;</a:t>
             </a:r>
           </a:p>
           <a:p>
@@ -4137,7 +4605,7 @@
                 </a:solidFill>
               </a:rPr>
             </a:br>
-            <a:endParaRPr lang="pt-BR" dirty="0" smtClean="0">
+            <a:endParaRPr lang="pt-BR" dirty="0">
               <a:solidFill>
                 <a:schemeClr val="tx1"/>
               </a:solidFill>
@@ -4145,7 +4613,7 @@
           </a:p>
           <a:p>
             <a:r>
-              <a:rPr lang="pt-BR" dirty="0" smtClean="0">
+              <a:rPr lang="pt-BR" dirty="0">
                 <a:solidFill>
                   <a:schemeClr val="tx1"/>
                 </a:solidFill>
@@ -4178,20 +4646,12 @@
           <a:p>
             <a:pPr lvl="1"/>
             <a:r>
-              <a:rPr lang="pt-BR" dirty="0" smtClean="0">
-                <a:solidFill>
-                  <a:schemeClr val="tx1"/>
-                </a:solidFill>
-              </a:rPr>
-              <a:t>Vantagens</a:t>
-            </a:r>
-            <a:r>
               <a:rPr lang="pt-BR" dirty="0">
                 <a:solidFill>
                   <a:schemeClr val="tx1"/>
                 </a:solidFill>
               </a:rPr>
-              <a:t>;</a:t>
+              <a:t>Vantagens;</a:t>
             </a:r>
           </a:p>
           <a:p>
@@ -4217,13 +4677,6 @@
   <p:clrMapOvr>
     <a:masterClrMapping/>
   </p:clrMapOvr>
-  <p:timing>
-    <p:tnLst>
-      <p:par>
-        <p:cTn id="1" dur="indefinite" restart="never" nodeType="tmRoot"/>
-      </p:par>
-    </p:tnLst>
-  </p:timing>
 </p:sld>
 </file>
 
@@ -4260,10 +4713,9 @@
           <a:lstStyle/>
           <a:p>
             <a:r>
-              <a:rPr lang="pt-BR" dirty="0" smtClean="0"/>
+              <a:rPr lang="pt-BR" dirty="0"/>
               <a:t>Builder</a:t>
             </a:r>
-            <a:endParaRPr lang="pt-BR" dirty="0"/>
           </a:p>
         </p:txBody>
       </p:sp>
@@ -4283,7 +4735,7 @@
           <a:lstStyle/>
           <a:p>
             <a:r>
-              <a:rPr lang="pt-BR" dirty="0" smtClean="0">
+              <a:rPr lang="pt-BR" dirty="0">
                 <a:solidFill>
                   <a:schemeClr val="tx1"/>
                 </a:solidFill>
@@ -4292,50 +4744,21 @@
             </a:r>
           </a:p>
           <a:p>
-            <a:endParaRPr lang="pt-BR" dirty="0" smtClean="0">
-              <a:solidFill>
-                <a:schemeClr val="tx1"/>
-              </a:solidFill>
-            </a:endParaRPr>
-          </a:p>
-          <a:p>
-            <a:r>
-              <a:rPr lang="pt-BR" dirty="0">
-                <a:solidFill>
-                  <a:schemeClr val="tx1"/>
-                </a:solidFill>
-              </a:rPr>
-              <a:t>permite a separação da construção de um objeto complexo da sua representação, de forma que o mesmo processo de construção possa criar diferentes </a:t>
-            </a:r>
-            <a:r>
-              <a:rPr lang="pt-BR" dirty="0" smtClean="0">
-                <a:solidFill>
-                  <a:schemeClr val="tx1"/>
-                </a:solidFill>
-              </a:rPr>
-              <a:t>representações, ou seja, permite </a:t>
-            </a:r>
-            <a:r>
-              <a:rPr lang="pt-BR" dirty="0">
-                <a:solidFill>
-                  <a:schemeClr val="tx1"/>
-                </a:solidFill>
-              </a:rPr>
-              <a:t>separar os passos de construção de um objeto em pequenos </a:t>
-            </a:r>
-            <a:r>
-              <a:rPr lang="pt-BR" dirty="0" smtClean="0">
-                <a:solidFill>
-                  <a:schemeClr val="tx1"/>
-                </a:solidFill>
-              </a:rPr>
-              <a:t>métodos.</a:t>
-            </a:r>
             <a:endParaRPr lang="pt-BR" dirty="0">
               <a:solidFill>
                 <a:schemeClr val="tx1"/>
               </a:solidFill>
             </a:endParaRPr>
+          </a:p>
+          <a:p>
+            <a:r>
+              <a:rPr lang="pt-BR" dirty="0">
+                <a:solidFill>
+                  <a:schemeClr val="tx1"/>
+                </a:solidFill>
+              </a:rPr>
+              <a:t>permite a separação da construção de um objeto complexo da sua representação, de forma que o mesmo processo de construção possa criar diferentes representações, ou seja, permite separar os passos de construção de um objeto em pequenos métodos.</a:t>
+            </a:r>
           </a:p>
         </p:txBody>
       </p:sp>
@@ -4349,13 +4772,6 @@
   <p:clrMapOvr>
     <a:masterClrMapping/>
   </p:clrMapOvr>
-  <p:timing>
-    <p:tnLst>
-      <p:par>
-        <p:cTn id="1" dur="indefinite" restart="never" nodeType="tmRoot"/>
-      </p:par>
-    </p:tnLst>
-  </p:timing>
 </p:sld>
 </file>
 
@@ -4392,8 +4808,12 @@
           <a:lstStyle/>
           <a:p>
             <a:r>
-              <a:rPr lang="pt-BR" dirty="0" smtClean="0"/>
-              <a:t>Estrutura Builder</a:t>
+              <a:rPr lang="pt-BR" dirty="0"/>
+              <a:t>Estrutura </a:t>
+            </a:r>
+            <a:r>
+              <a:rPr lang="pt-BR" dirty="0" err="1"/>
+              <a:t>Builder</a:t>
             </a:r>
             <a:endParaRPr lang="pt-BR" dirty="0"/>
           </a:p>
@@ -4422,7 +4842,7 @@
           <a:lstStyle/>
           <a:p>
             <a:r>
-              <a:rPr lang="pt-BR" i="1" dirty="0" smtClean="0">
+              <a:rPr lang="pt-BR" i="1" dirty="0" err="1">
                 <a:solidFill>
                   <a:schemeClr val="tx1"/>
                 </a:solidFill>
@@ -4430,36 +4850,13 @@
               <a:t>Product</a:t>
             </a:r>
             <a:r>
-              <a:rPr lang="pt-BR" dirty="0" smtClean="0">
-                <a:solidFill>
-                  <a:schemeClr val="tx1"/>
-                </a:solidFill>
-              </a:rPr>
-              <a:t> </a:t>
-            </a:r>
-            <a:r>
               <a:rPr lang="pt-BR" dirty="0">
                 <a:solidFill>
                   <a:schemeClr val="tx1"/>
                 </a:solidFill>
               </a:rPr>
-              <a:t>— Classe básica</a:t>
-            </a:r>
-            <a:r>
-              <a:rPr lang="pt-BR" dirty="0" smtClean="0">
-                <a:solidFill>
-                  <a:schemeClr val="tx1"/>
-                </a:solidFill>
-              </a:rPr>
-              <a:t>.</a:t>
-            </a:r>
-            <a:endParaRPr lang="pt-BR" i="1" dirty="0" smtClean="0">
-              <a:solidFill>
-                <a:schemeClr val="tx1"/>
-              </a:solidFill>
-            </a:endParaRPr>
-          </a:p>
-          <a:p>
+              <a:t> — Classe básica.</a:t>
+            </a:r>
             <a:endParaRPr lang="pt-BR" i="1" dirty="0">
               <a:solidFill>
                 <a:schemeClr val="tx1"/>
@@ -4467,29 +4864,20 @@
             </a:endParaRPr>
           </a:p>
           <a:p>
-            <a:r>
-              <a:rPr lang="pt-BR" i="1" dirty="0">
-                <a:solidFill>
-                  <a:schemeClr val="tx1"/>
-                </a:solidFill>
-              </a:rPr>
-              <a:t>B</a:t>
-            </a:r>
-            <a:r>
-              <a:rPr lang="pt-BR" i="1" dirty="0" smtClean="0">
-                <a:solidFill>
-                  <a:schemeClr val="tx1"/>
-                </a:solidFill>
-              </a:rPr>
-              <a:t>uilder</a:t>
-            </a:r>
-            <a:r>
-              <a:rPr lang="pt-BR" dirty="0" smtClean="0">
-                <a:solidFill>
-                  <a:schemeClr val="tx1"/>
-                </a:solidFill>
-              </a:rPr>
-              <a:t> </a:t>
+            <a:endParaRPr lang="pt-BR" i="1" dirty="0">
+              <a:solidFill>
+                <a:schemeClr val="tx1"/>
+              </a:solidFill>
+            </a:endParaRPr>
+          </a:p>
+          <a:p>
+            <a:r>
+              <a:rPr lang="pt-BR" i="1" dirty="0" err="1">
+                <a:solidFill>
+                  <a:schemeClr val="tx1"/>
+                </a:solidFill>
+              </a:rPr>
+              <a:t>Builder</a:t>
             </a:r>
             <a:r>
               <a:rPr lang="pt-BR" dirty="0">
@@ -4497,15 +4885,15 @@
                   <a:schemeClr val="tx1"/>
                 </a:solidFill>
               </a:rPr>
-              <a:t>— </a:t>
-            </a:r>
-            <a:r>
-              <a:rPr lang="pt-BR" dirty="0" smtClean="0">
-                <a:solidFill>
-                  <a:schemeClr val="tx1"/>
-                </a:solidFill>
-              </a:rPr>
-              <a:t>Interface que possui metodos para </a:t>
+              <a:t> — Interface que possui </a:t>
+            </a:r>
+            <a:r>
+              <a:rPr lang="pt-BR" dirty="0" err="1">
+                <a:solidFill>
+                  <a:schemeClr val="tx1"/>
+                </a:solidFill>
+              </a:rPr>
+              <a:t>metodos</a:t>
             </a:r>
             <a:r>
               <a:rPr lang="pt-BR" dirty="0">
@@ -4513,23 +4901,7 @@
                   <a:schemeClr val="tx1"/>
                 </a:solidFill>
               </a:rPr>
-              <a:t>construir cada um dos dados do </a:t>
-            </a:r>
-            <a:r>
-              <a:rPr lang="pt-BR" dirty="0" smtClean="0">
-                <a:solidFill>
-                  <a:schemeClr val="tx1"/>
-                </a:solidFill>
-              </a:rPr>
-              <a:t>Produto</a:t>
-            </a:r>
-            <a:r>
-              <a:rPr lang="pt-BR" dirty="0">
-                <a:solidFill>
-                  <a:schemeClr val="tx1"/>
-                </a:solidFill>
-              </a:rPr>
-              <a:t>.</a:t>
+              <a:t> para construir cada um dos dados do Produto.</a:t>
             </a:r>
           </a:p>
           <a:p>
@@ -4544,7 +4916,7 @@
           </a:p>
           <a:p>
             <a:r>
-              <a:rPr lang="pt-BR" i="1" dirty="0" smtClean="0">
+              <a:rPr lang="pt-BR" i="1" dirty="0">
                 <a:solidFill>
                   <a:schemeClr val="tx1"/>
                 </a:solidFill>
@@ -4552,7 +4924,7 @@
               <a:t>Concrete </a:t>
             </a:r>
             <a:r>
-              <a:rPr lang="pt-BR" i="1" dirty="0">
+              <a:rPr lang="pt-BR" i="1" dirty="0" err="1">
                 <a:solidFill>
                   <a:schemeClr val="tx1"/>
                 </a:solidFill>
@@ -4568,7 +4940,7 @@
               <a:t> — define uma implementação da interface </a:t>
             </a:r>
             <a:r>
-              <a:rPr lang="pt-BR" i="1" dirty="0" smtClean="0">
+              <a:rPr lang="pt-BR" i="1" dirty="0" err="1">
                 <a:solidFill>
                   <a:schemeClr val="tx1"/>
                 </a:solidFill>
@@ -4576,7 +4948,7 @@
               <a:t>builder</a:t>
             </a:r>
             <a:r>
-              <a:rPr lang="pt-BR" dirty="0" smtClean="0">
+              <a:rPr lang="pt-BR" dirty="0">
                 <a:solidFill>
                   <a:schemeClr val="tx1"/>
                 </a:solidFill>
@@ -4588,58 +4960,45 @@
             <a:pPr marL="0" indent="0">
               <a:buNone/>
             </a:pPr>
-            <a:endParaRPr lang="pt-BR" dirty="0" smtClean="0">
-              <a:solidFill>
-                <a:schemeClr val="tx1"/>
-              </a:solidFill>
-            </a:endParaRPr>
-          </a:p>
-          <a:p>
-            <a:r>
-              <a:rPr lang="pt-BR" i="1" dirty="0" smtClean="0">
-                <a:solidFill>
-                  <a:schemeClr val="tx1"/>
-                </a:solidFill>
-              </a:rPr>
-              <a:t>Director</a:t>
-            </a:r>
-            <a:r>
-              <a:rPr lang="pt-BR" dirty="0" smtClean="0">
-                <a:solidFill>
-                  <a:schemeClr val="tx1"/>
-                </a:solidFill>
-              </a:rPr>
-              <a:t> </a:t>
-            </a:r>
-            <a:r>
-              <a:rPr lang="pt-BR" dirty="0">
-                <a:solidFill>
-                  <a:schemeClr val="tx1"/>
-                </a:solidFill>
-              </a:rPr>
-              <a:t>— constrói um objeto utilizando a interface do </a:t>
-            </a:r>
-            <a:r>
-              <a:rPr lang="pt-BR" i="1" dirty="0" smtClean="0">
-                <a:solidFill>
-                  <a:schemeClr val="tx1"/>
-                </a:solidFill>
-              </a:rPr>
-              <a:t>builder</a:t>
-            </a:r>
-            <a:r>
-              <a:rPr lang="pt-BR" dirty="0" smtClean="0">
-                <a:solidFill>
-                  <a:schemeClr val="tx1"/>
-                </a:solidFill>
-              </a:rPr>
-              <a:t>.</a:t>
-            </a:r>
             <a:endParaRPr lang="pt-BR" dirty="0">
               <a:solidFill>
                 <a:schemeClr val="tx1"/>
               </a:solidFill>
             </a:endParaRPr>
+          </a:p>
+          <a:p>
+            <a:r>
+              <a:rPr lang="pt-BR" i="1" dirty="0" err="1">
+                <a:solidFill>
+                  <a:schemeClr val="tx1"/>
+                </a:solidFill>
+              </a:rPr>
+              <a:t>Director</a:t>
+            </a:r>
+            <a:r>
+              <a:rPr lang="pt-BR" dirty="0">
+                <a:solidFill>
+                  <a:schemeClr val="tx1"/>
+                </a:solidFill>
+              </a:rPr>
+              <a:t> — constrói um objeto utilizando a interface do </a:t>
+            </a:r>
+            <a:r>
+              <a:rPr lang="pt-BR" i="1" dirty="0" err="1">
+                <a:solidFill>
+                  <a:schemeClr val="tx1"/>
+                </a:solidFill>
+              </a:rPr>
+              <a:t>builder</a:t>
+            </a:r>
+            <a:r>
+              <a:rPr lang="pt-BR" dirty="0">
+                <a:solidFill>
+                  <a:schemeClr val="tx1"/>
+                </a:solidFill>
+              </a:rPr>
+              <a:t>.</a:t>
+            </a:r>
           </a:p>
           <a:p>
             <a:endParaRPr lang="pt-BR" dirty="0"/>
@@ -4659,13 +5018,6 @@
   <p:clrMapOvr>
     <a:masterClrMapping/>
   </p:clrMapOvr>
-  <p:timing>
-    <p:tnLst>
-      <p:par>
-        <p:cTn id="1" dur="indefinite" restart="never" nodeType="tmRoot"/>
-      </p:par>
-    </p:tnLst>
-  </p:timing>
 </p:sld>
 </file>
 
@@ -4702,10 +5054,9 @@
           <a:lstStyle/>
           <a:p>
             <a:r>
-              <a:rPr lang="pt-BR" dirty="0" smtClean="0"/>
+              <a:rPr lang="pt-BR" dirty="0"/>
               <a:t>Product</a:t>
             </a:r>
-            <a:endParaRPr lang="pt-BR" dirty="0"/>
           </a:p>
         </p:txBody>
       </p:sp>
@@ -4734,7 +5085,7 @@
           </a:p>
           <a:p>
             <a:r>
-              <a:rPr lang="pt-BR" dirty="0" smtClean="0">
+              <a:rPr lang="pt-BR" dirty="0">
                 <a:solidFill>
                   <a:schemeClr val="tx1"/>
                 </a:solidFill>
@@ -4768,7 +5119,7 @@
           <a:lstStyle/>
           <a:p>
             <a:r>
-              <a:rPr lang="pt-BR" sz="2400" b="1" dirty="0" smtClean="0">
+              <a:rPr lang="pt-BR" sz="2400" b="1" dirty="0">
                 <a:latin typeface="Arial" pitchFamily="34" charset="0"/>
                 <a:cs typeface="Arial" pitchFamily="34" charset="0"/>
               </a:rPr>
@@ -4777,7 +5128,7 @@
           </a:p>
           <a:p>
             <a:r>
-              <a:rPr lang="pt-BR" sz="2400" b="1" dirty="0" smtClean="0">
+              <a:rPr lang="pt-BR" sz="2400" b="1" dirty="0">
                 <a:latin typeface="Arial" pitchFamily="34" charset="0"/>
                 <a:cs typeface="Arial" pitchFamily="34" charset="0"/>
               </a:rPr>
@@ -4786,7 +5137,7 @@
           </a:p>
           <a:p>
             <a:r>
-              <a:rPr lang="pt-BR" sz="2400" b="1" dirty="0" smtClean="0">
+              <a:rPr lang="pt-BR" sz="2400" b="1" dirty="0">
                 <a:latin typeface="Arial" pitchFamily="34" charset="0"/>
                 <a:cs typeface="Arial" pitchFamily="34" charset="0"/>
               </a:rPr>
@@ -4795,7 +5146,7 @@
           </a:p>
           <a:p>
             <a:r>
-              <a:rPr lang="pt-BR" sz="2400" b="1" dirty="0" smtClean="0">
+              <a:rPr lang="pt-BR" sz="2400" b="1" dirty="0">
                 <a:latin typeface="Arial" pitchFamily="34" charset="0"/>
                 <a:cs typeface="Arial" pitchFamily="34" charset="0"/>
               </a:rPr>
@@ -4804,7 +5155,7 @@
           </a:p>
           <a:p>
             <a:r>
-              <a:rPr lang="pt-BR" sz="2400" b="1" dirty="0" smtClean="0">
+              <a:rPr lang="pt-BR" sz="2400" b="1" dirty="0">
                 <a:latin typeface="Arial" pitchFamily="34" charset="0"/>
                 <a:cs typeface="Arial" pitchFamily="34" charset="0"/>
               </a:rPr>
@@ -4813,7 +5164,7 @@
           </a:p>
           <a:p>
             <a:r>
-              <a:rPr lang="pt-BR" sz="2400" b="1" dirty="0" smtClean="0">
+              <a:rPr lang="pt-BR" sz="2400" b="1" dirty="0">
                 <a:latin typeface="Arial" pitchFamily="34" charset="0"/>
                 <a:cs typeface="Arial" pitchFamily="34" charset="0"/>
               </a:rPr>
@@ -4822,7 +5173,7 @@
           </a:p>
           <a:p>
             <a:r>
-              <a:rPr lang="pt-BR" sz="2400" b="1" dirty="0" smtClean="0">
+              <a:rPr lang="pt-BR" sz="2400" b="1" dirty="0">
                 <a:latin typeface="Arial" pitchFamily="34" charset="0"/>
                 <a:cs typeface="Arial" pitchFamily="34" charset="0"/>
               </a:rPr>
@@ -4847,13 +5198,6 @@
   <p:clrMapOvr>
     <a:masterClrMapping/>
   </p:clrMapOvr>
-  <p:timing>
-    <p:tnLst>
-      <p:par>
-        <p:cTn id="1" dur="indefinite" restart="never" nodeType="tmRoot"/>
-      </p:par>
-    </p:tnLst>
-  </p:timing>
 </p:sld>
 </file>
 
@@ -4890,10 +5234,9 @@
           <a:lstStyle/>
           <a:p>
             <a:r>
-              <a:rPr lang="pt-BR" dirty="0" smtClean="0"/>
+              <a:rPr lang="pt-BR" dirty="0"/>
               <a:t>Builder</a:t>
             </a:r>
-            <a:endParaRPr lang="pt-BR" dirty="0"/>
           </a:p>
         </p:txBody>
       </p:sp>
@@ -4915,18 +5258,13 @@
           <a:lstStyle/>
           <a:p>
             <a:r>
-              <a:rPr lang="pt-BR" dirty="0" smtClean="0">
+              <a:rPr lang="pt-BR" dirty="0">
                 <a:solidFill>
                   <a:schemeClr val="tx1"/>
                 </a:solidFill>
               </a:rPr>
               <a:t>Exemplo:</a:t>
             </a:r>
-            <a:endParaRPr lang="pt-BR" dirty="0">
-              <a:solidFill>
-                <a:schemeClr val="tx1"/>
-              </a:solidFill>
-            </a:endParaRPr>
           </a:p>
         </p:txBody>
       </p:sp>
@@ -4953,7 +5291,7 @@
           <a:lstStyle/>
           <a:p>
             <a:r>
-              <a:rPr lang="pt-BR" sz="1600" b="1" dirty="0" smtClean="0">
+              <a:rPr lang="pt-BR" sz="1600" b="1" dirty="0">
                 <a:latin typeface="Arial" pitchFamily="34" charset="0"/>
                 <a:cs typeface="Arial" pitchFamily="34" charset="0"/>
               </a:rPr>
@@ -4962,7 +5300,7 @@
           </a:p>
           <a:p>
             <a:r>
-              <a:rPr lang="pt-BR" sz="1600" b="1" dirty="0" smtClean="0">
+              <a:rPr lang="pt-BR" sz="1600" b="1" dirty="0">
                 <a:latin typeface="Arial" pitchFamily="34" charset="0"/>
                 <a:cs typeface="Arial" pitchFamily="34" charset="0"/>
               </a:rPr>
@@ -4970,14 +5308,14 @@
             </a:r>
           </a:p>
           <a:p>
-            <a:endParaRPr lang="pt-BR" sz="1600" b="1" dirty="0" smtClean="0">
+            <a:endParaRPr lang="pt-BR" sz="1600" b="1" dirty="0">
               <a:latin typeface="Arial" pitchFamily="34" charset="0"/>
               <a:cs typeface="Arial" pitchFamily="34" charset="0"/>
             </a:endParaRPr>
           </a:p>
           <a:p>
             <a:r>
-              <a:rPr lang="pt-BR" sz="1600" b="1" dirty="0" smtClean="0">
+              <a:rPr lang="pt-BR" sz="1600" b="1" dirty="0">
                 <a:latin typeface="Arial" pitchFamily="34" charset="0"/>
                 <a:cs typeface="Arial" pitchFamily="34" charset="0"/>
               </a:rPr>
@@ -4986,7 +5324,7 @@
           </a:p>
           <a:p>
             <a:r>
-              <a:rPr lang="pt-BR" sz="1600" b="1" dirty="0" smtClean="0">
+              <a:rPr lang="pt-BR" sz="1600" b="1" dirty="0">
                 <a:latin typeface="Arial" pitchFamily="34" charset="0"/>
                 <a:cs typeface="Arial" pitchFamily="34" charset="0"/>
               </a:rPr>
@@ -4995,7 +5333,7 @@
           </a:p>
           <a:p>
             <a:r>
-              <a:rPr lang="pt-BR" sz="1600" b="1" dirty="0" smtClean="0">
+              <a:rPr lang="pt-BR" sz="1600" b="1" dirty="0">
                 <a:latin typeface="Arial" pitchFamily="34" charset="0"/>
                 <a:cs typeface="Arial" pitchFamily="34" charset="0"/>
               </a:rPr>
@@ -5004,7 +5342,7 @@
           </a:p>
           <a:p>
             <a:r>
-              <a:rPr lang="pt-BR" sz="1600" b="1" dirty="0" smtClean="0">
+              <a:rPr lang="pt-BR" sz="1600" b="1" dirty="0">
                 <a:latin typeface="Arial" pitchFamily="34" charset="0"/>
                 <a:cs typeface="Arial" pitchFamily="34" charset="0"/>
               </a:rPr>
@@ -5013,7 +5351,7 @@
           </a:p>
           <a:p>
             <a:r>
-              <a:rPr lang="pt-BR" sz="1600" b="1" dirty="0" smtClean="0">
+              <a:rPr lang="pt-BR" sz="1600" b="1" dirty="0">
                 <a:latin typeface="Arial" pitchFamily="34" charset="0"/>
                 <a:cs typeface="Arial" pitchFamily="34" charset="0"/>
               </a:rPr>
@@ -5022,7 +5360,7 @@
           </a:p>
           <a:p>
             <a:r>
-              <a:rPr lang="pt-BR" sz="1600" b="1" dirty="0" smtClean="0">
+              <a:rPr lang="pt-BR" sz="1600" b="1" dirty="0">
                 <a:latin typeface="Arial" pitchFamily="34" charset="0"/>
                 <a:cs typeface="Arial" pitchFamily="34" charset="0"/>
               </a:rPr>
@@ -5031,7 +5369,7 @@
           </a:p>
           <a:p>
             <a:r>
-              <a:rPr lang="pt-BR" sz="1600" b="1" dirty="0" smtClean="0">
+              <a:rPr lang="pt-BR" sz="1600" b="1" dirty="0">
                 <a:latin typeface="Arial" pitchFamily="34" charset="0"/>
                 <a:cs typeface="Arial" pitchFamily="34" charset="0"/>
               </a:rPr>
@@ -5040,7 +5378,7 @@
           </a:p>
           <a:p>
             <a:r>
-              <a:rPr lang="pt-BR" sz="1600" b="1" dirty="0" smtClean="0">
+              <a:rPr lang="pt-BR" sz="1600" b="1" dirty="0">
                 <a:latin typeface="Arial" pitchFamily="34" charset="0"/>
                 <a:cs typeface="Arial" pitchFamily="34" charset="0"/>
               </a:rPr>
@@ -5049,7 +5387,7 @@
           </a:p>
           <a:p>
             <a:r>
-              <a:rPr lang="pt-BR" sz="1600" b="1" dirty="0" smtClean="0">
+              <a:rPr lang="pt-BR" sz="1600" b="1" dirty="0">
                 <a:latin typeface="Arial" pitchFamily="34" charset="0"/>
                 <a:cs typeface="Arial" pitchFamily="34" charset="0"/>
               </a:rPr>
@@ -5058,7 +5396,7 @@
           </a:p>
           <a:p>
             <a:r>
-              <a:rPr lang="pt-BR" sz="1600" b="1" dirty="0" smtClean="0">
+              <a:rPr lang="pt-BR" sz="1600" b="1" dirty="0">
                 <a:latin typeface="Arial" pitchFamily="34" charset="0"/>
                 <a:cs typeface="Arial" pitchFamily="34" charset="0"/>
               </a:rPr>
@@ -5067,7 +5405,7 @@
           </a:p>
           <a:p>
             <a:r>
-              <a:rPr lang="pt-BR" sz="1600" b="1" dirty="0" smtClean="0">
+              <a:rPr lang="pt-BR" sz="1600" b="1" dirty="0">
                 <a:latin typeface="Arial" pitchFamily="34" charset="0"/>
                 <a:cs typeface="Arial" pitchFamily="34" charset="0"/>
               </a:rPr>
@@ -5076,7 +5414,7 @@
           </a:p>
           <a:p>
             <a:r>
-              <a:rPr lang="pt-BR" sz="1600" b="1" dirty="0" smtClean="0">
+              <a:rPr lang="pt-BR" sz="1600" b="1" dirty="0">
                 <a:latin typeface="Arial" pitchFamily="34" charset="0"/>
                 <a:cs typeface="Arial" pitchFamily="34" charset="0"/>
               </a:rPr>
@@ -5085,7 +5423,7 @@
           </a:p>
           <a:p>
             <a:r>
-              <a:rPr lang="pt-BR" sz="1600" b="1" dirty="0" smtClean="0">
+              <a:rPr lang="pt-BR" sz="1600" b="1" dirty="0">
                 <a:latin typeface="Arial" pitchFamily="34" charset="0"/>
                 <a:cs typeface="Arial" pitchFamily="34" charset="0"/>
               </a:rPr>
@@ -5104,13 +5442,6 @@
   <p:clrMapOvr>
     <a:masterClrMapping/>
   </p:clrMapOvr>
-  <p:timing>
-    <p:tnLst>
-      <p:par>
-        <p:cTn id="1" dur="indefinite" restart="never" nodeType="tmRoot"/>
-      </p:par>
-    </p:tnLst>
-  </p:timing>
 </p:sld>
 </file>
 
@@ -5434,27 +5765,7 @@
                 <a:latin typeface="Arial" pitchFamily="34" charset="0"/>
                 <a:cs typeface="Arial" pitchFamily="34" charset="0"/>
               </a:rPr>
-              <a:t>    </a:t>
-            </a:r>
-            <a:r>
-              <a:rPr lang="pt-BR" sz="5600" b="1" dirty="0" smtClean="0">
-                <a:solidFill>
-                  <a:schemeClr val="tx1"/>
-                </a:solidFill>
-                <a:latin typeface="Arial" pitchFamily="34" charset="0"/>
-                <a:cs typeface="Arial" pitchFamily="34" charset="0"/>
-              </a:rPr>
-              <a:t>}</a:t>
-            </a:r>
-            <a:r>
-              <a:rPr lang="pt-BR" sz="5600" b="1" dirty="0">
-                <a:solidFill>
-                  <a:schemeClr val="tx1"/>
-                </a:solidFill>
-                <a:latin typeface="Arial" pitchFamily="34" charset="0"/>
-                <a:cs typeface="Arial" pitchFamily="34" charset="0"/>
-              </a:rPr>
-              <a:t> </a:t>
+              <a:t>    } </a:t>
             </a:r>
             <a:endParaRPr lang="pt-BR" dirty="0">
               <a:latin typeface="Arial" pitchFamily="34" charset="0"/>
@@ -5484,10 +5795,9 @@
           <a:lstStyle/>
           <a:p>
             <a:r>
-              <a:rPr lang="pt-BR" dirty="0" smtClean="0"/>
+              <a:rPr lang="pt-BR" dirty="0"/>
               <a:t>Concrete Builder</a:t>
             </a:r>
-            <a:endParaRPr lang="pt-BR" dirty="0"/>
           </a:p>
         </p:txBody>
       </p:sp>
@@ -5868,13 +6178,6 @@
   <p:clrMapOvr>
     <a:masterClrMapping/>
   </p:clrMapOvr>
-  <p:timing>
-    <p:tnLst>
-      <p:par>
-        <p:cTn id="1" dur="indefinite" restart="never" nodeType="tmRoot"/>
-      </p:par>
-    </p:tnLst>
-  </p:timing>
 </p:sld>
 </file>
 
@@ -6224,10 +6527,9 @@
           <a:lstStyle/>
           <a:p>
             <a:r>
-              <a:rPr lang="pt-BR" dirty="0" smtClean="0"/>
+              <a:rPr lang="pt-BR" dirty="0"/>
               <a:t>Concrete Builder</a:t>
             </a:r>
-            <a:endParaRPr lang="pt-BR" dirty="0"/>
           </a:p>
         </p:txBody>
       </p:sp>
@@ -6241,13 +6543,6 @@
   <p:clrMapOvr>
     <a:masterClrMapping/>
   </p:clrMapOvr>
-  <p:timing>
-    <p:tnLst>
-      <p:par>
-        <p:cTn id="1" dur="indefinite" restart="never" nodeType="tmRoot"/>
-      </p:par>
-    </p:tnLst>
-  </p:timing>
 </p:sld>
 </file>
 
@@ -6676,13 +6971,6 @@
   <p:clrMapOvr>
     <a:masterClrMapping/>
   </p:clrMapOvr>
-  <p:timing>
-    <p:tnLst>
-      <p:par>
-        <p:cTn id="1" dur="indefinite" restart="never" nodeType="tmRoot"/>
-      </p:par>
-    </p:tnLst>
-  </p:timing>
 </p:sld>
 </file>
 

--- a/Docs/Apresentação Padrões de Projetos.pptx
+++ b/Docs/Apresentação Padrões de Projetos.pptx
@@ -7,22 +7,42 @@
   <p:sldIdLst>
     <p:sldId id="256" r:id="rId2"/>
     <p:sldId id="257" r:id="rId3"/>
-    <p:sldId id="258" r:id="rId4"/>
-    <p:sldId id="269" r:id="rId5"/>
-    <p:sldId id="261" r:id="rId6"/>
-    <p:sldId id="263" r:id="rId7"/>
-    <p:sldId id="265" r:id="rId8"/>
-    <p:sldId id="266" r:id="rId9"/>
-    <p:sldId id="267" r:id="rId10"/>
-    <p:sldId id="268" r:id="rId11"/>
-    <p:sldId id="259" r:id="rId12"/>
-    <p:sldId id="270" r:id="rId13"/>
-    <p:sldId id="260" r:id="rId14"/>
-    <p:sldId id="271" r:id="rId15"/>
-    <p:sldId id="272" r:id="rId16"/>
-    <p:sldId id="273" r:id="rId17"/>
-    <p:sldId id="274" r:id="rId18"/>
-    <p:sldId id="275" r:id="rId19"/>
+    <p:sldId id="276" r:id="rId4"/>
+    <p:sldId id="258" r:id="rId5"/>
+    <p:sldId id="269" r:id="rId6"/>
+    <p:sldId id="294" r:id="rId7"/>
+    <p:sldId id="261" r:id="rId8"/>
+    <p:sldId id="263" r:id="rId9"/>
+    <p:sldId id="295" r:id="rId10"/>
+    <p:sldId id="296" r:id="rId11"/>
+    <p:sldId id="297" r:id="rId12"/>
+    <p:sldId id="298" r:id="rId13"/>
+    <p:sldId id="259" r:id="rId14"/>
+    <p:sldId id="270" r:id="rId15"/>
+    <p:sldId id="285" r:id="rId16"/>
+    <p:sldId id="260" r:id="rId17"/>
+    <p:sldId id="277" r:id="rId18"/>
+    <p:sldId id="271" r:id="rId19"/>
+    <p:sldId id="299" r:id="rId20"/>
+    <p:sldId id="272" r:id="rId21"/>
+    <p:sldId id="273" r:id="rId22"/>
+    <p:sldId id="274" r:id="rId23"/>
+    <p:sldId id="275" r:id="rId24"/>
+    <p:sldId id="278" r:id="rId25"/>
+    <p:sldId id="279" r:id="rId26"/>
+    <p:sldId id="283" r:id="rId27"/>
+    <p:sldId id="289" r:id="rId28"/>
+    <p:sldId id="290" r:id="rId29"/>
+    <p:sldId id="291" r:id="rId30"/>
+    <p:sldId id="292" r:id="rId31"/>
+    <p:sldId id="293" r:id="rId32"/>
+    <p:sldId id="284" r:id="rId33"/>
+    <p:sldId id="286" r:id="rId34"/>
+    <p:sldId id="280" r:id="rId35"/>
+    <p:sldId id="281" r:id="rId36"/>
+    <p:sldId id="288" r:id="rId37"/>
+    <p:sldId id="282" r:id="rId38"/>
+    <p:sldId id="287" r:id="rId39"/>
   </p:sldIdLst>
   <p:sldSz cx="9144000" cy="6858000" type="screen4x3"/>
   <p:notesSz cx="6858000" cy="9144000"/>
@@ -123,7 +143,7 @@
   </p:defaultTextStyle>
   <p:extLst>
     <p:ext uri="{EFAFB233-063F-42B5-8137-9DF3F51BA10A}">
-      <p15:sldGuideLst xmlns:p15="http://schemas.microsoft.com/office/powerpoint/2012/main">
+      <p15:sldGuideLst xmlns:p15="http://schemas.microsoft.com/office/powerpoint/2012/main" xmlns="">
         <p15:guide id="1" orient="horz" pos="2160">
           <p15:clr>
             <a:srgbClr val="A4A3A4"/>
@@ -359,7 +379,7 @@
           <a:p>
             <a:fld id="{EF5993D9-3239-4E1A-B177-3A3DADB6A390}" type="slidenum">
               <a:rPr lang="pt-BR" smtClean="0"/>
-              <a:t>‹nº›</a:t>
+              <a:t>‹#›</a:t>
             </a:fld>
             <a:endParaRPr lang="pt-BR"/>
           </a:p>
@@ -542,7 +562,7 @@
           <a:p>
             <a:fld id="{EF5993D9-3239-4E1A-B177-3A3DADB6A390}" type="slidenum">
               <a:rPr lang="pt-BR" smtClean="0"/>
-              <a:t>‹nº›</a:t>
+              <a:t>‹#›</a:t>
             </a:fld>
             <a:endParaRPr lang="pt-BR"/>
           </a:p>
@@ -716,7 +736,7 @@
           <a:p>
             <a:fld id="{EF5993D9-3239-4E1A-B177-3A3DADB6A390}" type="slidenum">
               <a:rPr lang="pt-BR" smtClean="0"/>
-              <a:t>‹nº›</a:t>
+              <a:t>‹#›</a:t>
             </a:fld>
             <a:endParaRPr lang="pt-BR"/>
           </a:p>
@@ -899,7 +919,7 @@
           <a:p>
             <a:fld id="{EF5993D9-3239-4E1A-B177-3A3DADB6A390}" type="slidenum">
               <a:rPr lang="pt-BR" smtClean="0"/>
-              <a:t>‹nº›</a:t>
+              <a:t>‹#›</a:t>
             </a:fld>
             <a:endParaRPr lang="pt-BR"/>
           </a:p>
@@ -1161,7 +1181,7 @@
           <a:p>
             <a:fld id="{EF5993D9-3239-4E1A-B177-3A3DADB6A390}" type="slidenum">
               <a:rPr lang="pt-BR" smtClean="0"/>
-              <a:t>‹nº›</a:t>
+              <a:t>‹#›</a:t>
             </a:fld>
             <a:endParaRPr lang="pt-BR"/>
           </a:p>
@@ -1508,7 +1528,7 @@
           <a:p>
             <a:fld id="{EF5993D9-3239-4E1A-B177-3A3DADB6A390}" type="slidenum">
               <a:rPr lang="pt-BR" smtClean="0"/>
-              <a:t>‹nº›</a:t>
+              <a:t>‹#›</a:t>
             </a:fld>
             <a:endParaRPr lang="pt-BR"/>
           </a:p>
@@ -1814,7 +1834,7 @@
           <a:p>
             <a:fld id="{EF5993D9-3239-4E1A-B177-3A3DADB6A390}" type="slidenum">
               <a:rPr lang="pt-BR" smtClean="0"/>
-              <a:t>‹nº›</a:t>
+              <a:t>‹#›</a:t>
             </a:fld>
             <a:endParaRPr lang="pt-BR"/>
           </a:p>
@@ -2041,7 +2061,7 @@
           <a:p>
             <a:fld id="{EF5993D9-3239-4E1A-B177-3A3DADB6A390}" type="slidenum">
               <a:rPr lang="pt-BR" smtClean="0"/>
-              <a:t>‹nº›</a:t>
+              <a:t>‹#›</a:t>
             </a:fld>
             <a:endParaRPr lang="pt-BR"/>
           </a:p>
@@ -2131,7 +2151,7 @@
           <a:p>
             <a:fld id="{EF5993D9-3239-4E1A-B177-3A3DADB6A390}" type="slidenum">
               <a:rPr lang="pt-BR" smtClean="0"/>
-              <a:t>‹nº›</a:t>
+              <a:t>‹#›</a:t>
             </a:fld>
             <a:endParaRPr lang="pt-BR"/>
           </a:p>
@@ -2419,7 +2439,7 @@
           <a:p>
             <a:fld id="{EF5993D9-3239-4E1A-B177-3A3DADB6A390}" type="slidenum">
               <a:rPr lang="pt-BR" smtClean="0"/>
-              <a:t>‹nº›</a:t>
+              <a:t>‹#›</a:t>
             </a:fld>
             <a:endParaRPr lang="pt-BR"/>
           </a:p>
@@ -2688,7 +2708,7 @@
           <a:p>
             <a:fld id="{EF5993D9-3239-4E1A-B177-3A3DADB6A390}" type="slidenum">
               <a:rPr lang="pt-BR" smtClean="0"/>
-              <a:t>‹nº›</a:t>
+              <a:t>‹#›</a:t>
             </a:fld>
             <a:endParaRPr lang="pt-BR"/>
           </a:p>
@@ -2938,7 +2958,7 @@
           <a:p>
             <a:fld id="{EF5993D9-3239-4E1A-B177-3A3DADB6A390}" type="slidenum">
               <a:rPr lang="pt-BR" smtClean="0"/>
-              <a:t>‹nº›</a:t>
+              <a:t>‹#›</a:t>
             </a:fld>
             <a:endParaRPr lang="pt-BR"/>
           </a:p>
@@ -3428,38 +3448,66 @@
           <a:lstStyle/>
           <a:p>
             <a:r>
-              <a:rPr lang="pt-BR" dirty="0"/>
+              <a:rPr lang="pt-BR" dirty="0">
+                <a:solidFill>
+                  <a:schemeClr val="tx1"/>
+                </a:solidFill>
+              </a:rPr>
               <a:t>Grupo:</a:t>
             </a:r>
             <a:br>
-              <a:rPr lang="pt-BR" dirty="0"/>
+              <a:rPr lang="pt-BR" dirty="0">
+                <a:solidFill>
+                  <a:schemeClr val="tx1"/>
+                </a:solidFill>
+              </a:rPr>
             </a:br>
             <a:r>
-              <a:rPr lang="pt-BR" dirty="0"/>
+              <a:rPr lang="pt-BR" dirty="0">
+                <a:solidFill>
+                  <a:schemeClr val="tx1"/>
+                </a:solidFill>
+              </a:rPr>
               <a:t>Bruno Félix</a:t>
             </a:r>
           </a:p>
           <a:p>
             <a:r>
-              <a:rPr lang="pt-BR" dirty="0"/>
+              <a:rPr lang="pt-BR" dirty="0">
+                <a:solidFill>
+                  <a:schemeClr val="tx1"/>
+                </a:solidFill>
+              </a:rPr>
               <a:t>Jaasiel Tavares</a:t>
             </a:r>
           </a:p>
           <a:p>
             <a:r>
-              <a:rPr lang="pt-BR" dirty="0"/>
+              <a:rPr lang="pt-BR" dirty="0">
+                <a:solidFill>
+                  <a:schemeClr val="tx1"/>
+                </a:solidFill>
+              </a:rPr>
               <a:t>Maikon Silva</a:t>
             </a:r>
           </a:p>
           <a:p>
             <a:r>
-              <a:rPr lang="pt-BR" dirty="0"/>
+              <a:rPr lang="pt-BR" dirty="0">
+                <a:solidFill>
+                  <a:schemeClr val="tx1"/>
+                </a:solidFill>
+              </a:rPr>
               <a:t>Tiago José</a:t>
             </a:r>
           </a:p>
           <a:p>
             <a:r>
-              <a:rPr lang="pt-BR" dirty="0"/>
+              <a:rPr lang="pt-BR" dirty="0">
+                <a:solidFill>
+                  <a:schemeClr val="tx1"/>
+                </a:solidFill>
+              </a:rPr>
               <a:t>Victor Luiz</a:t>
             </a:r>
           </a:p>
@@ -3475,6 +3523,13 @@
   <p:clrMapOvr>
     <a:masterClrMapping/>
   </p:clrMapOvr>
+  <p:timing>
+    <p:tnLst>
+      <p:par>
+        <p:cTn id="1" dur="indefinite" restart="never" nodeType="tmRoot"/>
+      </p:par>
+    </p:tnLst>
+  </p:timing>
 </p:sld>
 </file>
 
@@ -3495,9 +3550,32 @@
           <a:chExt cx="0" cy="0"/>
         </a:xfrm>
       </p:grpSpPr>
+      <p:sp>
+        <p:nvSpPr>
+          <p:cNvPr id="2" name="Title 1"/>
+          <p:cNvSpPr>
+            <a:spLocks noGrp="1"/>
+          </p:cNvSpPr>
+          <p:nvPr>
+            <p:ph type="title"/>
+          </p:nvPr>
+        </p:nvSpPr>
+        <p:spPr/>
+        <p:txBody>
+          <a:bodyPr/>
+          <a:lstStyle/>
+          <a:p>
+            <a:r>
+              <a:rPr lang="pt-BR" dirty="0" smtClean="0"/>
+              <a:t>Exemplo Builder</a:t>
+            </a:r>
+            <a:endParaRPr lang="pt-BR" dirty="0"/>
+          </a:p>
+        </p:txBody>
+      </p:sp>
       <p:pic>
         <p:nvPicPr>
-          <p:cNvPr id="2050" name="Picture 2" descr="C:\Users\Bruno\Desktop\builder.png"/>
+          <p:cNvPr id="11266" name="Picture 2"/>
           <p:cNvPicPr>
             <a:picLocks noChangeAspect="1" noChangeArrowheads="1"/>
           </p:cNvPicPr>
@@ -3518,20 +3596,43 @@
         </p:blipFill>
         <p:spPr bwMode="auto">
           <a:xfrm>
-            <a:off x="611560" y="1195434"/>
-            <a:ext cx="8064896" cy="4281803"/>
+            <a:off x="1475656" y="1540664"/>
+            <a:ext cx="6048672" cy="4734772"/>
           </a:xfrm>
           <a:prstGeom prst="rect">
             <a:avLst/>
           </a:prstGeom>
           <a:noFill/>
+          <a:ln>
+            <a:noFill/>
+          </a:ln>
+          <a:effectLst/>
           <a:extLst>
             <a:ext uri="{909E8E84-426E-40DD-AFC4-6F175D3DCCD1}">
               <a14:hiddenFill xmlns:a14="http://schemas.microsoft.com/office/drawing/2010/main">
                 <a:solidFill>
-                  <a:srgbClr val="FFFFFF"/>
+                  <a:schemeClr val="accent1"/>
                 </a:solidFill>
               </a14:hiddenFill>
+            </a:ext>
+            <a:ext uri="{91240B29-F687-4F45-9708-019B960494DF}">
+              <a14:hiddenLine xmlns:a14="http://schemas.microsoft.com/office/drawing/2010/main" w="9525">
+                <a:solidFill>
+                  <a:schemeClr val="tx1"/>
+                </a:solidFill>
+                <a:miter lim="800000"/>
+                <a:headEnd/>
+                <a:tailEnd/>
+              </a14:hiddenLine>
+            </a:ext>
+            <a:ext uri="{AF507438-7753-43E0-B8FC-AC1667EBCBE1}">
+              <a14:hiddenEffects xmlns:a14="http://schemas.microsoft.com/office/drawing/2010/main">
+                <a:effectLst>
+                  <a:outerShdw dist="35921" dir="2700000" algn="ctr" rotWithShape="0">
+                    <a:schemeClr val="bg2"/>
+                  </a:outerShdw>
+                </a:effectLst>
+              </a14:hiddenEffects>
             </a:ext>
           </a:extLst>
         </p:spPr>
@@ -3539,13 +3640,20 @@
     </p:spTree>
     <p:extLst>
       <p:ext uri="{BB962C8B-B14F-4D97-AF65-F5344CB8AC3E}">
-        <p14:creationId xmlns:p14="http://schemas.microsoft.com/office/powerpoint/2010/main" val="138746115"/>
+        <p14:creationId xmlns:p14="http://schemas.microsoft.com/office/powerpoint/2010/main" val="4027067231"/>
       </p:ext>
     </p:extLst>
   </p:cSld>
   <p:clrMapOvr>
     <a:masterClrMapping/>
   </p:clrMapOvr>
+  <p:timing>
+    <p:tnLst>
+      <p:par>
+        <p:cTn id="1" dur="indefinite" restart="never" nodeType="tmRoot"/>
+      </p:par>
+    </p:tnLst>
+  </p:timing>
 </p:sld>
 </file>
 
@@ -3583,68 +3691,81 @@
           <a:p>
             <a:r>
               <a:rPr lang="pt-BR" dirty="0"/>
-              <a:t>Vantagens Builder</a:t>
-            </a:r>
-          </a:p>
-        </p:txBody>
-      </p:sp>
-      <p:sp>
-        <p:nvSpPr>
-          <p:cNvPr id="3" name="Content Placeholder 2"/>
-          <p:cNvSpPr>
-            <a:spLocks noGrp="1"/>
-          </p:cNvSpPr>
+              <a:t>Exemplo Builder</a:t>
+            </a:r>
+          </a:p>
+        </p:txBody>
+      </p:sp>
+      <p:pic>
+        <p:nvPicPr>
+          <p:cNvPr id="12290" name="Picture 2"/>
+          <p:cNvPicPr>
+            <a:picLocks noGrp="1" noChangeAspect="1" noChangeArrowheads="1"/>
+          </p:cNvPicPr>
           <p:nvPr>
             <p:ph idx="1"/>
           </p:nvPr>
-        </p:nvSpPr>
-        <p:spPr>
+        </p:nvPicPr>
+        <p:blipFill>
+          <a:blip r:embed="rId2">
+            <a:extLst>
+              <a:ext uri="{28A0092B-C50C-407E-A947-70E740481C1C}">
+                <a14:useLocalDpi xmlns:a14="http://schemas.microsoft.com/office/drawing/2010/main" val="0"/>
+              </a:ext>
+            </a:extLst>
+          </a:blip>
+          <a:srcRect/>
+          <a:stretch>
+            <a:fillRect/>
+          </a:stretch>
+        </p:blipFill>
+        <p:spPr bwMode="auto">
           <a:xfrm>
-            <a:off x="457200" y="1600200"/>
-            <a:ext cx="8291264" cy="4997152"/>
+            <a:off x="251520" y="2852936"/>
+            <a:ext cx="8673923" cy="2060203"/>
           </a:xfrm>
+          <a:prstGeom prst="rect">
+            <a:avLst/>
+          </a:prstGeom>
+          <a:noFill/>
+          <a:ln>
+            <a:noFill/>
+          </a:ln>
+          <a:effectLst/>
+          <a:extLst>
+            <a:ext uri="{909E8E84-426E-40DD-AFC4-6F175D3DCCD1}">
+              <a14:hiddenFill xmlns:a14="http://schemas.microsoft.com/office/drawing/2010/main">
+                <a:solidFill>
+                  <a:schemeClr val="accent1"/>
+                </a:solidFill>
+              </a14:hiddenFill>
+            </a:ext>
+            <a:ext uri="{91240B29-F687-4F45-9708-019B960494DF}">
+              <a14:hiddenLine xmlns:a14="http://schemas.microsoft.com/office/drawing/2010/main" w="9525">
+                <a:solidFill>
+                  <a:schemeClr val="tx1"/>
+                </a:solidFill>
+                <a:miter lim="800000"/>
+                <a:headEnd/>
+                <a:tailEnd/>
+              </a14:hiddenLine>
+            </a:ext>
+            <a:ext uri="{AF507438-7753-43E0-B8FC-AC1667EBCBE1}">
+              <a14:hiddenEffects xmlns:a14="http://schemas.microsoft.com/office/drawing/2010/main">
+                <a:effectLst>
+                  <a:outerShdw dist="35921" dir="2700000" algn="ctr" rotWithShape="0">
+                    <a:schemeClr val="bg2"/>
+                  </a:outerShdw>
+                </a:effectLst>
+              </a14:hiddenEffects>
+            </a:ext>
+          </a:extLst>
         </p:spPr>
-        <p:txBody>
-          <a:bodyPr>
-            <a:noAutofit/>
-          </a:bodyPr>
-          <a:lstStyle/>
-          <a:p>
-            <a:pPr algn="just"/>
-            <a:r>
-              <a:rPr lang="pt-BR" sz="2200" dirty="0">
-                <a:solidFill>
-                  <a:schemeClr val="tx1"/>
-                </a:solidFill>
-              </a:rPr>
-              <a:t>Permite variar a representação interna de um produto. O objeto Builder fornece ao diretor uma interface abstrata para a construção do produto. A interface permite ao construtor ocultar a representação e a estrutura interna do produto. Ela também oculta como o produto é montado. Já que o produto é construído através de uma interface abstrata, tudo o que você tem que fazer para mudar sua representação interna é definir um novo tipo de contrutor.</a:t>
-            </a:r>
-          </a:p>
-          <a:p>
-            <a:pPr algn="just"/>
-            <a:endParaRPr lang="pt-BR" sz="2200" dirty="0">
-              <a:solidFill>
-                <a:schemeClr val="tx1"/>
-              </a:solidFill>
-            </a:endParaRPr>
-          </a:p>
-          <a:p>
-            <a:pPr algn="just"/>
-            <a:r>
-              <a:rPr lang="pt-BR" sz="2200" dirty="0">
-                <a:solidFill>
-                  <a:schemeClr val="tx1"/>
-                </a:solidFill>
-              </a:rPr>
-              <a:t>Isola o código para construção e representação: O padrão Builder melhora a modularidade pelo encapsulamento da forma como um objeto complexo é construído e representado. </a:t>
-            </a:r>
-          </a:p>
-        </p:txBody>
-      </p:sp>
+      </p:pic>
     </p:spTree>
     <p:extLst>
       <p:ext uri="{BB962C8B-B14F-4D97-AF65-F5344CB8AC3E}">
-        <p14:creationId xmlns:p14="http://schemas.microsoft.com/office/powerpoint/2010/main" val="2635658348"/>
+        <p14:creationId xmlns:p14="http://schemas.microsoft.com/office/powerpoint/2010/main" val="114573109"/>
       </p:ext>
     </p:extLst>
   </p:cSld>
@@ -3671,88 +3792,76 @@
           <a:chExt cx="0" cy="0"/>
         </a:xfrm>
       </p:grpSpPr>
-      <p:sp>
-        <p:nvSpPr>
-          <p:cNvPr id="2" name="Title 1"/>
-          <p:cNvSpPr>
-            <a:spLocks noGrp="1"/>
-          </p:cNvSpPr>
-          <p:nvPr>
-            <p:ph type="title"/>
-          </p:nvPr>
-        </p:nvSpPr>
-        <p:spPr/>
-        <p:txBody>
-          <a:bodyPr/>
-          <a:lstStyle/>
-          <a:p>
-            <a:r>
-              <a:rPr lang="pt-BR" dirty="0"/>
-              <a:t>Vantagens Builder</a:t>
-            </a:r>
-          </a:p>
-        </p:txBody>
-      </p:sp>
-      <p:sp>
-        <p:nvSpPr>
-          <p:cNvPr id="3" name="Content Placeholder 2"/>
-          <p:cNvSpPr>
-            <a:spLocks noGrp="1"/>
-          </p:cNvSpPr>
+      <p:pic>
+        <p:nvPicPr>
+          <p:cNvPr id="13314" name="Picture 2"/>
+          <p:cNvPicPr>
+            <a:picLocks noGrp="1" noChangeAspect="1" noChangeArrowheads="1"/>
+          </p:cNvPicPr>
           <p:nvPr>
             <p:ph idx="1"/>
           </p:nvPr>
-        </p:nvSpPr>
-        <p:spPr>
+        </p:nvPicPr>
+        <p:blipFill>
+          <a:blip r:embed="rId2">
+            <a:extLst>
+              <a:ext uri="{28A0092B-C50C-407E-A947-70E740481C1C}">
+                <a14:useLocalDpi xmlns:a14="http://schemas.microsoft.com/office/drawing/2010/main" val="0"/>
+              </a:ext>
+            </a:extLst>
+          </a:blip>
+          <a:srcRect/>
+          <a:stretch>
+            <a:fillRect/>
+          </a:stretch>
+        </p:blipFill>
+        <p:spPr bwMode="auto">
           <a:xfrm>
-            <a:off x="457200" y="1600200"/>
-            <a:ext cx="8363272" cy="4997152"/>
+            <a:off x="323528" y="692696"/>
+            <a:ext cx="8550059" cy="5328592"/>
           </a:xfrm>
+          <a:prstGeom prst="rect">
+            <a:avLst/>
+          </a:prstGeom>
+          <a:noFill/>
+          <a:ln>
+            <a:noFill/>
+          </a:ln>
+          <a:effectLst/>
+          <a:extLst>
+            <a:ext uri="{909E8E84-426E-40DD-AFC4-6F175D3DCCD1}">
+              <a14:hiddenFill xmlns:a14="http://schemas.microsoft.com/office/drawing/2010/main">
+                <a:solidFill>
+                  <a:schemeClr val="accent1"/>
+                </a:solidFill>
+              </a14:hiddenFill>
+            </a:ext>
+            <a:ext uri="{91240B29-F687-4F45-9708-019B960494DF}">
+              <a14:hiddenLine xmlns:a14="http://schemas.microsoft.com/office/drawing/2010/main" w="9525">
+                <a:solidFill>
+                  <a:schemeClr val="tx1"/>
+                </a:solidFill>
+                <a:miter lim="800000"/>
+                <a:headEnd/>
+                <a:tailEnd/>
+              </a14:hiddenLine>
+            </a:ext>
+            <a:ext uri="{AF507438-7753-43E0-B8FC-AC1667EBCBE1}">
+              <a14:hiddenEffects xmlns:a14="http://schemas.microsoft.com/office/drawing/2010/main">
+                <a:effectLst>
+                  <a:outerShdw dist="35921" dir="2700000" algn="ctr" rotWithShape="0">
+                    <a:schemeClr val="bg2"/>
+                  </a:outerShdw>
+                </a:effectLst>
+              </a14:hiddenEffects>
+            </a:ext>
+          </a:extLst>
         </p:spPr>
-        <p:txBody>
-          <a:bodyPr>
-            <a:noAutofit/>
-          </a:bodyPr>
-          <a:lstStyle/>
-          <a:p>
-            <a:pPr algn="just"/>
-            <a:r>
-              <a:rPr lang="pt-BR" sz="1900" dirty="0">
-                <a:solidFill>
-                  <a:schemeClr val="tx1"/>
-                </a:solidFill>
-              </a:rPr>
-              <a:t>Os clientes nada necessitam saber sobre as classes que definem a estrutura interna do produto, tais classes não aparecem na interface do Builder. </a:t>
-            </a:r>
-          </a:p>
-          <a:p>
-            <a:pPr algn="just"/>
-            <a:r>
-              <a:rPr lang="pt-BR" sz="1900" dirty="0">
-                <a:solidFill>
-                  <a:schemeClr val="tx1"/>
-                </a:solidFill>
-              </a:rPr>
-              <a:t>Cada ConcreteBuilder contém todo o código para criar e montar um tipo de produto específico. O código é escrito somente uma vez, então, diferentes Directors podem reutilizá-lo para construir variantes de Product com o mesmo conjunto de partes.</a:t>
-            </a:r>
-          </a:p>
-          <a:p>
-            <a:pPr algn="just"/>
-            <a:r>
-              <a:rPr lang="pt-BR" sz="1900" dirty="0">
-                <a:solidFill>
-                  <a:schemeClr val="tx1"/>
-                </a:solidFill>
-              </a:rPr>
-              <a:t>Oferece um controle mais fino sobre o processo de construção: Ao contrário de padrões de criação que constroem produtos de uma só vez, o Builder constrói o produto passo a passo sobre o controle do diretor. Somente quando o produto está terminado o diretor o recupera do construtor. Daí a interface de Builder refletir o processo de construção do produto mais explicitamente do que outros padrões de criação. Isso dá um controle mais fino sobre o processo de construção e, consequentemente, da estrutura interna do produto resultante.</a:t>
-            </a:r>
-          </a:p>
-        </p:txBody>
-      </p:sp>
+      </p:pic>
     </p:spTree>
     <p:extLst>
       <p:ext uri="{BB962C8B-B14F-4D97-AF65-F5344CB8AC3E}">
-        <p14:creationId xmlns:p14="http://schemas.microsoft.com/office/powerpoint/2010/main" val="2427167975"/>
+        <p14:creationId xmlns:p14="http://schemas.microsoft.com/office/powerpoint/2010/main" val="3785884653"/>
       </p:ext>
     </p:extLst>
   </p:cSld>
@@ -3796,7 +3905,7 @@
           <a:p>
             <a:r>
               <a:rPr lang="pt-BR" dirty="0"/>
-              <a:t>Desvantagens Builder</a:t>
+              <a:t>Vantagens Builder</a:t>
             </a:r>
           </a:p>
         </p:txBody>
@@ -3811,21 +3920,48 @@
             <p:ph idx="1"/>
           </p:nvPr>
         </p:nvSpPr>
-        <p:spPr/>
+        <p:spPr>
+          <a:xfrm>
+            <a:off x="457200" y="1600200"/>
+            <a:ext cx="8291264" cy="4997152"/>
+          </a:xfrm>
+        </p:spPr>
         <p:txBody>
           <a:bodyPr>
-            <a:normAutofit/>
+            <a:noAutofit/>
           </a:bodyPr>
           <a:lstStyle/>
           <a:p>
             <a:pPr algn="just"/>
             <a:r>
-              <a:rPr lang="pt-BR" dirty="0">
-                <a:solidFill>
-                  <a:schemeClr val="tx1"/>
-                </a:solidFill>
-              </a:rPr>
-              <a:t>Requer criar uma classe que implemente o builder específico para cada instância diferente do produto.</a:t>
+              <a:rPr lang="pt-BR" sz="2300" dirty="0">
+                <a:solidFill>
+                  <a:schemeClr val="tx1"/>
+                </a:solidFill>
+                <a:latin typeface="+mn-lt"/>
+              </a:rPr>
+              <a:t>Permite variar a representação interna de um produto. O objeto Builder fornece ao diretor uma interface abstrata para a construção do produto. A interface permite ao construtor ocultar a representação e a estrutura interna do produto. Ela também oculta como o produto é montado. Já que o produto é construído através de uma interface abstrata, tudo o que você tem que fazer para mudar sua representação interna é definir um novo tipo de contrutor.</a:t>
+            </a:r>
+          </a:p>
+          <a:p>
+            <a:pPr algn="just"/>
+            <a:endParaRPr lang="pt-BR" sz="2300" dirty="0">
+              <a:solidFill>
+                <a:schemeClr val="tx1"/>
+              </a:solidFill>
+              <a:latin typeface="+mn-lt"/>
+            </a:endParaRPr>
+          </a:p>
+          <a:p>
+            <a:pPr algn="just"/>
+            <a:r>
+              <a:rPr lang="pt-BR" sz="2300" dirty="0">
+                <a:solidFill>
+                  <a:schemeClr val="tx1"/>
+                </a:solidFill>
+                <a:latin typeface="+mn-lt"/>
+              </a:rPr>
+              <a:t>Isola o código para construção e representação: O padrão Builder melhora a modularidade pelo encapsulamento da forma como um objeto complexo é construído e representado. </a:t>
             </a:r>
           </a:p>
         </p:txBody>
@@ -3833,7 +3969,7 @@
     </p:spTree>
     <p:extLst>
       <p:ext uri="{BB962C8B-B14F-4D97-AF65-F5344CB8AC3E}">
-        <p14:creationId xmlns:p14="http://schemas.microsoft.com/office/powerpoint/2010/main" val="537728797"/>
+        <p14:creationId xmlns:p14="http://schemas.microsoft.com/office/powerpoint/2010/main" val="2635658348"/>
       </p:ext>
     </p:extLst>
   </p:cSld>
@@ -3876,10 +4012,9 @@
           <a:lstStyle/>
           <a:p>
             <a:r>
-              <a:rPr lang="pt-BR" dirty="0" err="1"/>
-              <a:t>Facade</a:t>
-            </a:r>
-            <a:endParaRPr lang="pt-BR" dirty="0"/>
+              <a:rPr lang="pt-BR" dirty="0"/>
+              <a:t>Vantagens Builder</a:t>
+            </a:r>
           </a:p>
         </p:txBody>
       </p:sp>
@@ -3893,62 +4028,77 @@
             <p:ph idx="1"/>
           </p:nvPr>
         </p:nvSpPr>
-        <p:spPr/>
+        <p:spPr>
+          <a:xfrm>
+            <a:off x="457200" y="1600200"/>
+            <a:ext cx="8363272" cy="4997152"/>
+          </a:xfrm>
+        </p:spPr>
         <p:txBody>
           <a:bodyPr>
-            <a:normAutofit fontScale="92500" lnSpcReduction="10000"/>
+            <a:noAutofit/>
           </a:bodyPr>
           <a:lstStyle/>
           <a:p>
-            <a:r>
-              <a:rPr lang="pt-BR" dirty="0">
-                <a:solidFill>
-                  <a:schemeClr val="tx1"/>
-                </a:solidFill>
-              </a:rPr>
-              <a:t>Padrão de projeto de design de software</a:t>
-            </a:r>
-          </a:p>
-          <a:p>
-            <a:endParaRPr lang="pt-BR" dirty="0">
+            <a:pPr algn="just"/>
+            <a:r>
+              <a:rPr lang="pt-BR" sz="2300" dirty="0">
+                <a:solidFill>
+                  <a:schemeClr val="tx1"/>
+                </a:solidFill>
+                <a:latin typeface="+mn-lt"/>
+              </a:rPr>
+              <a:t>Os clientes nada necessitam saber sobre as classes que definem a estrutura interna do produto, tais classes não aparecem na interface do Builder. </a:t>
+            </a:r>
+            <a:endParaRPr lang="pt-BR" sz="2300" dirty="0" smtClean="0">
               <a:solidFill>
                 <a:schemeClr val="tx1"/>
               </a:solidFill>
+              <a:latin typeface="+mn-lt"/>
             </a:endParaRPr>
           </a:p>
           <a:p>
-            <a:r>
-              <a:rPr lang="pt-BR" dirty="0">
-                <a:solidFill>
-                  <a:schemeClr val="tx1"/>
-                </a:solidFill>
-              </a:rPr>
-              <a:t>Tem como propósito promover uma interface unificada para um conjunto de interfaces de um subsistema. Dessa forma, é definida uma interface de alto nível que torna um subsistema mais fácil de ser utilizado/acessado.</a:t>
-            </a:r>
-          </a:p>
-          <a:p>
-            <a:endParaRPr lang="pt-BR" dirty="0">
+            <a:pPr algn="just"/>
+            <a:endParaRPr lang="pt-BR" sz="2300" dirty="0">
               <a:solidFill>
                 <a:schemeClr val="tx1"/>
               </a:solidFill>
+              <a:latin typeface="+mn-lt"/>
             </a:endParaRPr>
           </a:p>
           <a:p>
-            <a:r>
-              <a:rPr lang="pt-BR" dirty="0">
-                <a:solidFill>
-                  <a:schemeClr val="tx1"/>
-                </a:solidFill>
-              </a:rPr>
-              <a:t>Seu objetivo é implementar uma forma de interagir com um sistema que seja mais fácil que o antigo, com a intenção de usar um subconjunto do sistema em questão. Ou seja, busca simplificar o uso de um sistema existente a partir de uma interface</a:t>
-            </a:r>
+            <a:pPr algn="just"/>
+            <a:r>
+              <a:rPr lang="pt-BR" sz="2300" dirty="0">
+                <a:solidFill>
+                  <a:schemeClr val="tx1"/>
+                </a:solidFill>
+                <a:latin typeface="+mn-lt"/>
+              </a:rPr>
+              <a:t>Cada ConcreteBuilder contém todo o código para criar e montar um tipo de produto específico. O código é escrito somente uma vez, então, diferentes Directors podem reutilizá-lo para construir variantes de Product com o mesmo conjunto de partes</a:t>
+            </a:r>
+            <a:r>
+              <a:rPr lang="pt-BR" sz="2300" dirty="0" smtClean="0">
+                <a:solidFill>
+                  <a:schemeClr val="tx1"/>
+                </a:solidFill>
+                <a:latin typeface="+mn-lt"/>
+              </a:rPr>
+              <a:t>.</a:t>
+            </a:r>
+            <a:endParaRPr lang="pt-BR" sz="2300" dirty="0">
+              <a:solidFill>
+                <a:schemeClr val="tx1"/>
+              </a:solidFill>
+              <a:latin typeface="+mn-lt"/>
+            </a:endParaRPr>
           </a:p>
         </p:txBody>
       </p:sp>
     </p:spTree>
     <p:extLst>
       <p:ext uri="{BB962C8B-B14F-4D97-AF65-F5344CB8AC3E}">
-        <p14:creationId xmlns:p14="http://schemas.microsoft.com/office/powerpoint/2010/main" val="2124802612"/>
+        <p14:creationId xmlns:p14="http://schemas.microsoft.com/office/powerpoint/2010/main" val="2427167975"/>
       </p:ext>
     </p:extLst>
   </p:cSld>
@@ -3992,6 +4142,865 @@
           <a:p>
             <a:r>
               <a:rPr lang="pt-BR" dirty="0"/>
+              <a:t>Vantagens Builder</a:t>
+            </a:r>
+          </a:p>
+        </p:txBody>
+      </p:sp>
+      <p:sp>
+        <p:nvSpPr>
+          <p:cNvPr id="3" name="Content Placeholder 2"/>
+          <p:cNvSpPr>
+            <a:spLocks noGrp="1"/>
+          </p:cNvSpPr>
+          <p:nvPr>
+            <p:ph idx="1"/>
+          </p:nvPr>
+        </p:nvSpPr>
+        <p:spPr>
+          <a:xfrm>
+            <a:off x="457200" y="1600200"/>
+            <a:ext cx="8363272" cy="4997152"/>
+          </a:xfrm>
+        </p:spPr>
+        <p:txBody>
+          <a:bodyPr>
+            <a:noAutofit/>
+          </a:bodyPr>
+          <a:lstStyle/>
+          <a:p>
+            <a:pPr algn="just"/>
+            <a:r>
+              <a:rPr lang="pt-BR" sz="2300" dirty="0" smtClean="0">
+                <a:solidFill>
+                  <a:schemeClr val="tx1"/>
+                </a:solidFill>
+                <a:latin typeface="+mn-lt"/>
+              </a:rPr>
+              <a:t>Oferece </a:t>
+            </a:r>
+            <a:r>
+              <a:rPr lang="pt-BR" sz="2300" dirty="0">
+                <a:solidFill>
+                  <a:schemeClr val="tx1"/>
+                </a:solidFill>
+                <a:latin typeface="+mn-lt"/>
+              </a:rPr>
+              <a:t>um controle mais fino sobre o processo de construção: Ao contrário de padrões de criação que constroem produtos de uma só vez, o Builder constrói o produto passo a passo sobre o controle do diretor. Somente quando o produto está terminado o diretor o recupera do construtor. Daí a interface de Builder refletir o processo de construção do produto mais explicitamente do que outros padrões de criação. Isso dá um controle mais fino sobre o processo de construção e, consequentemente, da estrutura interna do produto resultante.</a:t>
+            </a:r>
+          </a:p>
+        </p:txBody>
+      </p:sp>
+    </p:spTree>
+    <p:extLst>
+      <p:ext uri="{BB962C8B-B14F-4D97-AF65-F5344CB8AC3E}">
+        <p14:creationId xmlns:p14="http://schemas.microsoft.com/office/powerpoint/2010/main" val="1917286765"/>
+      </p:ext>
+    </p:extLst>
+  </p:cSld>
+  <p:clrMapOvr>
+    <a:masterClrMapping/>
+  </p:clrMapOvr>
+</p:sld>
+</file>
+
+<file path=ppt/slides/slide16.xml><?xml version="1.0" encoding="utf-8"?>
+<p:sld xmlns:a="http://schemas.openxmlformats.org/drawingml/2006/main" xmlns:r="http://schemas.openxmlformats.org/officeDocument/2006/relationships" xmlns:p="http://schemas.openxmlformats.org/presentationml/2006/main">
+  <p:cSld>
+    <p:spTree>
+      <p:nvGrpSpPr>
+        <p:cNvPr id="1" name=""/>
+        <p:cNvGrpSpPr/>
+        <p:nvPr/>
+      </p:nvGrpSpPr>
+      <p:grpSpPr>
+        <a:xfrm>
+          <a:off x="0" y="0"/>
+          <a:ext cx="0" cy="0"/>
+          <a:chOff x="0" y="0"/>
+          <a:chExt cx="0" cy="0"/>
+        </a:xfrm>
+      </p:grpSpPr>
+      <p:sp>
+        <p:nvSpPr>
+          <p:cNvPr id="2" name="Title 1"/>
+          <p:cNvSpPr>
+            <a:spLocks noGrp="1"/>
+          </p:cNvSpPr>
+          <p:nvPr>
+            <p:ph type="title"/>
+          </p:nvPr>
+        </p:nvSpPr>
+        <p:spPr/>
+        <p:txBody>
+          <a:bodyPr/>
+          <a:lstStyle/>
+          <a:p>
+            <a:r>
+              <a:rPr lang="pt-BR" dirty="0"/>
+              <a:t>Desvantagens Builder</a:t>
+            </a:r>
+          </a:p>
+        </p:txBody>
+      </p:sp>
+      <p:sp>
+        <p:nvSpPr>
+          <p:cNvPr id="3" name="Content Placeholder 2"/>
+          <p:cNvSpPr>
+            <a:spLocks noGrp="1"/>
+          </p:cNvSpPr>
+          <p:nvPr>
+            <p:ph idx="1"/>
+          </p:nvPr>
+        </p:nvSpPr>
+        <p:spPr/>
+        <p:txBody>
+          <a:bodyPr>
+            <a:normAutofit/>
+          </a:bodyPr>
+          <a:lstStyle/>
+          <a:p>
+            <a:pPr algn="just"/>
+            <a:r>
+              <a:rPr lang="pt-BR" sz="2300" dirty="0">
+                <a:solidFill>
+                  <a:schemeClr val="tx1"/>
+                </a:solidFill>
+                <a:latin typeface="+mn-lt"/>
+              </a:rPr>
+              <a:t>Requer criar uma classe que implemente o builder específico para cada instância diferente do produto.</a:t>
+            </a:r>
+          </a:p>
+        </p:txBody>
+      </p:sp>
+    </p:spTree>
+    <p:extLst>
+      <p:ext uri="{BB962C8B-B14F-4D97-AF65-F5344CB8AC3E}">
+        <p14:creationId xmlns:p14="http://schemas.microsoft.com/office/powerpoint/2010/main" val="537728797"/>
+      </p:ext>
+    </p:extLst>
+  </p:cSld>
+  <p:clrMapOvr>
+    <a:masterClrMapping/>
+  </p:clrMapOvr>
+</p:sld>
+</file>
+
+<file path=ppt/slides/slide17.xml><?xml version="1.0" encoding="utf-8"?>
+<p:sld xmlns:a="http://schemas.openxmlformats.org/drawingml/2006/main" xmlns:r="http://schemas.openxmlformats.org/officeDocument/2006/relationships" xmlns:p="http://schemas.openxmlformats.org/presentationml/2006/main">
+  <p:cSld>
+    <p:spTree>
+      <p:nvGrpSpPr>
+        <p:cNvPr id="1" name=""/>
+        <p:cNvGrpSpPr/>
+        <p:nvPr/>
+      </p:nvGrpSpPr>
+      <p:grpSpPr>
+        <a:xfrm>
+          <a:off x="0" y="0"/>
+          <a:ext cx="0" cy="0"/>
+          <a:chOff x="0" y="0"/>
+          <a:chExt cx="0" cy="0"/>
+        </a:xfrm>
+      </p:grpSpPr>
+      <p:sp>
+        <p:nvSpPr>
+          <p:cNvPr id="4" name="Title 3"/>
+          <p:cNvSpPr>
+            <a:spLocks noGrp="1"/>
+          </p:cNvSpPr>
+          <p:nvPr>
+            <p:ph type="title"/>
+          </p:nvPr>
+        </p:nvSpPr>
+        <p:spPr>
+          <a:xfrm>
+            <a:off x="539552" y="2852936"/>
+            <a:ext cx="8229600" cy="1600200"/>
+          </a:xfrm>
+        </p:spPr>
+        <p:txBody>
+          <a:bodyPr/>
+          <a:lstStyle/>
+          <a:p>
+            <a:r>
+              <a:rPr lang="pt-BR" dirty="0" smtClean="0"/>
+              <a:t>Facade</a:t>
+            </a:r>
+            <a:endParaRPr lang="pt-BR" dirty="0"/>
+          </a:p>
+        </p:txBody>
+      </p:sp>
+    </p:spTree>
+    <p:extLst>
+      <p:ext uri="{BB962C8B-B14F-4D97-AF65-F5344CB8AC3E}">
+        <p14:creationId xmlns:p14="http://schemas.microsoft.com/office/powerpoint/2010/main" val="2609460090"/>
+      </p:ext>
+    </p:extLst>
+  </p:cSld>
+  <p:clrMapOvr>
+    <a:masterClrMapping/>
+  </p:clrMapOvr>
+</p:sld>
+</file>
+
+<file path=ppt/slides/slide18.xml><?xml version="1.0" encoding="utf-8"?>
+<p:sld xmlns:a="http://schemas.openxmlformats.org/drawingml/2006/main" xmlns:r="http://schemas.openxmlformats.org/officeDocument/2006/relationships" xmlns:p="http://schemas.openxmlformats.org/presentationml/2006/main">
+  <p:cSld>
+    <p:spTree>
+      <p:nvGrpSpPr>
+        <p:cNvPr id="1" name=""/>
+        <p:cNvGrpSpPr/>
+        <p:nvPr/>
+      </p:nvGrpSpPr>
+      <p:grpSpPr>
+        <a:xfrm>
+          <a:off x="0" y="0"/>
+          <a:ext cx="0" cy="0"/>
+          <a:chOff x="0" y="0"/>
+          <a:chExt cx="0" cy="0"/>
+        </a:xfrm>
+      </p:grpSpPr>
+      <p:sp>
+        <p:nvSpPr>
+          <p:cNvPr id="2" name="Title 1"/>
+          <p:cNvSpPr>
+            <a:spLocks noGrp="1"/>
+          </p:cNvSpPr>
+          <p:nvPr>
+            <p:ph type="title"/>
+          </p:nvPr>
+        </p:nvSpPr>
+        <p:spPr/>
+        <p:txBody>
+          <a:bodyPr/>
+          <a:lstStyle/>
+          <a:p>
+            <a:r>
+              <a:rPr lang="pt-BR" dirty="0" smtClean="0"/>
+              <a:t>Introdução Facade</a:t>
+            </a:r>
+            <a:endParaRPr lang="pt-BR" dirty="0"/>
+          </a:p>
+        </p:txBody>
+      </p:sp>
+      <p:sp>
+        <p:nvSpPr>
+          <p:cNvPr id="3" name="Content Placeholder 2"/>
+          <p:cNvSpPr>
+            <a:spLocks noGrp="1"/>
+          </p:cNvSpPr>
+          <p:nvPr>
+            <p:ph idx="1"/>
+          </p:nvPr>
+        </p:nvSpPr>
+        <p:spPr/>
+        <p:txBody>
+          <a:bodyPr>
+            <a:normAutofit/>
+          </a:bodyPr>
+          <a:lstStyle/>
+          <a:p>
+            <a:pPr algn="just"/>
+            <a:r>
+              <a:rPr lang="pt-BR" dirty="0">
+                <a:solidFill>
+                  <a:schemeClr val="tx1"/>
+                </a:solidFill>
+                <a:latin typeface="+mn-lt"/>
+              </a:rPr>
+              <a:t>Padrão de projeto de design de </a:t>
+            </a:r>
+            <a:r>
+              <a:rPr lang="pt-BR" dirty="0" smtClean="0">
+                <a:solidFill>
+                  <a:schemeClr val="tx1"/>
+                </a:solidFill>
+                <a:latin typeface="+mn-lt"/>
+              </a:rPr>
+              <a:t>software.</a:t>
+            </a:r>
+            <a:endParaRPr lang="pt-BR" dirty="0">
+              <a:solidFill>
+                <a:schemeClr val="tx1"/>
+              </a:solidFill>
+              <a:latin typeface="+mn-lt"/>
+            </a:endParaRPr>
+          </a:p>
+          <a:p>
+            <a:pPr algn="just"/>
+            <a:endParaRPr lang="pt-BR" dirty="0">
+              <a:solidFill>
+                <a:schemeClr val="tx1"/>
+              </a:solidFill>
+              <a:latin typeface="+mn-lt"/>
+            </a:endParaRPr>
+          </a:p>
+          <a:p>
+            <a:pPr algn="just"/>
+            <a:r>
+              <a:rPr lang="pt-BR" dirty="0">
+                <a:solidFill>
+                  <a:schemeClr val="tx1"/>
+                </a:solidFill>
+                <a:latin typeface="+mn-lt"/>
+              </a:rPr>
+              <a:t>Tem como propósito promover uma interface unificada para um conjunto de interfaces de um subsistema. Dessa forma, é definida uma interface de alto nível que torna um subsistema mais fácil de ser utilizado/acessado</a:t>
+            </a:r>
+            <a:r>
+              <a:rPr lang="pt-BR" dirty="0" smtClean="0">
+                <a:solidFill>
+                  <a:schemeClr val="tx1"/>
+                </a:solidFill>
+                <a:latin typeface="+mn-lt"/>
+              </a:rPr>
+              <a:t>.</a:t>
+            </a:r>
+            <a:endParaRPr lang="pt-BR" dirty="0">
+              <a:solidFill>
+                <a:schemeClr val="tx1"/>
+              </a:solidFill>
+              <a:latin typeface="+mn-lt"/>
+            </a:endParaRPr>
+          </a:p>
+        </p:txBody>
+      </p:sp>
+    </p:spTree>
+    <p:extLst>
+      <p:ext uri="{BB962C8B-B14F-4D97-AF65-F5344CB8AC3E}">
+        <p14:creationId xmlns:p14="http://schemas.microsoft.com/office/powerpoint/2010/main" val="2124802612"/>
+      </p:ext>
+    </p:extLst>
+  </p:cSld>
+  <p:clrMapOvr>
+    <a:masterClrMapping/>
+  </p:clrMapOvr>
+</p:sld>
+</file>
+
+<file path=ppt/slides/slide19.xml><?xml version="1.0" encoding="utf-8"?>
+<p:sld xmlns:a="http://schemas.openxmlformats.org/drawingml/2006/main" xmlns:r="http://schemas.openxmlformats.org/officeDocument/2006/relationships" xmlns:p="http://schemas.openxmlformats.org/presentationml/2006/main">
+  <p:cSld>
+    <p:spTree>
+      <p:nvGrpSpPr>
+        <p:cNvPr id="1" name=""/>
+        <p:cNvGrpSpPr/>
+        <p:nvPr/>
+      </p:nvGrpSpPr>
+      <p:grpSpPr>
+        <a:xfrm>
+          <a:off x="0" y="0"/>
+          <a:ext cx="0" cy="0"/>
+          <a:chOff x="0" y="0"/>
+          <a:chExt cx="0" cy="0"/>
+        </a:xfrm>
+      </p:grpSpPr>
+      <p:sp>
+        <p:nvSpPr>
+          <p:cNvPr id="2" name="Title 1"/>
+          <p:cNvSpPr>
+            <a:spLocks noGrp="1"/>
+          </p:cNvSpPr>
+          <p:nvPr>
+            <p:ph type="title"/>
+          </p:nvPr>
+        </p:nvSpPr>
+        <p:spPr/>
+        <p:txBody>
+          <a:bodyPr/>
+          <a:lstStyle/>
+          <a:p>
+            <a:r>
+              <a:rPr lang="pt-BR" dirty="0" smtClean="0"/>
+              <a:t>Introdução Facade</a:t>
+            </a:r>
+            <a:endParaRPr lang="pt-BR" dirty="0"/>
+          </a:p>
+        </p:txBody>
+      </p:sp>
+      <p:sp>
+        <p:nvSpPr>
+          <p:cNvPr id="3" name="Content Placeholder 2"/>
+          <p:cNvSpPr>
+            <a:spLocks noGrp="1"/>
+          </p:cNvSpPr>
+          <p:nvPr>
+            <p:ph idx="1"/>
+          </p:nvPr>
+        </p:nvSpPr>
+        <p:spPr/>
+        <p:txBody>
+          <a:bodyPr>
+            <a:normAutofit lnSpcReduction="10000"/>
+          </a:bodyPr>
+          <a:lstStyle/>
+          <a:p>
+            <a:pPr algn="just"/>
+            <a:r>
+              <a:rPr lang="pt-BR" dirty="0" smtClean="0">
+                <a:solidFill>
+                  <a:schemeClr val="tx1"/>
+                </a:solidFill>
+                <a:latin typeface="+mn-lt"/>
+              </a:rPr>
+              <a:t>Seu </a:t>
+            </a:r>
+            <a:r>
+              <a:rPr lang="pt-BR" dirty="0">
+                <a:solidFill>
+                  <a:schemeClr val="tx1"/>
+                </a:solidFill>
+                <a:latin typeface="+mn-lt"/>
+              </a:rPr>
+              <a:t>objetivo é implementar uma forma de interagir com um sistema que seja mais fácil que o antigo, com a intenção de usar um subconjunto do sistema em questão. Ou seja, busca simplificar o uso de um sistema existente a partir de uma </a:t>
+            </a:r>
+            <a:r>
+              <a:rPr lang="pt-BR" dirty="0" smtClean="0">
+                <a:solidFill>
+                  <a:schemeClr val="tx1"/>
+                </a:solidFill>
+                <a:latin typeface="+mn-lt"/>
+              </a:rPr>
+              <a:t>interface.</a:t>
+            </a:r>
+          </a:p>
+          <a:p>
+            <a:pPr algn="just"/>
+            <a:endParaRPr lang="pt-BR" dirty="0">
+              <a:solidFill>
+                <a:schemeClr val="tx1"/>
+              </a:solidFill>
+              <a:latin typeface="+mn-lt"/>
+            </a:endParaRPr>
+          </a:p>
+          <a:p>
+            <a:pPr algn="just"/>
+            <a:r>
+              <a:rPr lang="pt-BR" dirty="0" smtClean="0">
+                <a:solidFill>
+                  <a:schemeClr val="tx1"/>
+                </a:solidFill>
+                <a:latin typeface="+mn-lt"/>
+              </a:rPr>
+              <a:t>Similiaridade com os padrões Decorator e Adapter.</a:t>
+            </a:r>
+          </a:p>
+          <a:p>
+            <a:pPr algn="just"/>
+            <a:endParaRPr lang="pt-BR" dirty="0">
+              <a:solidFill>
+                <a:schemeClr val="tx1"/>
+              </a:solidFill>
+              <a:latin typeface="+mn-lt"/>
+            </a:endParaRPr>
+          </a:p>
+          <a:p>
+            <a:pPr algn="just"/>
+            <a:r>
+              <a:rPr lang="pt-BR" dirty="0" smtClean="0">
+                <a:solidFill>
+                  <a:schemeClr val="tx1"/>
+                </a:solidFill>
+                <a:latin typeface="+mn-lt"/>
+              </a:rPr>
+              <a:t>Importante </a:t>
+            </a:r>
+            <a:r>
+              <a:rPr lang="pt-BR" dirty="0">
+                <a:solidFill>
+                  <a:schemeClr val="tx1"/>
+                </a:solidFill>
+                <a:latin typeface="+mn-lt"/>
+              </a:rPr>
+              <a:t>ressaltar que o padrão Facade não “encapsula” as interfaces do sistema, </a:t>
+            </a:r>
+            <a:r>
+              <a:rPr lang="pt-BR" dirty="0" smtClean="0">
+                <a:solidFill>
+                  <a:schemeClr val="tx1"/>
+                </a:solidFill>
+                <a:latin typeface="+mn-lt"/>
+              </a:rPr>
+              <a:t>apenas </a:t>
+            </a:r>
+            <a:r>
+              <a:rPr lang="pt-BR" dirty="0">
+                <a:solidFill>
+                  <a:schemeClr val="tx1"/>
+                </a:solidFill>
+                <a:latin typeface="+mn-lt"/>
+              </a:rPr>
+              <a:t>fornece uma interface simplificada para acessar as suas funcionalidades.</a:t>
+            </a:r>
+            <a:endParaRPr lang="pt-BR" dirty="0">
+              <a:solidFill>
+                <a:schemeClr val="tx1"/>
+              </a:solidFill>
+              <a:latin typeface="+mn-lt"/>
+            </a:endParaRPr>
+          </a:p>
+        </p:txBody>
+      </p:sp>
+    </p:spTree>
+    <p:extLst>
+      <p:ext uri="{BB962C8B-B14F-4D97-AF65-F5344CB8AC3E}">
+        <p14:creationId xmlns:p14="http://schemas.microsoft.com/office/powerpoint/2010/main" val="3034448776"/>
+      </p:ext>
+    </p:extLst>
+  </p:cSld>
+  <p:clrMapOvr>
+    <a:masterClrMapping/>
+  </p:clrMapOvr>
+</p:sld>
+</file>
+
+<file path=ppt/slides/slide2.xml><?xml version="1.0" encoding="utf-8"?>
+<p:sld xmlns:a="http://schemas.openxmlformats.org/drawingml/2006/main" xmlns:r="http://schemas.openxmlformats.org/officeDocument/2006/relationships" xmlns:p="http://schemas.openxmlformats.org/presentationml/2006/main">
+  <p:cSld>
+    <p:spTree>
+      <p:nvGrpSpPr>
+        <p:cNvPr id="1" name=""/>
+        <p:cNvGrpSpPr/>
+        <p:nvPr/>
+      </p:nvGrpSpPr>
+      <p:grpSpPr>
+        <a:xfrm>
+          <a:off x="0" y="0"/>
+          <a:ext cx="0" cy="0"/>
+          <a:chOff x="0" y="0"/>
+          <a:chExt cx="0" cy="0"/>
+        </a:xfrm>
+      </p:grpSpPr>
+      <p:sp>
+        <p:nvSpPr>
+          <p:cNvPr id="2" name="Title 1"/>
+          <p:cNvSpPr>
+            <a:spLocks noGrp="1"/>
+          </p:cNvSpPr>
+          <p:nvPr>
+            <p:ph type="title"/>
+          </p:nvPr>
+        </p:nvSpPr>
+        <p:spPr>
+          <a:xfrm>
+            <a:off x="467544" y="116632"/>
+            <a:ext cx="8229600" cy="764704"/>
+          </a:xfrm>
+        </p:spPr>
+        <p:txBody>
+          <a:bodyPr/>
+          <a:lstStyle/>
+          <a:p>
+            <a:r>
+              <a:rPr lang="pt-BR" dirty="0"/>
+              <a:t>Sumário</a:t>
+            </a:r>
+          </a:p>
+        </p:txBody>
+      </p:sp>
+      <p:sp>
+        <p:nvSpPr>
+          <p:cNvPr id="3" name="Content Placeholder 2"/>
+          <p:cNvSpPr>
+            <a:spLocks noGrp="1"/>
+          </p:cNvSpPr>
+          <p:nvPr>
+            <p:ph idx="1"/>
+          </p:nvPr>
+        </p:nvSpPr>
+        <p:spPr>
+          <a:xfrm>
+            <a:off x="457200" y="980728"/>
+            <a:ext cx="8229600" cy="5616624"/>
+          </a:xfrm>
+        </p:spPr>
+        <p:txBody>
+          <a:bodyPr>
+            <a:normAutofit lnSpcReduction="10000"/>
+          </a:bodyPr>
+          <a:lstStyle/>
+          <a:p>
+            <a:r>
+              <a:rPr lang="pt-BR" dirty="0">
+                <a:solidFill>
+                  <a:schemeClr val="tx1"/>
+                </a:solidFill>
+              </a:rPr>
+              <a:t>Builder</a:t>
+            </a:r>
+          </a:p>
+          <a:p>
+            <a:pPr lvl="1"/>
+            <a:r>
+              <a:rPr lang="pt-BR" dirty="0">
+                <a:solidFill>
+                  <a:schemeClr val="tx1"/>
+                </a:solidFill>
+              </a:rPr>
+              <a:t>Problema;</a:t>
+            </a:r>
+          </a:p>
+          <a:p>
+            <a:pPr lvl="1"/>
+            <a:r>
+              <a:rPr lang="pt-BR" dirty="0">
+                <a:solidFill>
+                  <a:schemeClr val="tx1"/>
+                </a:solidFill>
+              </a:rPr>
+              <a:t>Motivação</a:t>
+            </a:r>
+            <a:r>
+              <a:rPr lang="pt-BR" dirty="0" smtClean="0">
+                <a:solidFill>
+                  <a:schemeClr val="tx1"/>
+                </a:solidFill>
+              </a:rPr>
+              <a:t>;</a:t>
+            </a:r>
+          </a:p>
+          <a:p>
+            <a:pPr lvl="1"/>
+            <a:r>
+              <a:rPr lang="pt-BR" dirty="0" smtClean="0">
+                <a:solidFill>
+                  <a:schemeClr val="tx1"/>
+                </a:solidFill>
+              </a:rPr>
+              <a:t>Exemplo;</a:t>
+            </a:r>
+            <a:endParaRPr lang="pt-BR" dirty="0">
+              <a:solidFill>
+                <a:schemeClr val="tx1"/>
+              </a:solidFill>
+            </a:endParaRPr>
+          </a:p>
+          <a:p>
+            <a:pPr lvl="1"/>
+            <a:r>
+              <a:rPr lang="pt-BR" dirty="0">
+                <a:solidFill>
+                  <a:schemeClr val="tx1"/>
+                </a:solidFill>
+              </a:rPr>
+              <a:t>Vantagens;</a:t>
+            </a:r>
+          </a:p>
+          <a:p>
+            <a:pPr lvl="1"/>
+            <a:r>
+              <a:rPr lang="pt-BR" dirty="0">
+                <a:solidFill>
+                  <a:schemeClr val="tx1"/>
+                </a:solidFill>
+              </a:rPr>
+              <a:t>Desvantagens;</a:t>
+            </a:r>
+            <a:br>
+              <a:rPr lang="pt-BR" dirty="0">
+                <a:solidFill>
+                  <a:schemeClr val="tx1"/>
+                </a:solidFill>
+              </a:rPr>
+            </a:br>
+            <a:endParaRPr lang="pt-BR" dirty="0">
+              <a:solidFill>
+                <a:schemeClr val="tx1"/>
+              </a:solidFill>
+            </a:endParaRPr>
+          </a:p>
+          <a:p>
+            <a:r>
+              <a:rPr lang="pt-BR" dirty="0">
+                <a:solidFill>
+                  <a:schemeClr val="tx1"/>
+                </a:solidFill>
+              </a:rPr>
+              <a:t>Facade</a:t>
+            </a:r>
+          </a:p>
+          <a:p>
+            <a:pPr lvl="1"/>
+            <a:r>
+              <a:rPr lang="pt-BR" dirty="0">
+                <a:solidFill>
+                  <a:schemeClr val="tx1"/>
+                </a:solidFill>
+              </a:rPr>
+              <a:t>Problema;</a:t>
+            </a:r>
+          </a:p>
+          <a:p>
+            <a:pPr lvl="1"/>
+            <a:r>
+              <a:rPr lang="pt-BR" dirty="0">
+                <a:solidFill>
+                  <a:schemeClr val="tx1"/>
+                </a:solidFill>
+              </a:rPr>
+              <a:t>Motivação;</a:t>
+            </a:r>
+          </a:p>
+          <a:p>
+            <a:pPr lvl="1"/>
+            <a:r>
+              <a:rPr lang="pt-BR" dirty="0">
+                <a:solidFill>
+                  <a:schemeClr val="tx1"/>
+                </a:solidFill>
+              </a:rPr>
+              <a:t>Vantagens;</a:t>
+            </a:r>
+          </a:p>
+          <a:p>
+            <a:pPr lvl="1"/>
+            <a:r>
+              <a:rPr lang="pt-BR" dirty="0">
+                <a:solidFill>
+                  <a:schemeClr val="tx1"/>
+                </a:solidFill>
+              </a:rPr>
+              <a:t>Desvantagens;</a:t>
+            </a:r>
+            <a:br>
+              <a:rPr lang="pt-BR" dirty="0">
+                <a:solidFill>
+                  <a:schemeClr val="tx1"/>
+                </a:solidFill>
+              </a:rPr>
+            </a:br>
+            <a:endParaRPr lang="pt-BR" dirty="0">
+              <a:solidFill>
+                <a:schemeClr val="tx1"/>
+              </a:solidFill>
+            </a:endParaRPr>
+          </a:p>
+          <a:p>
+            <a:r>
+              <a:rPr lang="pt-BR" dirty="0">
+                <a:solidFill>
+                  <a:schemeClr val="tx1"/>
+                </a:solidFill>
+              </a:rPr>
+              <a:t>Observer</a:t>
+            </a:r>
+          </a:p>
+          <a:p>
+            <a:pPr lvl="1"/>
+            <a:r>
+              <a:rPr lang="pt-BR" dirty="0">
+                <a:solidFill>
+                  <a:schemeClr val="tx1"/>
+                </a:solidFill>
+              </a:rPr>
+              <a:t>Problema;</a:t>
+            </a:r>
+          </a:p>
+          <a:p>
+            <a:pPr lvl="1"/>
+            <a:r>
+              <a:rPr lang="pt-BR" dirty="0" smtClean="0">
+                <a:solidFill>
+                  <a:schemeClr val="tx1"/>
+                </a:solidFill>
+              </a:rPr>
+              <a:t>Motivação;</a:t>
+            </a:r>
+          </a:p>
+          <a:p>
+            <a:pPr lvl="1"/>
+            <a:r>
+              <a:rPr lang="pt-BR" dirty="0" smtClean="0">
+                <a:solidFill>
+                  <a:schemeClr val="tx1"/>
+                </a:solidFill>
+              </a:rPr>
+              <a:t>Exemplo;</a:t>
+            </a:r>
+            <a:endParaRPr lang="pt-BR" dirty="0">
+              <a:solidFill>
+                <a:schemeClr val="tx1"/>
+              </a:solidFill>
+            </a:endParaRPr>
+          </a:p>
+          <a:p>
+            <a:pPr lvl="1"/>
+            <a:r>
+              <a:rPr lang="pt-BR" dirty="0">
+                <a:solidFill>
+                  <a:schemeClr val="tx1"/>
+                </a:solidFill>
+              </a:rPr>
+              <a:t>Vantagens;</a:t>
+            </a:r>
+          </a:p>
+          <a:p>
+            <a:pPr lvl="1"/>
+            <a:r>
+              <a:rPr lang="pt-BR" dirty="0">
+                <a:solidFill>
+                  <a:schemeClr val="tx1"/>
+                </a:solidFill>
+              </a:rPr>
+              <a:t>Desvantagens;</a:t>
+            </a:r>
+          </a:p>
+        </p:txBody>
+      </p:sp>
+    </p:spTree>
+    <p:extLst>
+      <p:ext uri="{BB962C8B-B14F-4D97-AF65-F5344CB8AC3E}">
+        <p14:creationId xmlns:p14="http://schemas.microsoft.com/office/powerpoint/2010/main" val="1560896896"/>
+      </p:ext>
+    </p:extLst>
+  </p:cSld>
+  <p:clrMapOvr>
+    <a:masterClrMapping/>
+  </p:clrMapOvr>
+  <p:timing>
+    <p:tnLst>
+      <p:par>
+        <p:cTn id="1" dur="indefinite" restart="never" nodeType="tmRoot"/>
+      </p:par>
+    </p:tnLst>
+  </p:timing>
+</p:sld>
+</file>
+
+<file path=ppt/slides/slide20.xml><?xml version="1.0" encoding="utf-8"?>
+<p:sld xmlns:a="http://schemas.openxmlformats.org/drawingml/2006/main" xmlns:r="http://schemas.openxmlformats.org/officeDocument/2006/relationships" xmlns:p="http://schemas.openxmlformats.org/presentationml/2006/main">
+  <p:cSld>
+    <p:spTree>
+      <p:nvGrpSpPr>
+        <p:cNvPr id="1" name=""/>
+        <p:cNvGrpSpPr/>
+        <p:nvPr/>
+      </p:nvGrpSpPr>
+      <p:grpSpPr>
+        <a:xfrm>
+          <a:off x="0" y="0"/>
+          <a:ext cx="0" cy="0"/>
+          <a:chOff x="0" y="0"/>
+          <a:chExt cx="0" cy="0"/>
+        </a:xfrm>
+      </p:grpSpPr>
+      <p:sp>
+        <p:nvSpPr>
+          <p:cNvPr id="2" name="Title 1"/>
+          <p:cNvSpPr>
+            <a:spLocks noGrp="1"/>
+          </p:cNvSpPr>
+          <p:nvPr>
+            <p:ph type="title"/>
+          </p:nvPr>
+        </p:nvSpPr>
+        <p:spPr/>
+        <p:txBody>
+          <a:bodyPr/>
+          <a:lstStyle/>
+          <a:p>
+            <a:r>
+              <a:rPr lang="pt-BR" dirty="0"/>
               <a:t>Estrutura Antes</a:t>
             </a:r>
           </a:p>
@@ -4034,7 +5043,7 @@
           <p:cNvPr id="5" name="Imagem 4">
             <a:extLst>
               <a:ext uri="{FF2B5EF4-FFF2-40B4-BE49-F238E27FC236}">
-                <a16:creationId xmlns:a16="http://schemas.microsoft.com/office/drawing/2014/main" id="{6E21660A-4590-4BDF-9CA9-A33099FA11CC}"/>
+                <a16:creationId xmlns:a16="http://schemas.microsoft.com/office/drawing/2014/main" xmlns="" id="{6E21660A-4590-4BDF-9CA9-A33099FA11CC}"/>
               </a:ext>
             </a:extLst>
           </p:cNvPr>
@@ -4078,7 +5087,7 @@
 </p:sld>
 </file>
 
-<file path=ppt/slides/slide16.xml><?xml version="1.0" encoding="utf-8"?>
+<file path=ppt/slides/slide21.xml><?xml version="1.0" encoding="utf-8"?>
 <p:sld xmlns:a="http://schemas.openxmlformats.org/drawingml/2006/main" xmlns:r="http://schemas.openxmlformats.org/officeDocument/2006/relationships" xmlns:p="http://schemas.openxmlformats.org/presentationml/2006/main">
   <p:cSld>
     <p:spTree>
@@ -4154,7 +5163,7 @@
           <p:cNvPr id="6" name="Imagem 5">
             <a:extLst>
               <a:ext uri="{FF2B5EF4-FFF2-40B4-BE49-F238E27FC236}">
-                <a16:creationId xmlns:a16="http://schemas.microsoft.com/office/drawing/2014/main" id="{0B7272D5-577B-4887-843A-A2CEB72221B7}"/>
+                <a16:creationId xmlns:a16="http://schemas.microsoft.com/office/drawing/2014/main" xmlns="" id="{0B7272D5-577B-4887-843A-A2CEB72221B7}"/>
               </a:ext>
             </a:extLst>
           </p:cNvPr>
@@ -4198,7 +5207,7 @@
 </p:sld>
 </file>
 
-<file path=ppt/slides/slide17.xml><?xml version="1.0" encoding="utf-8"?>
+<file path=ppt/slides/slide22.xml><?xml version="1.0" encoding="utf-8"?>
 <p:sld xmlns:a="http://schemas.openxmlformats.org/drawingml/2006/main" xmlns:r="http://schemas.openxmlformats.org/officeDocument/2006/relationships" xmlns:p="http://schemas.openxmlformats.org/presentationml/2006/main">
   <p:cSld>
     <p:spTree>
@@ -4264,45 +5273,55 @@
           </a:bodyPr>
           <a:lstStyle/>
           <a:p>
+            <a:pPr algn="just"/>
             <a:r>
               <a:rPr lang="pt-BR" dirty="0">
                 <a:solidFill>
                   <a:schemeClr val="tx1"/>
                 </a:solidFill>
+                <a:latin typeface="+mn-lt"/>
               </a:rPr>
               <a:t>Torna o sistema mais fácil de se usar, protegendo os clientes dos componentes do sistema, reduzindo o número de objetos que terão que lidar.</a:t>
             </a:r>
           </a:p>
           <a:p>
+            <a:pPr algn="just"/>
             <a:endParaRPr lang="pt-BR" dirty="0">
               <a:solidFill>
                 <a:schemeClr val="tx1"/>
               </a:solidFill>
+              <a:latin typeface="+mn-lt"/>
             </a:endParaRPr>
           </a:p>
           <a:p>
+            <a:pPr algn="just"/>
             <a:r>
               <a:rPr lang="pt-BR" dirty="0">
                 <a:solidFill>
                   <a:schemeClr val="tx1"/>
                 </a:solidFill>
+                <a:latin typeface="+mn-lt"/>
               </a:rPr>
               <a:t>Promove fraco/pouco acoplamento entre os subsistemas e seus clientes.</a:t>
             </a:r>
           </a:p>
           <a:p>
+            <a:pPr algn="just"/>
             <a:endParaRPr lang="pt-BR" dirty="0">
               <a:solidFill>
                 <a:schemeClr val="tx1"/>
               </a:solidFill>
+              <a:latin typeface="+mn-lt"/>
             </a:endParaRPr>
           </a:p>
           <a:p>
+            <a:pPr algn="just"/>
             <a:r>
               <a:rPr lang="pt-BR" dirty="0">
                 <a:solidFill>
                   <a:schemeClr val="tx1"/>
                 </a:solidFill>
+                <a:latin typeface="+mn-lt"/>
               </a:rPr>
               <a:t>Não evita que as aplicações possam acessar as subclasses diretamente, pode-se escolher entre a facilidade de uso ou a generalidade.</a:t>
             </a:r>
@@ -4322,7 +5341,7 @@
 </p:sld>
 </file>
 
-<file path=ppt/slides/slide18.xml><?xml version="1.0" encoding="utf-8"?>
+<file path=ppt/slides/slide23.xml><?xml version="1.0" encoding="utf-8"?>
 <p:sld xmlns:a="http://schemas.openxmlformats.org/drawingml/2006/main" xmlns:r="http://schemas.openxmlformats.org/officeDocument/2006/relationships" xmlns:p="http://schemas.openxmlformats.org/presentationml/2006/main">
   <p:cSld>
     <p:spTree>
@@ -4366,41 +5385,34 @@
           </a:p>
         </p:txBody>
       </p:sp>
-      <p:pic>
-        <p:nvPicPr>
-          <p:cNvPr id="5" name="Espaço Reservado para Conteúdo 4">
-            <a:extLst>
-              <a:ext uri="{FF2B5EF4-FFF2-40B4-BE49-F238E27FC236}">
-                <a16:creationId xmlns:a16="http://schemas.microsoft.com/office/drawing/2014/main" id="{C7158B15-0B5E-4179-890E-07A1B9A4C7F1}"/>
-              </a:ext>
-            </a:extLst>
-          </p:cNvPr>
-          <p:cNvPicPr>
-            <a:picLocks noGrp="1" noChangeAspect="1"/>
-          </p:cNvPicPr>
+      <p:sp>
+        <p:nvSpPr>
+          <p:cNvPr id="3" name="Content Placeholder 2"/>
+          <p:cNvSpPr>
+            <a:spLocks noGrp="1"/>
+          </p:cNvSpPr>
           <p:nvPr>
             <p:ph idx="1"/>
           </p:nvPr>
-        </p:nvPicPr>
-        <p:blipFill>
-          <a:blip r:embed="rId2">
-            <a:extLst>
-              <a:ext uri="{28A0092B-C50C-407E-A947-70E740481C1C}">
-                <a14:useLocalDpi xmlns:a14="http://schemas.microsoft.com/office/drawing/2010/main" val="0"/>
-              </a:ext>
-            </a:extLst>
-          </a:blip>
-          <a:stretch>
-            <a:fillRect/>
-          </a:stretch>
-        </p:blipFill>
-        <p:spPr>
-          <a:xfrm>
-            <a:off x="2411760" y="1961331"/>
-            <a:ext cx="3915941" cy="3915941"/>
-          </a:xfrm>
-        </p:spPr>
-      </p:pic>
+        </p:nvSpPr>
+        <p:spPr/>
+        <p:txBody>
+          <a:bodyPr/>
+          <a:lstStyle/>
+          <a:p>
+            <a:pPr algn="just"/>
+            <a:r>
+              <a:rPr lang="pt-BR" dirty="0">
+                <a:solidFill>
+                  <a:schemeClr val="tx1"/>
+                </a:solidFill>
+                <a:latin typeface="+mn-lt"/>
+              </a:rPr>
+              <a:t>O problema com essa centralização da complexidade é que a classe fachada pode crescer descontroladamente para abrigar uma conjunto grande de possibilidades. Nestes casos pode ser mais viável procurar outros padrões, como Abstract Factory para dividir as responsabilidades entre subclasses.</a:t>
+            </a:r>
+          </a:p>
+        </p:txBody>
+      </p:sp>
     </p:spTree>
     <p:extLst>
       <p:ext uri="{BB962C8B-B14F-4D97-AF65-F5344CB8AC3E}">
@@ -4414,7 +5426,7 @@
 </p:sld>
 </file>
 
-<file path=ppt/slides/slide2.xml><?xml version="1.0" encoding="utf-8"?>
+<file path=ppt/slides/slide24.xml><?xml version="1.0" encoding="utf-8"?>
 <p:sld xmlns:a="http://schemas.openxmlformats.org/drawingml/2006/main" xmlns:r="http://schemas.openxmlformats.org/officeDocument/2006/relationships" xmlns:p="http://schemas.openxmlformats.org/presentationml/2006/main">
   <p:cSld>
     <p:spTree>
@@ -4433,7 +5445,7 @@
       </p:grpSpPr>
       <p:sp>
         <p:nvSpPr>
-          <p:cNvPr id="2" name="Title 1"/>
+          <p:cNvPr id="4" name="Title 3"/>
           <p:cNvSpPr>
             <a:spLocks noGrp="1"/>
           </p:cNvSpPr>
@@ -4443,8 +5455,8 @@
         </p:nvSpPr>
         <p:spPr>
           <a:xfrm>
-            <a:off x="467544" y="116632"/>
-            <a:ext cx="8229600" cy="764704"/>
+            <a:off x="539552" y="2852936"/>
+            <a:ext cx="8229600" cy="1600200"/>
           </a:xfrm>
         </p:spPr>
         <p:txBody>
@@ -4452,231 +5464,1013 @@
           <a:lstStyle/>
           <a:p>
             <a:r>
-              <a:rPr lang="pt-BR" dirty="0"/>
-              <a:t>Sumário</a:t>
-            </a:r>
-          </a:p>
-        </p:txBody>
-      </p:sp>
-      <p:sp>
-        <p:nvSpPr>
-          <p:cNvPr id="3" name="Content Placeholder 2"/>
-          <p:cNvSpPr>
-            <a:spLocks noGrp="1"/>
-          </p:cNvSpPr>
-          <p:nvPr>
-            <p:ph idx="1"/>
-          </p:nvPr>
-        </p:nvSpPr>
-        <p:spPr>
-          <a:xfrm>
-            <a:off x="457200" y="980728"/>
-            <a:ext cx="8229600" cy="5616624"/>
-          </a:xfrm>
-        </p:spPr>
-        <p:txBody>
-          <a:bodyPr>
-            <a:normAutofit/>
-          </a:bodyPr>
-          <a:lstStyle/>
-          <a:p>
-            <a:r>
-              <a:rPr lang="pt-BR" dirty="0">
-                <a:solidFill>
-                  <a:schemeClr val="tx1"/>
-                </a:solidFill>
-              </a:rPr>
-              <a:t>Builder</a:t>
-            </a:r>
-          </a:p>
-          <a:p>
-            <a:pPr lvl="1"/>
-            <a:r>
-              <a:rPr lang="pt-BR" dirty="0">
-                <a:solidFill>
-                  <a:schemeClr val="tx1"/>
-                </a:solidFill>
-              </a:rPr>
-              <a:t>Problema;</a:t>
-            </a:r>
-          </a:p>
-          <a:p>
-            <a:pPr lvl="1"/>
-            <a:r>
-              <a:rPr lang="pt-BR" dirty="0">
-                <a:solidFill>
-                  <a:schemeClr val="tx1"/>
-                </a:solidFill>
-              </a:rPr>
-              <a:t>Motivação;</a:t>
-            </a:r>
-          </a:p>
-          <a:p>
-            <a:pPr lvl="1"/>
-            <a:r>
-              <a:rPr lang="pt-BR" dirty="0">
-                <a:solidFill>
-                  <a:schemeClr val="tx1"/>
-                </a:solidFill>
-              </a:rPr>
-              <a:t>Vantagens;</a:t>
-            </a:r>
-          </a:p>
-          <a:p>
-            <a:pPr lvl="1"/>
-            <a:r>
-              <a:rPr lang="pt-BR" dirty="0">
-                <a:solidFill>
-                  <a:schemeClr val="tx1"/>
-                </a:solidFill>
-              </a:rPr>
-              <a:t>Desvantagens;</a:t>
-            </a:r>
-            <a:br>
-              <a:rPr lang="pt-BR" dirty="0">
-                <a:solidFill>
-                  <a:schemeClr val="tx1"/>
-                </a:solidFill>
-              </a:rPr>
-            </a:br>
-            <a:endParaRPr lang="pt-BR" dirty="0">
-              <a:solidFill>
-                <a:schemeClr val="tx1"/>
-              </a:solidFill>
-            </a:endParaRPr>
-          </a:p>
-          <a:p>
-            <a:r>
-              <a:rPr lang="pt-BR" dirty="0">
-                <a:solidFill>
-                  <a:schemeClr val="tx1"/>
-                </a:solidFill>
-              </a:rPr>
-              <a:t>Facade</a:t>
-            </a:r>
-          </a:p>
-          <a:p>
-            <a:pPr lvl="1"/>
-            <a:r>
-              <a:rPr lang="pt-BR" dirty="0">
-                <a:solidFill>
-                  <a:schemeClr val="tx1"/>
-                </a:solidFill>
-              </a:rPr>
-              <a:t>Problema;</a:t>
-            </a:r>
-          </a:p>
-          <a:p>
-            <a:pPr lvl="1"/>
-            <a:r>
-              <a:rPr lang="pt-BR" dirty="0">
-                <a:solidFill>
-                  <a:schemeClr val="tx1"/>
-                </a:solidFill>
-              </a:rPr>
-              <a:t>Motivação;</a:t>
-            </a:r>
-          </a:p>
-          <a:p>
-            <a:pPr lvl="1"/>
-            <a:r>
-              <a:rPr lang="pt-BR" dirty="0">
-                <a:solidFill>
-                  <a:schemeClr val="tx1"/>
-                </a:solidFill>
-              </a:rPr>
-              <a:t>Vantagens;</a:t>
-            </a:r>
-          </a:p>
-          <a:p>
-            <a:pPr lvl="1"/>
-            <a:r>
-              <a:rPr lang="pt-BR" dirty="0">
-                <a:solidFill>
-                  <a:schemeClr val="tx1"/>
-                </a:solidFill>
-              </a:rPr>
-              <a:t>Desvantagens;</a:t>
-            </a:r>
-            <a:br>
-              <a:rPr lang="pt-BR" dirty="0">
-                <a:solidFill>
-                  <a:schemeClr val="tx1"/>
-                </a:solidFill>
-              </a:rPr>
-            </a:br>
-            <a:endParaRPr lang="pt-BR" dirty="0">
-              <a:solidFill>
-                <a:schemeClr val="tx1"/>
-              </a:solidFill>
-            </a:endParaRPr>
-          </a:p>
-          <a:p>
-            <a:r>
-              <a:rPr lang="pt-BR" dirty="0">
-                <a:solidFill>
-                  <a:schemeClr val="tx1"/>
-                </a:solidFill>
-              </a:rPr>
+              <a:rPr lang="pt-BR" dirty="0" smtClean="0"/>
               <a:t>Observer</a:t>
             </a:r>
-          </a:p>
-          <a:p>
-            <a:pPr lvl="1"/>
-            <a:r>
-              <a:rPr lang="pt-BR" dirty="0">
-                <a:solidFill>
-                  <a:schemeClr val="tx1"/>
-                </a:solidFill>
-              </a:rPr>
-              <a:t>Problema;</a:t>
-            </a:r>
-          </a:p>
-          <a:p>
-            <a:pPr lvl="1"/>
-            <a:r>
-              <a:rPr lang="pt-BR" dirty="0">
-                <a:solidFill>
-                  <a:schemeClr val="tx1"/>
-                </a:solidFill>
-              </a:rPr>
-              <a:t>Motivação;</a:t>
-            </a:r>
-          </a:p>
-          <a:p>
-            <a:pPr lvl="1"/>
-            <a:r>
-              <a:rPr lang="pt-BR" dirty="0">
-                <a:solidFill>
-                  <a:schemeClr val="tx1"/>
-                </a:solidFill>
-              </a:rPr>
-              <a:t>Vantagens;</a:t>
-            </a:r>
-          </a:p>
-          <a:p>
-            <a:pPr lvl="1"/>
-            <a:r>
-              <a:rPr lang="pt-BR" dirty="0">
-                <a:solidFill>
-                  <a:schemeClr val="tx1"/>
-                </a:solidFill>
-              </a:rPr>
-              <a:t>Desvantagens;</a:t>
-            </a:r>
+            <a:endParaRPr lang="pt-BR" dirty="0"/>
           </a:p>
         </p:txBody>
       </p:sp>
     </p:spTree>
     <p:extLst>
       <p:ext uri="{BB962C8B-B14F-4D97-AF65-F5344CB8AC3E}">
-        <p14:creationId xmlns:p14="http://schemas.microsoft.com/office/powerpoint/2010/main" val="1560896896"/>
+        <p14:creationId xmlns:p14="http://schemas.microsoft.com/office/powerpoint/2010/main" val="4147989511"/>
       </p:ext>
     </p:extLst>
   </p:cSld>
   <p:clrMapOvr>
     <a:masterClrMapping/>
   </p:clrMapOvr>
+</p:sld>
+</file>
+
+<file path=ppt/slides/slide25.xml><?xml version="1.0" encoding="utf-8"?>
+<p:sld xmlns:a="http://schemas.openxmlformats.org/drawingml/2006/main" xmlns:r="http://schemas.openxmlformats.org/officeDocument/2006/relationships" xmlns:p="http://schemas.openxmlformats.org/presentationml/2006/main">
+  <p:cSld>
+    <p:spTree>
+      <p:nvGrpSpPr>
+        <p:cNvPr id="1" name=""/>
+        <p:cNvGrpSpPr/>
+        <p:nvPr/>
+      </p:nvGrpSpPr>
+      <p:grpSpPr>
+        <a:xfrm>
+          <a:off x="0" y="0"/>
+          <a:ext cx="0" cy="0"/>
+          <a:chOff x="0" y="0"/>
+          <a:chExt cx="0" cy="0"/>
+        </a:xfrm>
+      </p:grpSpPr>
+      <p:sp>
+        <p:nvSpPr>
+          <p:cNvPr id="3" name="Title 2"/>
+          <p:cNvSpPr>
+            <a:spLocks noGrp="1"/>
+          </p:cNvSpPr>
+          <p:nvPr>
+            <p:ph type="title"/>
+          </p:nvPr>
+        </p:nvSpPr>
+        <p:spPr/>
+        <p:txBody>
+          <a:bodyPr/>
+          <a:lstStyle/>
+          <a:p>
+            <a:r>
+              <a:rPr lang="pt-BR" dirty="0" smtClean="0"/>
+              <a:t>Introdução Observer</a:t>
+            </a:r>
+            <a:endParaRPr lang="pt-BR" dirty="0"/>
+          </a:p>
+        </p:txBody>
+      </p:sp>
+      <p:sp>
+        <p:nvSpPr>
+          <p:cNvPr id="4" name="Content Placeholder 3"/>
+          <p:cNvSpPr>
+            <a:spLocks noGrp="1"/>
+          </p:cNvSpPr>
+          <p:nvPr>
+            <p:ph idx="1"/>
+          </p:nvPr>
+        </p:nvSpPr>
+        <p:spPr/>
+        <p:txBody>
+          <a:bodyPr>
+            <a:normAutofit fontScale="92500"/>
+          </a:bodyPr>
+          <a:lstStyle/>
+          <a:p>
+            <a:pPr algn="just"/>
+            <a:r>
+              <a:rPr lang="pt-BR" dirty="0" smtClean="0">
+                <a:solidFill>
+                  <a:schemeClr val="tx1"/>
+                </a:solidFill>
+                <a:latin typeface="+mn-lt"/>
+              </a:rPr>
+              <a:t>Definie </a:t>
+            </a:r>
+            <a:r>
+              <a:rPr lang="pt-BR" dirty="0">
+                <a:solidFill>
+                  <a:schemeClr val="tx1"/>
+                </a:solidFill>
+                <a:latin typeface="+mn-lt"/>
+              </a:rPr>
+              <a:t>uma dependência um para muitos entre objetos, de maneira que quando um objeto muda de estado todos os seus dependentes são notificados e atualizados automaticamente</a:t>
+            </a:r>
+            <a:r>
+              <a:rPr lang="pt-BR" dirty="0">
+                <a:latin typeface="+mn-lt"/>
+              </a:rPr>
+              <a:t>.</a:t>
+            </a:r>
+            <a:endParaRPr lang="pt-BR" dirty="0">
+              <a:solidFill>
+                <a:schemeClr val="tx1"/>
+              </a:solidFill>
+              <a:latin typeface="+mn-lt"/>
+            </a:endParaRPr>
+          </a:p>
+          <a:p>
+            <a:pPr algn="just"/>
+            <a:endParaRPr lang="pt-BR" dirty="0" smtClean="0">
+              <a:solidFill>
+                <a:schemeClr val="tx1"/>
+              </a:solidFill>
+              <a:latin typeface="+mn-lt"/>
+            </a:endParaRPr>
+          </a:p>
+          <a:p>
+            <a:r>
+              <a:rPr lang="pt-BR" dirty="0" smtClean="0">
+                <a:solidFill>
+                  <a:schemeClr val="tx1"/>
+                </a:solidFill>
+                <a:latin typeface="+mn-lt"/>
+              </a:rPr>
+              <a:t>Os </a:t>
+            </a:r>
+            <a:r>
+              <a:rPr lang="pt-BR" dirty="0">
+                <a:solidFill>
+                  <a:schemeClr val="tx1"/>
+                </a:solidFill>
+                <a:latin typeface="+mn-lt"/>
+              </a:rPr>
+              <a:t>objetos </a:t>
+            </a:r>
+            <a:r>
+              <a:rPr lang="pt-BR" dirty="0" smtClean="0">
+                <a:solidFill>
+                  <a:schemeClr val="tx1"/>
+                </a:solidFill>
+                <a:latin typeface="+mn-lt"/>
+              </a:rPr>
+              <a:t>que </a:t>
+            </a:r>
+            <a:r>
+              <a:rPr lang="pt-BR" dirty="0">
+                <a:solidFill>
+                  <a:schemeClr val="tx1"/>
+                </a:solidFill>
+                <a:latin typeface="+mn-lt"/>
+              </a:rPr>
+              <a:t>estão </a:t>
+            </a:r>
+            <a:br>
+              <a:rPr lang="pt-BR" dirty="0">
+                <a:solidFill>
+                  <a:schemeClr val="tx1"/>
+                </a:solidFill>
+                <a:latin typeface="+mn-lt"/>
+              </a:rPr>
+            </a:br>
+            <a:r>
+              <a:rPr lang="pt-BR" dirty="0" smtClean="0">
+                <a:solidFill>
+                  <a:schemeClr val="tx1"/>
+                </a:solidFill>
+                <a:latin typeface="+mn-lt"/>
+              </a:rPr>
+              <a:t>escutando </a:t>
+            </a:r>
+            <a:r>
+              <a:rPr lang="pt-BR" dirty="0">
+                <a:solidFill>
+                  <a:schemeClr val="tx1"/>
+                </a:solidFill>
+                <a:latin typeface="+mn-lt"/>
+              </a:rPr>
+              <a:t>são conhecidos </a:t>
+            </a:r>
+            <a:r>
+              <a:rPr lang="pt-BR" dirty="0" smtClean="0">
+                <a:solidFill>
+                  <a:schemeClr val="tx1"/>
+                </a:solidFill>
+                <a:latin typeface="+mn-lt"/>
+              </a:rPr>
+              <a:t/>
+            </a:r>
+            <a:br>
+              <a:rPr lang="pt-BR" dirty="0" smtClean="0">
+                <a:solidFill>
+                  <a:schemeClr val="tx1"/>
+                </a:solidFill>
+                <a:latin typeface="+mn-lt"/>
+              </a:rPr>
+            </a:br>
+            <a:r>
+              <a:rPr lang="pt-BR" dirty="0" smtClean="0">
+                <a:solidFill>
+                  <a:schemeClr val="tx1"/>
+                </a:solidFill>
+                <a:latin typeface="+mn-lt"/>
+              </a:rPr>
+              <a:t>como </a:t>
+            </a:r>
+            <a:r>
+              <a:rPr lang="pt-BR" i="1" dirty="0">
+                <a:solidFill>
+                  <a:schemeClr val="tx1"/>
+                </a:solidFill>
+                <a:latin typeface="+mn-lt"/>
+              </a:rPr>
+              <a:t>Observers</a:t>
+            </a:r>
+            <a:r>
+              <a:rPr lang="pt-BR" dirty="0">
+                <a:solidFill>
+                  <a:schemeClr val="tx1"/>
+                </a:solidFill>
+                <a:latin typeface="+mn-lt"/>
+              </a:rPr>
+              <a:t> e o objeto </a:t>
+            </a:r>
+            <a:r>
+              <a:rPr lang="pt-BR" dirty="0" smtClean="0">
+                <a:solidFill>
+                  <a:schemeClr val="tx1"/>
+                </a:solidFill>
+                <a:latin typeface="+mn-lt"/>
+              </a:rPr>
+              <a:t/>
+            </a:r>
+            <a:br>
+              <a:rPr lang="pt-BR" dirty="0" smtClean="0">
+                <a:solidFill>
+                  <a:schemeClr val="tx1"/>
+                </a:solidFill>
+                <a:latin typeface="+mn-lt"/>
+              </a:rPr>
+            </a:br>
+            <a:r>
+              <a:rPr lang="pt-BR" dirty="0" smtClean="0">
+                <a:solidFill>
+                  <a:schemeClr val="tx1"/>
+                </a:solidFill>
+                <a:latin typeface="+mn-lt"/>
+              </a:rPr>
+              <a:t>que </a:t>
+            </a:r>
+            <a:r>
+              <a:rPr lang="pt-BR" dirty="0">
+                <a:solidFill>
+                  <a:schemeClr val="tx1"/>
+                </a:solidFill>
+                <a:latin typeface="+mn-lt"/>
+              </a:rPr>
+              <a:t>é escutado (ou observado) </a:t>
+            </a:r>
+            <a:r>
+              <a:rPr lang="pt-BR" dirty="0" smtClean="0">
+                <a:solidFill>
+                  <a:schemeClr val="tx1"/>
+                </a:solidFill>
+                <a:latin typeface="+mn-lt"/>
+              </a:rPr>
+              <a:t/>
+            </a:r>
+            <a:br>
+              <a:rPr lang="pt-BR" dirty="0" smtClean="0">
+                <a:solidFill>
+                  <a:schemeClr val="tx1"/>
+                </a:solidFill>
+                <a:latin typeface="+mn-lt"/>
+              </a:rPr>
+            </a:br>
+            <a:r>
+              <a:rPr lang="pt-BR" dirty="0" smtClean="0">
+                <a:solidFill>
+                  <a:schemeClr val="tx1"/>
+                </a:solidFill>
+                <a:latin typeface="+mn-lt"/>
+              </a:rPr>
+              <a:t>é</a:t>
+            </a:r>
+            <a:r>
+              <a:rPr lang="pt-BR" dirty="0">
+                <a:solidFill>
+                  <a:schemeClr val="tx1"/>
+                </a:solidFill>
+                <a:latin typeface="+mn-lt"/>
+              </a:rPr>
+              <a:t> conhecido como </a:t>
+            </a:r>
+            <a:r>
+              <a:rPr lang="pt-BR" i="1" dirty="0">
+                <a:solidFill>
+                  <a:schemeClr val="tx1"/>
+                </a:solidFill>
+                <a:latin typeface="+mn-lt"/>
+              </a:rPr>
+              <a:t>Subject</a:t>
+            </a:r>
+            <a:r>
+              <a:rPr lang="pt-BR" dirty="0" smtClean="0">
+                <a:solidFill>
+                  <a:schemeClr val="tx1"/>
+                </a:solidFill>
+                <a:latin typeface="+mn-lt"/>
+              </a:rPr>
+              <a:t>.</a:t>
+            </a:r>
+          </a:p>
+          <a:p>
+            <a:endParaRPr lang="pt-BR" dirty="0">
+              <a:solidFill>
+                <a:schemeClr val="tx1"/>
+              </a:solidFill>
+              <a:latin typeface="+mn-lt"/>
+            </a:endParaRPr>
+          </a:p>
+          <a:p>
+            <a:r>
+              <a:rPr lang="pt-BR" dirty="0" smtClean="0">
+                <a:solidFill>
+                  <a:schemeClr val="tx1"/>
+                </a:solidFill>
+                <a:latin typeface="+mn-lt"/>
+              </a:rPr>
+              <a:t>Padrão Comportamental.</a:t>
+            </a:r>
+          </a:p>
+          <a:p>
+            <a:r>
+              <a:rPr lang="pt-BR" dirty="0" smtClean="0">
+                <a:solidFill>
+                  <a:schemeClr val="tx1"/>
+                </a:solidFill>
+                <a:latin typeface="+mn-lt"/>
+              </a:rPr>
+              <a:t>Camada Model da arquitetura MVC;</a:t>
+            </a:r>
+            <a:endParaRPr lang="pt-BR" dirty="0">
+              <a:solidFill>
+                <a:schemeClr val="tx1"/>
+              </a:solidFill>
+              <a:latin typeface="+mn-lt"/>
+            </a:endParaRPr>
+          </a:p>
+        </p:txBody>
+      </p:sp>
+      <p:pic>
+        <p:nvPicPr>
+          <p:cNvPr id="2050" name="Picture 2"/>
+          <p:cNvPicPr>
+            <a:picLocks noChangeAspect="1" noChangeArrowheads="1"/>
+          </p:cNvPicPr>
+          <p:nvPr/>
+        </p:nvPicPr>
+        <p:blipFill>
+          <a:blip r:embed="rId2">
+            <a:extLst>
+              <a:ext uri="{28A0092B-C50C-407E-A947-70E740481C1C}">
+                <a14:useLocalDpi xmlns:a14="http://schemas.microsoft.com/office/drawing/2010/main" val="0"/>
+              </a:ext>
+            </a:extLst>
+          </a:blip>
+          <a:srcRect/>
+          <a:stretch>
+            <a:fillRect/>
+          </a:stretch>
+        </p:blipFill>
+        <p:spPr bwMode="auto">
+          <a:xfrm>
+            <a:off x="4788022" y="2714546"/>
+            <a:ext cx="3952067" cy="2880320"/>
+          </a:xfrm>
+          <a:prstGeom prst="rect">
+            <a:avLst/>
+          </a:prstGeom>
+          <a:noFill/>
+          <a:ln>
+            <a:noFill/>
+          </a:ln>
+          <a:effectLst/>
+          <a:extLst>
+            <a:ext uri="{909E8E84-426E-40DD-AFC4-6F175D3DCCD1}">
+              <a14:hiddenFill xmlns:a14="http://schemas.microsoft.com/office/drawing/2010/main">
+                <a:solidFill>
+                  <a:schemeClr val="accent1"/>
+                </a:solidFill>
+              </a14:hiddenFill>
+            </a:ext>
+            <a:ext uri="{91240B29-F687-4F45-9708-019B960494DF}">
+              <a14:hiddenLine xmlns:a14="http://schemas.microsoft.com/office/drawing/2010/main" w="9525">
+                <a:solidFill>
+                  <a:schemeClr val="tx1"/>
+                </a:solidFill>
+                <a:miter lim="800000"/>
+                <a:headEnd/>
+                <a:tailEnd/>
+              </a14:hiddenLine>
+            </a:ext>
+            <a:ext uri="{AF507438-7753-43E0-B8FC-AC1667EBCBE1}">
+              <a14:hiddenEffects xmlns:a14="http://schemas.microsoft.com/office/drawing/2010/main">
+                <a:effectLst>
+                  <a:outerShdw dist="35921" dir="2700000" algn="ctr" rotWithShape="0">
+                    <a:schemeClr val="bg2"/>
+                  </a:outerShdw>
+                </a:effectLst>
+              </a14:hiddenEffects>
+            </a:ext>
+          </a:extLst>
+        </p:spPr>
+      </p:pic>
+    </p:spTree>
+    <p:extLst>
+      <p:ext uri="{BB962C8B-B14F-4D97-AF65-F5344CB8AC3E}">
+        <p14:creationId xmlns:p14="http://schemas.microsoft.com/office/powerpoint/2010/main" val="253996300"/>
+      </p:ext>
+    </p:extLst>
+  </p:cSld>
+  <p:clrMapOvr>
+    <a:masterClrMapping/>
+  </p:clrMapOvr>
+</p:sld>
+</file>
+
+<file path=ppt/slides/slide26.xml><?xml version="1.0" encoding="utf-8"?>
+<p:sld xmlns:a="http://schemas.openxmlformats.org/drawingml/2006/main" xmlns:r="http://schemas.openxmlformats.org/officeDocument/2006/relationships" xmlns:p="http://schemas.openxmlformats.org/presentationml/2006/main">
+  <p:cSld>
+    <p:spTree>
+      <p:nvGrpSpPr>
+        <p:cNvPr id="1" name=""/>
+        <p:cNvGrpSpPr/>
+        <p:nvPr/>
+      </p:nvGrpSpPr>
+      <p:grpSpPr>
+        <a:xfrm>
+          <a:off x="0" y="0"/>
+          <a:ext cx="0" cy="0"/>
+          <a:chOff x="0" y="0"/>
+          <a:chExt cx="0" cy="0"/>
+        </a:xfrm>
+      </p:grpSpPr>
+      <p:sp>
+        <p:nvSpPr>
+          <p:cNvPr id="3" name="Title 2"/>
+          <p:cNvSpPr>
+            <a:spLocks noGrp="1"/>
+          </p:cNvSpPr>
+          <p:nvPr>
+            <p:ph type="title"/>
+          </p:nvPr>
+        </p:nvSpPr>
+        <p:spPr/>
+        <p:txBody>
+          <a:bodyPr/>
+          <a:lstStyle/>
+          <a:p>
+            <a:r>
+              <a:rPr lang="pt-BR" dirty="0" smtClean="0"/>
+              <a:t>Estrutura Observer</a:t>
+            </a:r>
+            <a:endParaRPr lang="pt-BR" dirty="0"/>
+          </a:p>
+        </p:txBody>
+      </p:sp>
+      <p:sp>
+        <p:nvSpPr>
+          <p:cNvPr id="4" name="Content Placeholder 3"/>
+          <p:cNvSpPr>
+            <a:spLocks noGrp="1"/>
+          </p:cNvSpPr>
+          <p:nvPr>
+            <p:ph idx="1"/>
+          </p:nvPr>
+        </p:nvSpPr>
+        <p:spPr/>
+        <p:txBody>
+          <a:bodyPr>
+            <a:normAutofit/>
+          </a:bodyPr>
+          <a:lstStyle/>
+          <a:p>
+            <a:r>
+              <a:rPr lang="pt-BR" dirty="0" smtClean="0">
+                <a:solidFill>
+                  <a:schemeClr val="tx1"/>
+                </a:solidFill>
+                <a:latin typeface="+mn-lt"/>
+              </a:rPr>
+              <a:t>Identificar os objetos que serão notificados (Observers).</a:t>
+            </a:r>
+            <a:endParaRPr lang="pt-BR" dirty="0">
+              <a:solidFill>
+                <a:schemeClr val="tx1"/>
+              </a:solidFill>
+              <a:latin typeface="+mn-lt"/>
+            </a:endParaRPr>
+          </a:p>
+          <a:p>
+            <a:r>
+              <a:rPr lang="pt-BR" dirty="0" smtClean="0">
+                <a:solidFill>
+                  <a:schemeClr val="tx1"/>
+                </a:solidFill>
+                <a:latin typeface="+mn-lt"/>
+              </a:rPr>
+              <a:t>Todos devem implementar a mesma interface.</a:t>
+            </a:r>
+          </a:p>
+        </p:txBody>
+      </p:sp>
+    </p:spTree>
+    <p:extLst>
+      <p:ext uri="{BB962C8B-B14F-4D97-AF65-F5344CB8AC3E}">
+        <p14:creationId xmlns:p14="http://schemas.microsoft.com/office/powerpoint/2010/main" val="66316818"/>
+      </p:ext>
+    </p:extLst>
+  </p:cSld>
+  <p:clrMapOvr>
+    <a:masterClrMapping/>
+  </p:clrMapOvr>
+</p:sld>
+</file>
+
+<file path=ppt/slides/slide27.xml><?xml version="1.0" encoding="utf-8"?>
+<p:sld xmlns:a="http://schemas.openxmlformats.org/drawingml/2006/main" xmlns:r="http://schemas.openxmlformats.org/officeDocument/2006/relationships" xmlns:p="http://schemas.openxmlformats.org/presentationml/2006/main">
+  <p:cSld>
+    <p:spTree>
+      <p:nvGrpSpPr>
+        <p:cNvPr id="1" name=""/>
+        <p:cNvGrpSpPr/>
+        <p:nvPr/>
+      </p:nvGrpSpPr>
+      <p:grpSpPr>
+        <a:xfrm>
+          <a:off x="0" y="0"/>
+          <a:ext cx="0" cy="0"/>
+          <a:chOff x="0" y="0"/>
+          <a:chExt cx="0" cy="0"/>
+        </a:xfrm>
+      </p:grpSpPr>
+      <p:sp>
+        <p:nvSpPr>
+          <p:cNvPr id="3" name="Title 2"/>
+          <p:cNvSpPr>
+            <a:spLocks noGrp="1"/>
+          </p:cNvSpPr>
+          <p:nvPr>
+            <p:ph type="title"/>
+          </p:nvPr>
+        </p:nvSpPr>
+        <p:spPr/>
+        <p:txBody>
+          <a:bodyPr/>
+          <a:lstStyle/>
+          <a:p>
+            <a:r>
+              <a:rPr lang="pt-BR" dirty="0" smtClean="0"/>
+              <a:t>Exemplo Observer</a:t>
+            </a:r>
+            <a:endParaRPr lang="pt-BR" dirty="0"/>
+          </a:p>
+        </p:txBody>
+      </p:sp>
+      <p:sp>
+        <p:nvSpPr>
+          <p:cNvPr id="4" name="Content Placeholder 3"/>
+          <p:cNvSpPr>
+            <a:spLocks noGrp="1"/>
+          </p:cNvSpPr>
+          <p:nvPr>
+            <p:ph idx="1"/>
+          </p:nvPr>
+        </p:nvSpPr>
+        <p:spPr/>
+        <p:txBody>
+          <a:bodyPr>
+            <a:normAutofit/>
+          </a:bodyPr>
+          <a:lstStyle/>
+          <a:p>
+            <a:r>
+              <a:rPr lang="pt-BR" dirty="0" smtClean="0">
+                <a:solidFill>
+                  <a:schemeClr val="tx1"/>
+                </a:solidFill>
+                <a:latin typeface="+mn-lt"/>
+              </a:rPr>
+              <a:t>Uma construção onde existem vários operários;</a:t>
+            </a:r>
+          </a:p>
+          <a:p>
+            <a:r>
+              <a:rPr lang="pt-BR" dirty="0" smtClean="0">
+                <a:solidFill>
+                  <a:schemeClr val="tx1"/>
+                </a:solidFill>
+                <a:latin typeface="+mn-lt"/>
+              </a:rPr>
+              <a:t>Uma sirene toca informando uma mudança de testado;</a:t>
+            </a:r>
+          </a:p>
+          <a:p>
+            <a:r>
+              <a:rPr lang="pt-BR" dirty="0" smtClean="0">
+                <a:solidFill>
+                  <a:schemeClr val="tx1"/>
+                </a:solidFill>
+                <a:latin typeface="+mn-lt"/>
+              </a:rPr>
+              <a:t>O alarme da sirene é uma mensagem enviada aos observadores (funcionários), que pode ser um intervalo, término do expediente, etc.</a:t>
+            </a:r>
+          </a:p>
+        </p:txBody>
+      </p:sp>
+    </p:spTree>
+    <p:extLst>
+      <p:ext uri="{BB962C8B-B14F-4D97-AF65-F5344CB8AC3E}">
+        <p14:creationId xmlns:p14="http://schemas.microsoft.com/office/powerpoint/2010/main" val="240079699"/>
+      </p:ext>
+    </p:extLst>
+  </p:cSld>
+  <p:clrMapOvr>
+    <a:masterClrMapping/>
+  </p:clrMapOvr>
+</p:sld>
+</file>
+
+<file path=ppt/slides/slide28.xml><?xml version="1.0" encoding="utf-8"?>
+<p:sld xmlns:a="http://schemas.openxmlformats.org/drawingml/2006/main" xmlns:r="http://schemas.openxmlformats.org/officeDocument/2006/relationships" xmlns:p="http://schemas.openxmlformats.org/presentationml/2006/main">
+  <p:cSld>
+    <p:spTree>
+      <p:nvGrpSpPr>
+        <p:cNvPr id="1" name=""/>
+        <p:cNvGrpSpPr/>
+        <p:nvPr/>
+      </p:nvGrpSpPr>
+      <p:grpSpPr>
+        <a:xfrm>
+          <a:off x="0" y="0"/>
+          <a:ext cx="0" cy="0"/>
+          <a:chOff x="0" y="0"/>
+          <a:chExt cx="0" cy="0"/>
+        </a:xfrm>
+      </p:grpSpPr>
+      <p:sp>
+        <p:nvSpPr>
+          <p:cNvPr id="3" name="Title 2"/>
+          <p:cNvSpPr>
+            <a:spLocks noGrp="1"/>
+          </p:cNvSpPr>
+          <p:nvPr>
+            <p:ph type="title"/>
+          </p:nvPr>
+        </p:nvSpPr>
+        <p:spPr/>
+        <p:txBody>
+          <a:bodyPr/>
+          <a:lstStyle/>
+          <a:p>
+            <a:r>
+              <a:rPr lang="pt-BR" dirty="0" smtClean="0"/>
+              <a:t>Exemplo Observer</a:t>
+            </a:r>
+            <a:endParaRPr lang="pt-BR" dirty="0"/>
+          </a:p>
+        </p:txBody>
+      </p:sp>
+      <p:sp>
+        <p:nvSpPr>
+          <p:cNvPr id="4" name="Content Placeholder 3"/>
+          <p:cNvSpPr>
+            <a:spLocks noGrp="1"/>
+          </p:cNvSpPr>
+          <p:nvPr>
+            <p:ph idx="1"/>
+          </p:nvPr>
+        </p:nvSpPr>
+        <p:spPr/>
+        <p:txBody>
+          <a:bodyPr>
+            <a:normAutofit/>
+          </a:bodyPr>
+          <a:lstStyle/>
+          <a:p>
+            <a:r>
+              <a:rPr lang="pt-BR" dirty="0" smtClean="0">
+                <a:solidFill>
+                  <a:schemeClr val="tx1"/>
+                </a:solidFill>
+                <a:latin typeface="+mn-lt"/>
+              </a:rPr>
+              <a:t>Interface Sirene:</a:t>
+            </a:r>
+          </a:p>
+          <a:p>
+            <a:endParaRPr lang="pt-BR" dirty="0" smtClean="0">
+              <a:solidFill>
+                <a:schemeClr val="tx1"/>
+              </a:solidFill>
+              <a:latin typeface="+mn-lt"/>
+            </a:endParaRPr>
+          </a:p>
+          <a:p>
+            <a:endParaRPr lang="pt-BR" dirty="0">
+              <a:solidFill>
+                <a:schemeClr val="tx1"/>
+              </a:solidFill>
+              <a:latin typeface="+mn-lt"/>
+            </a:endParaRPr>
+          </a:p>
+          <a:p>
+            <a:endParaRPr lang="pt-BR" dirty="0" smtClean="0">
+              <a:solidFill>
+                <a:schemeClr val="tx1"/>
+              </a:solidFill>
+              <a:latin typeface="+mn-lt"/>
+            </a:endParaRPr>
+          </a:p>
+          <a:p>
+            <a:endParaRPr lang="pt-BR" dirty="0" smtClean="0">
+              <a:solidFill>
+                <a:schemeClr val="tx1"/>
+              </a:solidFill>
+              <a:latin typeface="+mn-lt"/>
+            </a:endParaRPr>
+          </a:p>
+          <a:p>
+            <a:pPr marL="0" indent="0">
+              <a:buNone/>
+            </a:pPr>
+            <a:r>
+              <a:rPr lang="pt-BR" dirty="0">
+                <a:solidFill>
+                  <a:schemeClr val="tx1"/>
+                </a:solidFill>
+                <a:latin typeface="+mn-lt"/>
+              </a:rPr>
+              <a:t>	</a:t>
+            </a:r>
+            <a:endParaRPr lang="pt-BR" dirty="0" smtClean="0">
+              <a:solidFill>
+                <a:schemeClr val="tx1"/>
+              </a:solidFill>
+              <a:latin typeface="+mn-lt"/>
+            </a:endParaRPr>
+          </a:p>
+          <a:p>
+            <a:r>
+              <a:rPr lang="pt-BR" dirty="0" smtClean="0">
+                <a:solidFill>
+                  <a:schemeClr val="tx1"/>
+                </a:solidFill>
+                <a:latin typeface="+mn-lt"/>
+              </a:rPr>
+              <a:t>Interface Operario:</a:t>
+            </a:r>
+          </a:p>
+          <a:p>
+            <a:pPr marL="457200" lvl="1" indent="0">
+              <a:buNone/>
+            </a:pPr>
+            <a:r>
+              <a:rPr lang="pt-BR" dirty="0" smtClean="0">
+                <a:solidFill>
+                  <a:schemeClr val="tx1"/>
+                </a:solidFill>
+                <a:latin typeface="+mn-lt"/>
+              </a:rPr>
+              <a:t>	</a:t>
+            </a:r>
+            <a:endParaRPr lang="pt-BR" sz="1800" dirty="0">
+              <a:solidFill>
+                <a:schemeClr val="tx1"/>
+              </a:solidFill>
+              <a:latin typeface="+mn-lt"/>
+            </a:endParaRPr>
+          </a:p>
+        </p:txBody>
+      </p:sp>
+      <p:pic>
+        <p:nvPicPr>
+          <p:cNvPr id="6146" name="Picture 2"/>
+          <p:cNvPicPr>
+            <a:picLocks noChangeAspect="1" noChangeArrowheads="1"/>
+          </p:cNvPicPr>
+          <p:nvPr/>
+        </p:nvPicPr>
+        <p:blipFill>
+          <a:blip r:embed="rId2">
+            <a:extLst>
+              <a:ext uri="{28A0092B-C50C-407E-A947-70E740481C1C}">
+                <a14:useLocalDpi xmlns:a14="http://schemas.microsoft.com/office/drawing/2010/main" val="0"/>
+              </a:ext>
+            </a:extLst>
+          </a:blip>
+          <a:srcRect/>
+          <a:stretch>
+            <a:fillRect/>
+          </a:stretch>
+        </p:blipFill>
+        <p:spPr bwMode="auto">
+          <a:xfrm>
+            <a:off x="1652326" y="2060848"/>
+            <a:ext cx="6883532" cy="1872208"/>
+          </a:xfrm>
+          <a:prstGeom prst="rect">
+            <a:avLst/>
+          </a:prstGeom>
+          <a:noFill/>
+          <a:ln>
+            <a:noFill/>
+          </a:ln>
+          <a:effectLst/>
+          <a:extLst>
+            <a:ext uri="{909E8E84-426E-40DD-AFC4-6F175D3DCCD1}">
+              <a14:hiddenFill xmlns:a14="http://schemas.microsoft.com/office/drawing/2010/main">
+                <a:solidFill>
+                  <a:schemeClr val="accent1"/>
+                </a:solidFill>
+              </a14:hiddenFill>
+            </a:ext>
+            <a:ext uri="{91240B29-F687-4F45-9708-019B960494DF}">
+              <a14:hiddenLine xmlns:a14="http://schemas.microsoft.com/office/drawing/2010/main" w="9525">
+                <a:solidFill>
+                  <a:schemeClr val="tx1"/>
+                </a:solidFill>
+                <a:miter lim="800000"/>
+                <a:headEnd/>
+                <a:tailEnd/>
+              </a14:hiddenLine>
+            </a:ext>
+            <a:ext uri="{AF507438-7753-43E0-B8FC-AC1667EBCBE1}">
+              <a14:hiddenEffects xmlns:a14="http://schemas.microsoft.com/office/drawing/2010/main">
+                <a:effectLst>
+                  <a:outerShdw dist="35921" dir="2700000" algn="ctr" rotWithShape="0">
+                    <a:schemeClr val="bg2"/>
+                  </a:outerShdw>
+                </a:effectLst>
+              </a14:hiddenEffects>
+            </a:ext>
+          </a:extLst>
+        </p:spPr>
+      </p:pic>
+      <p:pic>
+        <p:nvPicPr>
+          <p:cNvPr id="6147" name="Picture 3"/>
+          <p:cNvPicPr>
+            <a:picLocks noChangeAspect="1" noChangeArrowheads="1"/>
+          </p:cNvPicPr>
+          <p:nvPr/>
+        </p:nvPicPr>
+        <p:blipFill>
+          <a:blip r:embed="rId3">
+            <a:extLst>
+              <a:ext uri="{28A0092B-C50C-407E-A947-70E740481C1C}">
+                <a14:useLocalDpi xmlns:a14="http://schemas.microsoft.com/office/drawing/2010/main" val="0"/>
+              </a:ext>
+            </a:extLst>
+          </a:blip>
+          <a:srcRect/>
+          <a:stretch>
+            <a:fillRect/>
+          </a:stretch>
+        </p:blipFill>
+        <p:spPr bwMode="auto">
+          <a:xfrm>
+            <a:off x="1680562" y="4725144"/>
+            <a:ext cx="5223930" cy="1041722"/>
+          </a:xfrm>
+          <a:prstGeom prst="rect">
+            <a:avLst/>
+          </a:prstGeom>
+          <a:noFill/>
+          <a:ln>
+            <a:noFill/>
+          </a:ln>
+          <a:effectLst/>
+          <a:extLst>
+            <a:ext uri="{909E8E84-426E-40DD-AFC4-6F175D3DCCD1}">
+              <a14:hiddenFill xmlns:a14="http://schemas.microsoft.com/office/drawing/2010/main">
+                <a:solidFill>
+                  <a:schemeClr val="accent1"/>
+                </a:solidFill>
+              </a14:hiddenFill>
+            </a:ext>
+            <a:ext uri="{91240B29-F687-4F45-9708-019B960494DF}">
+              <a14:hiddenLine xmlns:a14="http://schemas.microsoft.com/office/drawing/2010/main" w="9525">
+                <a:solidFill>
+                  <a:schemeClr val="tx1"/>
+                </a:solidFill>
+                <a:miter lim="800000"/>
+                <a:headEnd/>
+                <a:tailEnd/>
+              </a14:hiddenLine>
+            </a:ext>
+            <a:ext uri="{AF507438-7753-43E0-B8FC-AC1667EBCBE1}">
+              <a14:hiddenEffects xmlns:a14="http://schemas.microsoft.com/office/drawing/2010/main">
+                <a:effectLst>
+                  <a:outerShdw dist="35921" dir="2700000" algn="ctr" rotWithShape="0">
+                    <a:schemeClr val="bg2"/>
+                  </a:outerShdw>
+                </a:effectLst>
+              </a14:hiddenEffects>
+            </a:ext>
+          </a:extLst>
+        </p:spPr>
+      </p:pic>
+    </p:spTree>
+    <p:extLst>
+      <p:ext uri="{BB962C8B-B14F-4D97-AF65-F5344CB8AC3E}">
+        <p14:creationId xmlns:p14="http://schemas.microsoft.com/office/powerpoint/2010/main" val="2137263787"/>
+      </p:ext>
+    </p:extLst>
+  </p:cSld>
+  <p:clrMapOvr>
+    <a:masterClrMapping/>
+  </p:clrMapOvr>
+  <p:timing>
+    <p:tnLst>
+      <p:par>
+        <p:cTn id="1" dur="indefinite" restart="never" nodeType="tmRoot"/>
+      </p:par>
+    </p:tnLst>
+  </p:timing>
+</p:sld>
+</file>
+
+<file path=ppt/slides/slide29.xml><?xml version="1.0" encoding="utf-8"?>
+<p:sld xmlns:a="http://schemas.openxmlformats.org/drawingml/2006/main" xmlns:r="http://schemas.openxmlformats.org/officeDocument/2006/relationships" xmlns:p="http://schemas.openxmlformats.org/presentationml/2006/main">
+  <p:cSld>
+    <p:spTree>
+      <p:nvGrpSpPr>
+        <p:cNvPr id="1" name=""/>
+        <p:cNvGrpSpPr/>
+        <p:nvPr/>
+      </p:nvGrpSpPr>
+      <p:grpSpPr>
+        <a:xfrm>
+          <a:off x="0" y="0"/>
+          <a:ext cx="0" cy="0"/>
+          <a:chOff x="0" y="0"/>
+          <a:chExt cx="0" cy="0"/>
+        </a:xfrm>
+      </p:grpSpPr>
+      <p:pic>
+        <p:nvPicPr>
+          <p:cNvPr id="3074" name="Picture 2" descr="C:\Users\Bruno\Desktop\exemploobserver.png"/>
+          <p:cNvPicPr>
+            <a:picLocks noChangeAspect="1" noChangeArrowheads="1"/>
+          </p:cNvPicPr>
+          <p:nvPr/>
+        </p:nvPicPr>
+        <p:blipFill>
+          <a:blip r:embed="rId2">
+            <a:extLst>
+              <a:ext uri="{28A0092B-C50C-407E-A947-70E740481C1C}">
+                <a14:useLocalDpi xmlns:a14="http://schemas.microsoft.com/office/drawing/2010/main" val="0"/>
+              </a:ext>
+            </a:extLst>
+          </a:blip>
+          <a:srcRect/>
+          <a:stretch>
+            <a:fillRect/>
+          </a:stretch>
+        </p:blipFill>
+        <p:spPr bwMode="auto">
+          <a:xfrm>
+            <a:off x="2226430" y="32378"/>
+            <a:ext cx="4464496" cy="6804507"/>
+          </a:xfrm>
+          <a:prstGeom prst="rect">
+            <a:avLst/>
+          </a:prstGeom>
+          <a:noFill/>
+          <a:extLst>
+            <a:ext uri="{909E8E84-426E-40DD-AFC4-6F175D3DCCD1}">
+              <a14:hiddenFill xmlns:a14="http://schemas.microsoft.com/office/drawing/2010/main">
+                <a:solidFill>
+                  <a:srgbClr val="FFFFFF"/>
+                </a:solidFill>
+              </a14:hiddenFill>
+            </a:ext>
+          </a:extLst>
+        </p:spPr>
+      </p:pic>
+    </p:spTree>
+    <p:extLst>
+      <p:ext uri="{BB962C8B-B14F-4D97-AF65-F5344CB8AC3E}">
+        <p14:creationId xmlns:p14="http://schemas.microsoft.com/office/powerpoint/2010/main" val="1989049937"/>
+      </p:ext>
+    </p:extLst>
+  </p:cSld>
+  <p:clrMapOvr>
+    <a:masterClrMapping/>
+  </p:clrMapOvr>
+  <p:timing>
+    <p:tnLst>
+      <p:par>
+        <p:cTn id="1" dur="indefinite" restart="never" nodeType="tmRoot"/>
+      </p:par>
+    </p:tnLst>
+  </p:timing>
 </p:sld>
 </file>
 
@@ -4699,7 +6493,7 @@
       </p:grpSpPr>
       <p:sp>
         <p:nvSpPr>
-          <p:cNvPr id="2" name="Title 1"/>
+          <p:cNvPr id="4" name="Title 3"/>
           <p:cNvSpPr>
             <a:spLocks noGrp="1"/>
           </p:cNvSpPr>
@@ -4707,71 +6501,1586 @@
             <p:ph type="title"/>
           </p:nvPr>
         </p:nvSpPr>
-        <p:spPr/>
+        <p:spPr>
+          <a:xfrm>
+            <a:off x="539552" y="2852936"/>
+            <a:ext cx="8229600" cy="1600200"/>
+          </a:xfrm>
+        </p:spPr>
         <p:txBody>
           <a:bodyPr/>
           <a:lstStyle/>
           <a:p>
             <a:r>
-              <a:rPr lang="pt-BR" dirty="0"/>
+              <a:rPr lang="pt-BR" dirty="0" smtClean="0"/>
               <a:t>Builder</a:t>
             </a:r>
-          </a:p>
-        </p:txBody>
-      </p:sp>
-      <p:sp>
-        <p:nvSpPr>
-          <p:cNvPr id="3" name="Content Placeholder 2"/>
-          <p:cNvSpPr>
-            <a:spLocks noGrp="1"/>
-          </p:cNvSpPr>
-          <p:nvPr>
-            <p:ph idx="1"/>
-          </p:nvPr>
-        </p:nvSpPr>
-        <p:spPr/>
-        <p:txBody>
-          <a:bodyPr/>
-          <a:lstStyle/>
-          <a:p>
-            <a:r>
-              <a:rPr lang="pt-BR" dirty="0">
-                <a:solidFill>
-                  <a:schemeClr val="tx1"/>
-                </a:solidFill>
-              </a:rPr>
-              <a:t>Padrão de projeto de software criacional.</a:t>
-            </a:r>
-          </a:p>
-          <a:p>
-            <a:endParaRPr lang="pt-BR" dirty="0">
-              <a:solidFill>
-                <a:schemeClr val="tx1"/>
-              </a:solidFill>
-            </a:endParaRPr>
-          </a:p>
-          <a:p>
-            <a:r>
-              <a:rPr lang="pt-BR" dirty="0">
-                <a:solidFill>
-                  <a:schemeClr val="tx1"/>
-                </a:solidFill>
-              </a:rPr>
-              <a:t>permite a separação da construção de um objeto complexo da sua representação, de forma que o mesmo processo de construção possa criar diferentes representações, ou seja, permite separar os passos de construção de um objeto em pequenos métodos.</a:t>
-            </a:r>
+            <a:endParaRPr lang="pt-BR" dirty="0"/>
           </a:p>
         </p:txBody>
       </p:sp>
     </p:spTree>
     <p:extLst>
       <p:ext uri="{BB962C8B-B14F-4D97-AF65-F5344CB8AC3E}">
-        <p14:creationId xmlns:p14="http://schemas.microsoft.com/office/powerpoint/2010/main" val="1301170590"/>
+        <p14:creationId xmlns:p14="http://schemas.microsoft.com/office/powerpoint/2010/main" val="4113842913"/>
       </p:ext>
     </p:extLst>
   </p:cSld>
   <p:clrMapOvr>
     <a:masterClrMapping/>
   </p:clrMapOvr>
+  <p:timing>
+    <p:tnLst>
+      <p:par>
+        <p:cTn id="1" dur="indefinite" restart="never" nodeType="tmRoot"/>
+      </p:par>
+    </p:tnLst>
+  </p:timing>
+</p:sld>
+</file>
+
+<file path=ppt/slides/slide30.xml><?xml version="1.0" encoding="utf-8"?>
+<p:sld xmlns:a="http://schemas.openxmlformats.org/drawingml/2006/main" xmlns:r="http://schemas.openxmlformats.org/officeDocument/2006/relationships" xmlns:p="http://schemas.openxmlformats.org/presentationml/2006/main">
+  <p:cSld>
+    <p:spTree>
+      <p:nvGrpSpPr>
+        <p:cNvPr id="1" name=""/>
+        <p:cNvGrpSpPr/>
+        <p:nvPr/>
+      </p:nvGrpSpPr>
+      <p:grpSpPr>
+        <a:xfrm>
+          <a:off x="0" y="0"/>
+          <a:ext cx="0" cy="0"/>
+          <a:chOff x="0" y="0"/>
+          <a:chExt cx="0" cy="0"/>
+        </a:xfrm>
+      </p:grpSpPr>
+      <p:pic>
+        <p:nvPicPr>
+          <p:cNvPr id="4098" name="Picture 2" descr="C:\Users\Bruno\Desktop\exemploobserver2.png"/>
+          <p:cNvPicPr>
+            <a:picLocks noChangeAspect="1" noChangeArrowheads="1"/>
+          </p:cNvPicPr>
+          <p:nvPr/>
+        </p:nvPicPr>
+        <p:blipFill>
+          <a:blip r:embed="rId2">
+            <a:extLst>
+              <a:ext uri="{28A0092B-C50C-407E-A947-70E740481C1C}">
+                <a14:useLocalDpi xmlns:a14="http://schemas.microsoft.com/office/drawing/2010/main" val="0"/>
+              </a:ext>
+            </a:extLst>
+          </a:blip>
+          <a:srcRect/>
+          <a:stretch>
+            <a:fillRect/>
+          </a:stretch>
+        </p:blipFill>
+        <p:spPr bwMode="auto">
+          <a:xfrm>
+            <a:off x="251520" y="1412775"/>
+            <a:ext cx="8612187" cy="3876675"/>
+          </a:xfrm>
+          <a:prstGeom prst="rect">
+            <a:avLst/>
+          </a:prstGeom>
+          <a:noFill/>
+          <a:extLst>
+            <a:ext uri="{909E8E84-426E-40DD-AFC4-6F175D3DCCD1}">
+              <a14:hiddenFill xmlns:a14="http://schemas.microsoft.com/office/drawing/2010/main">
+                <a:solidFill>
+                  <a:srgbClr val="FFFFFF"/>
+                </a:solidFill>
+              </a14:hiddenFill>
+            </a:ext>
+          </a:extLst>
+        </p:spPr>
+      </p:pic>
+    </p:spTree>
+    <p:extLst>
+      <p:ext uri="{BB962C8B-B14F-4D97-AF65-F5344CB8AC3E}">
+        <p14:creationId xmlns:p14="http://schemas.microsoft.com/office/powerpoint/2010/main" val="3981356869"/>
+      </p:ext>
+    </p:extLst>
+  </p:cSld>
+  <p:clrMapOvr>
+    <a:masterClrMapping/>
+  </p:clrMapOvr>
+  <p:timing>
+    <p:tnLst>
+      <p:par>
+        <p:cTn id="1" dur="indefinite" restart="never" nodeType="tmRoot"/>
+      </p:par>
+    </p:tnLst>
+  </p:timing>
+</p:sld>
+</file>
+
+<file path=ppt/slides/slide31.xml><?xml version="1.0" encoding="utf-8"?>
+<p:sld xmlns:a="http://schemas.openxmlformats.org/drawingml/2006/main" xmlns:r="http://schemas.openxmlformats.org/officeDocument/2006/relationships" xmlns:p="http://schemas.openxmlformats.org/presentationml/2006/main">
+  <p:cSld>
+    <p:spTree>
+      <p:nvGrpSpPr>
+        <p:cNvPr id="1" name=""/>
+        <p:cNvGrpSpPr/>
+        <p:nvPr/>
+      </p:nvGrpSpPr>
+      <p:grpSpPr>
+        <a:xfrm>
+          <a:off x="0" y="0"/>
+          <a:ext cx="0" cy="0"/>
+          <a:chOff x="0" y="0"/>
+          <a:chExt cx="0" cy="0"/>
+        </a:xfrm>
+      </p:grpSpPr>
+      <p:pic>
+        <p:nvPicPr>
+          <p:cNvPr id="5122" name="Picture 2"/>
+          <p:cNvPicPr>
+            <a:picLocks noChangeAspect="1" noChangeArrowheads="1"/>
+          </p:cNvPicPr>
+          <p:nvPr/>
+        </p:nvPicPr>
+        <p:blipFill>
+          <a:blip r:embed="rId2">
+            <a:extLst>
+              <a:ext uri="{28A0092B-C50C-407E-A947-70E740481C1C}">
+                <a14:useLocalDpi xmlns:a14="http://schemas.microsoft.com/office/drawing/2010/main" val="0"/>
+              </a:ext>
+            </a:extLst>
+          </a:blip>
+          <a:srcRect/>
+          <a:stretch>
+            <a:fillRect/>
+          </a:stretch>
+        </p:blipFill>
+        <p:spPr bwMode="auto">
+          <a:xfrm>
+            <a:off x="755576" y="404664"/>
+            <a:ext cx="7704856" cy="5930025"/>
+          </a:xfrm>
+          <a:prstGeom prst="rect">
+            <a:avLst/>
+          </a:prstGeom>
+          <a:noFill/>
+          <a:ln>
+            <a:noFill/>
+          </a:ln>
+          <a:effectLst/>
+          <a:extLst>
+            <a:ext uri="{909E8E84-426E-40DD-AFC4-6F175D3DCCD1}">
+              <a14:hiddenFill xmlns:a14="http://schemas.microsoft.com/office/drawing/2010/main">
+                <a:solidFill>
+                  <a:schemeClr val="accent1"/>
+                </a:solidFill>
+              </a14:hiddenFill>
+            </a:ext>
+            <a:ext uri="{91240B29-F687-4F45-9708-019B960494DF}">
+              <a14:hiddenLine xmlns:a14="http://schemas.microsoft.com/office/drawing/2010/main" w="9525">
+                <a:solidFill>
+                  <a:schemeClr val="tx1"/>
+                </a:solidFill>
+                <a:miter lim="800000"/>
+                <a:headEnd/>
+                <a:tailEnd/>
+              </a14:hiddenLine>
+            </a:ext>
+            <a:ext uri="{AF507438-7753-43E0-B8FC-AC1667EBCBE1}">
+              <a14:hiddenEffects xmlns:a14="http://schemas.microsoft.com/office/drawing/2010/main">
+                <a:effectLst>
+                  <a:outerShdw dist="35921" dir="2700000" algn="ctr" rotWithShape="0">
+                    <a:schemeClr val="bg2"/>
+                  </a:outerShdw>
+                </a:effectLst>
+              </a14:hiddenEffects>
+            </a:ext>
+          </a:extLst>
+        </p:spPr>
+      </p:pic>
+    </p:spTree>
+    <p:extLst>
+      <p:ext uri="{BB962C8B-B14F-4D97-AF65-F5344CB8AC3E}">
+        <p14:creationId xmlns:p14="http://schemas.microsoft.com/office/powerpoint/2010/main" val="3508558420"/>
+      </p:ext>
+    </p:extLst>
+  </p:cSld>
+  <p:clrMapOvr>
+    <a:masterClrMapping/>
+  </p:clrMapOvr>
+  <p:timing>
+    <p:tnLst>
+      <p:par>
+        <p:cTn id="1" dur="indefinite" restart="never" nodeType="tmRoot"/>
+      </p:par>
+    </p:tnLst>
+  </p:timing>
+</p:sld>
+</file>
+
+<file path=ppt/slides/slide32.xml><?xml version="1.0" encoding="utf-8"?>
+<p:sld xmlns:a="http://schemas.openxmlformats.org/drawingml/2006/main" xmlns:r="http://schemas.openxmlformats.org/officeDocument/2006/relationships" xmlns:p="http://schemas.openxmlformats.org/presentationml/2006/main">
+  <p:cSld>
+    <p:spTree>
+      <p:nvGrpSpPr>
+        <p:cNvPr id="1" name=""/>
+        <p:cNvGrpSpPr/>
+        <p:nvPr/>
+      </p:nvGrpSpPr>
+      <p:grpSpPr>
+        <a:xfrm>
+          <a:off x="0" y="0"/>
+          <a:ext cx="0" cy="0"/>
+          <a:chOff x="0" y="0"/>
+          <a:chExt cx="0" cy="0"/>
+        </a:xfrm>
+      </p:grpSpPr>
+      <p:sp>
+        <p:nvSpPr>
+          <p:cNvPr id="3" name="Title 2"/>
+          <p:cNvSpPr>
+            <a:spLocks noGrp="1"/>
+          </p:cNvSpPr>
+          <p:nvPr>
+            <p:ph type="title"/>
+          </p:nvPr>
+        </p:nvSpPr>
+        <p:spPr/>
+        <p:txBody>
+          <a:bodyPr/>
+          <a:lstStyle/>
+          <a:p>
+            <a:r>
+              <a:rPr lang="pt-BR" dirty="0" smtClean="0"/>
+              <a:t>Cuidados Observer</a:t>
+            </a:r>
+            <a:endParaRPr lang="pt-BR" dirty="0"/>
+          </a:p>
+        </p:txBody>
+      </p:sp>
+      <p:sp>
+        <p:nvSpPr>
+          <p:cNvPr id="4" name="Content Placeholder 3"/>
+          <p:cNvSpPr>
+            <a:spLocks noGrp="1"/>
+          </p:cNvSpPr>
+          <p:nvPr>
+            <p:ph idx="1"/>
+          </p:nvPr>
+        </p:nvSpPr>
+        <p:spPr/>
+        <p:txBody>
+          <a:bodyPr>
+            <a:normAutofit/>
+          </a:bodyPr>
+          <a:lstStyle/>
+          <a:p>
+            <a:pPr algn="just"/>
+            <a:r>
+              <a:rPr lang="pt-BR" dirty="0">
+                <a:solidFill>
+                  <a:schemeClr val="tx1"/>
+                </a:solidFill>
+                <a:latin typeface="+mn-lt"/>
+              </a:rPr>
+              <a:t>Ao realizar uma mudança é necessário ter cuidado, pois não se sabe exatamente os efeitos desta mudança nos seus observers ou o custo das atualizações nos observers. Caso as mudanças sejam muito complexas ou muito custosas pode ser interessante implementar uma estrutura intermediária para gerenciar os subjects e observers e suas mudanças</a:t>
+            </a:r>
+            <a:r>
+              <a:rPr lang="pt-BR" dirty="0" smtClean="0">
+                <a:solidFill>
+                  <a:schemeClr val="tx1"/>
+                </a:solidFill>
+                <a:latin typeface="+mn-lt"/>
+              </a:rPr>
+              <a:t>.</a:t>
+            </a:r>
+          </a:p>
+          <a:p>
+            <a:pPr marL="0" indent="0" algn="just">
+              <a:buNone/>
+            </a:pPr>
+            <a:endParaRPr lang="pt-BR" dirty="0">
+              <a:solidFill>
+                <a:schemeClr val="tx1"/>
+              </a:solidFill>
+              <a:latin typeface="+mn-lt"/>
+            </a:endParaRPr>
+          </a:p>
+        </p:txBody>
+      </p:sp>
+    </p:spTree>
+    <p:extLst>
+      <p:ext uri="{BB962C8B-B14F-4D97-AF65-F5344CB8AC3E}">
+        <p14:creationId xmlns:p14="http://schemas.microsoft.com/office/powerpoint/2010/main" val="3803644017"/>
+      </p:ext>
+    </p:extLst>
+  </p:cSld>
+  <p:clrMapOvr>
+    <a:masterClrMapping/>
+  </p:clrMapOvr>
+  <p:timing>
+    <p:tnLst>
+      <p:par>
+        <p:cTn id="1" dur="indefinite" restart="never" nodeType="tmRoot"/>
+      </p:par>
+    </p:tnLst>
+  </p:timing>
+</p:sld>
+</file>
+
+<file path=ppt/slides/slide33.xml><?xml version="1.0" encoding="utf-8"?>
+<p:sld xmlns:a="http://schemas.openxmlformats.org/drawingml/2006/main" xmlns:r="http://schemas.openxmlformats.org/officeDocument/2006/relationships" xmlns:p="http://schemas.openxmlformats.org/presentationml/2006/main">
+  <p:cSld>
+    <p:spTree>
+      <p:nvGrpSpPr>
+        <p:cNvPr id="1" name=""/>
+        <p:cNvGrpSpPr/>
+        <p:nvPr/>
+      </p:nvGrpSpPr>
+      <p:grpSpPr>
+        <a:xfrm>
+          <a:off x="0" y="0"/>
+          <a:ext cx="0" cy="0"/>
+          <a:chOff x="0" y="0"/>
+          <a:chExt cx="0" cy="0"/>
+        </a:xfrm>
+      </p:grpSpPr>
+      <p:sp>
+        <p:nvSpPr>
+          <p:cNvPr id="3" name="Title 2"/>
+          <p:cNvSpPr>
+            <a:spLocks noGrp="1"/>
+          </p:cNvSpPr>
+          <p:nvPr>
+            <p:ph type="title"/>
+          </p:nvPr>
+        </p:nvSpPr>
+        <p:spPr/>
+        <p:txBody>
+          <a:bodyPr/>
+          <a:lstStyle/>
+          <a:p>
+            <a:r>
+              <a:rPr lang="pt-BR" dirty="0" smtClean="0"/>
+              <a:t>Cuidados Observer</a:t>
+            </a:r>
+            <a:endParaRPr lang="pt-BR" dirty="0"/>
+          </a:p>
+        </p:txBody>
+      </p:sp>
+      <p:sp>
+        <p:nvSpPr>
+          <p:cNvPr id="4" name="Content Placeholder 3"/>
+          <p:cNvSpPr>
+            <a:spLocks noGrp="1"/>
+          </p:cNvSpPr>
+          <p:nvPr>
+            <p:ph idx="1"/>
+          </p:nvPr>
+        </p:nvSpPr>
+        <p:spPr/>
+        <p:txBody>
+          <a:bodyPr>
+            <a:normAutofit/>
+          </a:bodyPr>
+          <a:lstStyle/>
+          <a:p>
+            <a:pPr algn="just"/>
+            <a:r>
+              <a:rPr lang="pt-BR" dirty="0" smtClean="0">
+                <a:solidFill>
+                  <a:schemeClr val="tx1"/>
+                </a:solidFill>
+                <a:latin typeface="+mn-lt"/>
+              </a:rPr>
+              <a:t>Outro </a:t>
+            </a:r>
+            <a:r>
+              <a:rPr lang="pt-BR" dirty="0">
+                <a:solidFill>
+                  <a:schemeClr val="tx1"/>
+                </a:solidFill>
+                <a:latin typeface="+mn-lt"/>
+              </a:rPr>
+              <a:t>motivo para se utilizar uma estrutura intermediária entre subject e observer é quando existem muitos subjects e muitos observers interligados. Uma estrutura para mapear subjects e observers pode ser mais eficiente que uma lista de observers em cada subject</a:t>
+            </a:r>
+            <a:r>
+              <a:rPr lang="pt-BR" dirty="0" smtClean="0">
+                <a:solidFill>
+                  <a:schemeClr val="tx1"/>
+                </a:solidFill>
+                <a:latin typeface="+mn-lt"/>
+              </a:rPr>
+              <a:t>.</a:t>
+            </a:r>
+          </a:p>
+          <a:p>
+            <a:pPr algn="just"/>
+            <a:endParaRPr lang="pt-BR" dirty="0">
+              <a:solidFill>
+                <a:schemeClr val="tx1"/>
+              </a:solidFill>
+              <a:latin typeface="+mn-lt"/>
+            </a:endParaRPr>
+          </a:p>
+          <a:p>
+            <a:pPr algn="just"/>
+            <a:r>
+              <a:rPr lang="pt-BR" dirty="0">
+                <a:solidFill>
+                  <a:schemeClr val="tx1"/>
+                </a:solidFill>
+                <a:latin typeface="+mn-lt"/>
+              </a:rPr>
+              <a:t>Essa estrutura intermediária muitas vezes pode ser uma instância do padrão </a:t>
+            </a:r>
+            <a:r>
+              <a:rPr lang="pt-BR" dirty="0" smtClean="0">
+                <a:solidFill>
+                  <a:schemeClr val="tx1"/>
+                </a:solidFill>
+                <a:latin typeface="+mn-lt"/>
+              </a:rPr>
+              <a:t>Mediator. Também </a:t>
+            </a:r>
+            <a:r>
+              <a:rPr lang="pt-BR" dirty="0">
+                <a:solidFill>
+                  <a:schemeClr val="tx1"/>
+                </a:solidFill>
+                <a:latin typeface="+mn-lt"/>
+              </a:rPr>
+              <a:t>é interessante que esta classe intermediária seja uma instância do padrão Singleton, pois é interessante que apenas um objeto centralize o controle de subjects e observers.</a:t>
+            </a:r>
+          </a:p>
+        </p:txBody>
+      </p:sp>
+    </p:spTree>
+    <p:extLst>
+      <p:ext uri="{BB962C8B-B14F-4D97-AF65-F5344CB8AC3E}">
+        <p14:creationId xmlns:p14="http://schemas.microsoft.com/office/powerpoint/2010/main" val="3243848794"/>
+      </p:ext>
+    </p:extLst>
+  </p:cSld>
+  <p:clrMapOvr>
+    <a:masterClrMapping/>
+  </p:clrMapOvr>
+  <p:timing>
+    <p:tnLst>
+      <p:par>
+        <p:cTn id="1" dur="indefinite" restart="never" nodeType="tmRoot"/>
+      </p:par>
+    </p:tnLst>
+  </p:timing>
+</p:sld>
+</file>
+
+<file path=ppt/slides/slide34.xml><?xml version="1.0" encoding="utf-8"?>
+<p:sld xmlns:a="http://schemas.openxmlformats.org/drawingml/2006/main" xmlns:r="http://schemas.openxmlformats.org/officeDocument/2006/relationships" xmlns:p="http://schemas.openxmlformats.org/presentationml/2006/main">
+  <p:cSld>
+    <p:spTree>
+      <p:nvGrpSpPr>
+        <p:cNvPr id="1" name=""/>
+        <p:cNvGrpSpPr/>
+        <p:nvPr/>
+      </p:nvGrpSpPr>
+      <p:grpSpPr>
+        <a:xfrm>
+          <a:off x="0" y="0"/>
+          <a:ext cx="0" cy="0"/>
+          <a:chOff x="0" y="0"/>
+          <a:chExt cx="0" cy="0"/>
+        </a:xfrm>
+      </p:grpSpPr>
+      <p:sp>
+        <p:nvSpPr>
+          <p:cNvPr id="2" name="Title 1"/>
+          <p:cNvSpPr>
+            <a:spLocks noGrp="1"/>
+          </p:cNvSpPr>
+          <p:nvPr>
+            <p:ph type="title"/>
+          </p:nvPr>
+        </p:nvSpPr>
+        <p:spPr/>
+        <p:txBody>
+          <a:bodyPr/>
+          <a:lstStyle/>
+          <a:p>
+            <a:r>
+              <a:rPr lang="pt-BR" dirty="0"/>
+              <a:t>Vantagens </a:t>
+            </a:r>
+            <a:r>
+              <a:rPr lang="pt-BR" dirty="0" smtClean="0"/>
+              <a:t>Observer</a:t>
+            </a:r>
+            <a:endParaRPr lang="pt-BR" dirty="0"/>
+          </a:p>
+        </p:txBody>
+      </p:sp>
+      <p:sp>
+        <p:nvSpPr>
+          <p:cNvPr id="3" name="Content Placeholder 2"/>
+          <p:cNvSpPr>
+            <a:spLocks noGrp="1"/>
+          </p:cNvSpPr>
+          <p:nvPr>
+            <p:ph idx="1"/>
+          </p:nvPr>
+        </p:nvSpPr>
+        <p:spPr>
+          <a:xfrm>
+            <a:off x="467544" y="1772816"/>
+            <a:ext cx="8229600" cy="4525963"/>
+          </a:xfrm>
+        </p:spPr>
+        <p:txBody>
+          <a:bodyPr>
+            <a:normAutofit/>
+          </a:bodyPr>
+          <a:lstStyle/>
+          <a:p>
+            <a:pPr algn="just"/>
+            <a:r>
+              <a:rPr lang="pt-BR" dirty="0">
+                <a:solidFill>
+                  <a:schemeClr val="tx1"/>
+                </a:solidFill>
+                <a:latin typeface="+mn-lt"/>
+              </a:rPr>
+              <a:t>Como com todos os outros padrões de projeto, o Observer aplica uma linguagem universal ao projeto, permitindo a fácil leitura e compreensão por parte de outros programadores também participantes do desenvolvimento</a:t>
+            </a:r>
+            <a:r>
+              <a:rPr lang="pt-BR" dirty="0" smtClean="0">
+                <a:solidFill>
+                  <a:schemeClr val="tx1"/>
+                </a:solidFill>
+                <a:latin typeface="+mn-lt"/>
+              </a:rPr>
+              <a:t>;</a:t>
+            </a:r>
+          </a:p>
+          <a:p>
+            <a:pPr algn="just"/>
+            <a:endParaRPr lang="pt-BR" dirty="0">
+              <a:solidFill>
+                <a:schemeClr val="tx1"/>
+              </a:solidFill>
+              <a:latin typeface="+mn-lt"/>
+            </a:endParaRPr>
+          </a:p>
+          <a:p>
+            <a:pPr algn="just"/>
+            <a:r>
+              <a:rPr lang="pt-BR" dirty="0">
+                <a:solidFill>
+                  <a:schemeClr val="tx1"/>
+                </a:solidFill>
+                <a:latin typeface="+mn-lt"/>
+              </a:rPr>
+              <a:t>O código trabalha com notificação via composição ao invés de implementação, o que permite a evolução mais eficiente do projeto, além do número de instâncias observadoras poder ser atualizado de forma dinâmica.</a:t>
+            </a:r>
+          </a:p>
+        </p:txBody>
+      </p:sp>
+    </p:spTree>
+    <p:extLst>
+      <p:ext uri="{BB962C8B-B14F-4D97-AF65-F5344CB8AC3E}">
+        <p14:creationId xmlns:p14="http://schemas.microsoft.com/office/powerpoint/2010/main" val="1058671781"/>
+      </p:ext>
+    </p:extLst>
+  </p:cSld>
+  <p:clrMapOvr>
+    <a:masterClrMapping/>
+  </p:clrMapOvr>
+  <p:timing>
+    <p:tnLst>
+      <p:par>
+        <p:cTn id="1" dur="indefinite" restart="never" nodeType="tmRoot"/>
+      </p:par>
+    </p:tnLst>
+  </p:timing>
+</p:sld>
+</file>
+
+<file path=ppt/slides/slide35.xml><?xml version="1.0" encoding="utf-8"?>
+<p:sld xmlns:a="http://schemas.openxmlformats.org/drawingml/2006/main" xmlns:r="http://schemas.openxmlformats.org/officeDocument/2006/relationships" xmlns:p="http://schemas.openxmlformats.org/presentationml/2006/main">
+  <p:cSld>
+    <p:spTree>
+      <p:nvGrpSpPr>
+        <p:cNvPr id="1" name=""/>
+        <p:cNvGrpSpPr/>
+        <p:nvPr/>
+      </p:nvGrpSpPr>
+      <p:grpSpPr>
+        <a:xfrm>
+          <a:off x="0" y="0"/>
+          <a:ext cx="0" cy="0"/>
+          <a:chOff x="0" y="0"/>
+          <a:chExt cx="0" cy="0"/>
+        </a:xfrm>
+      </p:grpSpPr>
+      <p:sp>
+        <p:nvSpPr>
+          <p:cNvPr id="2" name="Title 1"/>
+          <p:cNvSpPr>
+            <a:spLocks noGrp="1"/>
+          </p:cNvSpPr>
+          <p:nvPr>
+            <p:ph type="title"/>
+          </p:nvPr>
+        </p:nvSpPr>
+        <p:spPr/>
+        <p:txBody>
+          <a:bodyPr/>
+          <a:lstStyle/>
+          <a:p>
+            <a:r>
+              <a:rPr lang="pt-BR" dirty="0"/>
+              <a:t>Desvantagens </a:t>
+            </a:r>
+            <a:r>
+              <a:rPr lang="pt-BR" dirty="0" smtClean="0"/>
+              <a:t>Observer</a:t>
+            </a:r>
+            <a:endParaRPr lang="pt-BR" dirty="0"/>
+          </a:p>
+        </p:txBody>
+      </p:sp>
+      <p:sp>
+        <p:nvSpPr>
+          <p:cNvPr id="3" name="Content Placeholder 2"/>
+          <p:cNvSpPr>
+            <a:spLocks noGrp="1"/>
+          </p:cNvSpPr>
+          <p:nvPr>
+            <p:ph idx="1"/>
+          </p:nvPr>
+        </p:nvSpPr>
+        <p:spPr/>
+        <p:txBody>
+          <a:bodyPr>
+            <a:normAutofit/>
+          </a:bodyPr>
+          <a:lstStyle/>
+          <a:p>
+            <a:pPr algn="just"/>
+            <a:r>
+              <a:rPr lang="pt-BR" dirty="0">
+                <a:solidFill>
+                  <a:schemeClr val="tx1"/>
+                </a:solidFill>
+                <a:latin typeface="+mn-lt"/>
+              </a:rPr>
+              <a:t>Se a implementação for encadeada, por exemplo: um Observer é também um Subject (algo possível). Se esse tipo de encadeamento acontecer de forma descontrolada o vazamento de memória será um provável problema. Mais precisamente, </a:t>
+            </a:r>
+            <a:r>
+              <a:rPr lang="pt-BR" i="1" dirty="0">
+                <a:solidFill>
+                  <a:schemeClr val="tx1"/>
+                </a:solidFill>
+                <a:latin typeface="+mn-lt"/>
+              </a:rPr>
+              <a:t>OutOfMemoryException</a:t>
+            </a:r>
+            <a:r>
+              <a:rPr lang="pt-BR" i="1" dirty="0" smtClean="0">
+                <a:solidFill>
+                  <a:schemeClr val="tx1"/>
+                </a:solidFill>
+                <a:latin typeface="+mn-lt"/>
+              </a:rPr>
+              <a:t>;</a:t>
+            </a:r>
+          </a:p>
+          <a:p>
+            <a:pPr algn="just"/>
+            <a:endParaRPr lang="pt-BR" i="1" dirty="0">
+              <a:solidFill>
+                <a:schemeClr val="tx1"/>
+              </a:solidFill>
+              <a:latin typeface="+mn-lt"/>
+            </a:endParaRPr>
+          </a:p>
+          <a:p>
+            <a:pPr algn="just"/>
+            <a:r>
+              <a:rPr lang="pt-BR" dirty="0">
+                <a:solidFill>
+                  <a:schemeClr val="tx1"/>
+                </a:solidFill>
+                <a:latin typeface="+mn-lt"/>
+              </a:rPr>
+              <a:t>Outra problemática é quando seu código tem somente um observador e um sujeito, em qualquer circunstância. Implementar o Observer nesse cenário é tornar o código inflado com a aplicação desnecessária de um </a:t>
+            </a:r>
+            <a:r>
+              <a:rPr lang="pt-BR" dirty="0" smtClean="0">
+                <a:solidFill>
+                  <a:schemeClr val="tx1"/>
+                </a:solidFill>
+                <a:latin typeface="+mn-lt"/>
+              </a:rPr>
+              <a:t>padrão</a:t>
+            </a:r>
+            <a:r>
+              <a:rPr lang="pt-BR" dirty="0">
+                <a:solidFill>
+                  <a:schemeClr val="tx1"/>
+                </a:solidFill>
+                <a:latin typeface="+mn-lt"/>
+              </a:rPr>
+              <a:t>.</a:t>
+            </a:r>
+            <a:endParaRPr lang="pt-BR" dirty="0" smtClean="0">
+              <a:solidFill>
+                <a:schemeClr val="tx1"/>
+              </a:solidFill>
+              <a:latin typeface="+mn-lt"/>
+            </a:endParaRPr>
+          </a:p>
+        </p:txBody>
+      </p:sp>
+    </p:spTree>
+    <p:extLst>
+      <p:ext uri="{BB962C8B-B14F-4D97-AF65-F5344CB8AC3E}">
+        <p14:creationId xmlns:p14="http://schemas.microsoft.com/office/powerpoint/2010/main" val="1169152263"/>
+      </p:ext>
+    </p:extLst>
+  </p:cSld>
+  <p:clrMapOvr>
+    <a:masterClrMapping/>
+  </p:clrMapOvr>
+  <p:timing>
+    <p:tnLst>
+      <p:par>
+        <p:cTn id="1" dur="indefinite" restart="never" nodeType="tmRoot"/>
+      </p:par>
+    </p:tnLst>
+  </p:timing>
+</p:sld>
+</file>
+
+<file path=ppt/slides/slide36.xml><?xml version="1.0" encoding="utf-8"?>
+<p:sld xmlns:a="http://schemas.openxmlformats.org/drawingml/2006/main" xmlns:r="http://schemas.openxmlformats.org/officeDocument/2006/relationships" xmlns:p="http://schemas.openxmlformats.org/presentationml/2006/main">
+  <p:cSld>
+    <p:spTree>
+      <p:nvGrpSpPr>
+        <p:cNvPr id="1" name=""/>
+        <p:cNvGrpSpPr/>
+        <p:nvPr/>
+      </p:nvGrpSpPr>
+      <p:grpSpPr>
+        <a:xfrm>
+          <a:off x="0" y="0"/>
+          <a:ext cx="0" cy="0"/>
+          <a:chOff x="0" y="0"/>
+          <a:chExt cx="0" cy="0"/>
+        </a:xfrm>
+      </p:grpSpPr>
+      <p:sp>
+        <p:nvSpPr>
+          <p:cNvPr id="2" name="Title 1"/>
+          <p:cNvSpPr>
+            <a:spLocks noGrp="1"/>
+          </p:cNvSpPr>
+          <p:nvPr>
+            <p:ph type="title"/>
+          </p:nvPr>
+        </p:nvSpPr>
+        <p:spPr/>
+        <p:txBody>
+          <a:bodyPr/>
+          <a:lstStyle/>
+          <a:p>
+            <a:r>
+              <a:rPr lang="pt-BR" dirty="0"/>
+              <a:t>Desvantagens </a:t>
+            </a:r>
+            <a:r>
+              <a:rPr lang="pt-BR" dirty="0" smtClean="0"/>
+              <a:t>Observer</a:t>
+            </a:r>
+            <a:endParaRPr lang="pt-BR" dirty="0"/>
+          </a:p>
+        </p:txBody>
+      </p:sp>
+      <p:sp>
+        <p:nvSpPr>
+          <p:cNvPr id="3" name="Content Placeholder 2"/>
+          <p:cNvSpPr>
+            <a:spLocks noGrp="1"/>
+          </p:cNvSpPr>
+          <p:nvPr>
+            <p:ph idx="1"/>
+          </p:nvPr>
+        </p:nvSpPr>
+        <p:spPr/>
+        <p:txBody>
+          <a:bodyPr>
+            <a:normAutofit fontScale="92500" lnSpcReduction="10000"/>
+          </a:bodyPr>
+          <a:lstStyle/>
+          <a:p>
+            <a:pPr algn="just"/>
+            <a:r>
+              <a:rPr lang="pt-BR" dirty="0">
+                <a:solidFill>
+                  <a:schemeClr val="tx1"/>
+                </a:solidFill>
+                <a:latin typeface="+mn-lt"/>
+              </a:rPr>
+              <a:t>Atualizações inesperadas. Como um observador não tem conhecimento da presença dos outros, elas podem ser cegos para o custo global de mudança do subject. Uma operação inócula no subject pode causar uma cascata de atualizações nos observadores e seus objetos dependentes. Além do mais, critérios de dependência que não estão bem-definidas ou mantidos normalmente conduzem a atualizações espúrias que podem ser difíceis de detectar.</a:t>
+            </a:r>
+            <a:endParaRPr lang="pt-BR" dirty="0" smtClean="0">
+              <a:solidFill>
+                <a:schemeClr val="tx1"/>
+              </a:solidFill>
+              <a:latin typeface="+mn-lt"/>
+            </a:endParaRPr>
+          </a:p>
+          <a:p>
+            <a:pPr algn="just"/>
+            <a:endParaRPr lang="pt-BR" dirty="0">
+              <a:solidFill>
+                <a:schemeClr val="tx1"/>
+              </a:solidFill>
+              <a:latin typeface="+mn-lt"/>
+            </a:endParaRPr>
+          </a:p>
+          <a:p>
+            <a:pPr algn="just"/>
+            <a:r>
+              <a:rPr lang="pt-BR" dirty="0" smtClean="0">
+                <a:solidFill>
+                  <a:schemeClr val="tx1"/>
+                </a:solidFill>
+                <a:latin typeface="+mn-lt"/>
+              </a:rPr>
+              <a:t>O </a:t>
+            </a:r>
+            <a:r>
+              <a:rPr lang="pt-BR" dirty="0">
+                <a:solidFill>
+                  <a:schemeClr val="tx1"/>
+                </a:solidFill>
+                <a:latin typeface="+mn-lt"/>
+              </a:rPr>
+              <a:t>protocolo simples de atualização não fornece detalhes sobre o que mudou no subject. Sem protocolos adicionais para ajudar os observadores a descobrir o que mudou, eles podem ser forçados a trabalhar duro para deduzir as mudanças</a:t>
+            </a:r>
+            <a:r>
+              <a:rPr lang="pt-BR" dirty="0" smtClean="0">
+                <a:solidFill>
+                  <a:schemeClr val="tx1"/>
+                </a:solidFill>
+                <a:latin typeface="+mn-lt"/>
+              </a:rPr>
+              <a:t>.</a:t>
+            </a:r>
+          </a:p>
+          <a:p>
+            <a:pPr algn="just"/>
+            <a:endParaRPr lang="pt-BR" dirty="0">
+              <a:solidFill>
+                <a:schemeClr val="tx1"/>
+              </a:solidFill>
+              <a:latin typeface="+mn-lt"/>
+            </a:endParaRPr>
+          </a:p>
+        </p:txBody>
+      </p:sp>
+    </p:spTree>
+    <p:extLst>
+      <p:ext uri="{BB962C8B-B14F-4D97-AF65-F5344CB8AC3E}">
+        <p14:creationId xmlns:p14="http://schemas.microsoft.com/office/powerpoint/2010/main" val="2316828219"/>
+      </p:ext>
+    </p:extLst>
+  </p:cSld>
+  <p:clrMapOvr>
+    <a:masterClrMapping/>
+  </p:clrMapOvr>
+  <p:timing>
+    <p:tnLst>
+      <p:par>
+        <p:cTn id="1" dur="indefinite" restart="never" nodeType="tmRoot"/>
+      </p:par>
+    </p:tnLst>
+  </p:timing>
+</p:sld>
+</file>
+
+<file path=ppt/slides/slide37.xml><?xml version="1.0" encoding="utf-8"?>
+<p:sld xmlns:a="http://schemas.openxmlformats.org/drawingml/2006/main" xmlns:r="http://schemas.openxmlformats.org/officeDocument/2006/relationships" xmlns:p="http://schemas.openxmlformats.org/presentationml/2006/main">
+  <p:cSld>
+    <p:spTree>
+      <p:nvGrpSpPr>
+        <p:cNvPr id="1" name=""/>
+        <p:cNvGrpSpPr/>
+        <p:nvPr/>
+      </p:nvGrpSpPr>
+      <p:grpSpPr>
+        <a:xfrm>
+          <a:off x="0" y="0"/>
+          <a:ext cx="0" cy="0"/>
+          <a:chOff x="0" y="0"/>
+          <a:chExt cx="0" cy="0"/>
+        </a:xfrm>
+      </p:grpSpPr>
+      <p:sp>
+        <p:nvSpPr>
+          <p:cNvPr id="2" name="Title 1"/>
+          <p:cNvSpPr>
+            <a:spLocks noGrp="1"/>
+          </p:cNvSpPr>
+          <p:nvPr>
+            <p:ph type="title"/>
+          </p:nvPr>
+        </p:nvSpPr>
+        <p:spPr/>
+        <p:txBody>
+          <a:bodyPr/>
+          <a:lstStyle/>
+          <a:p>
+            <a:r>
+              <a:rPr lang="pt-BR" dirty="0" smtClean="0"/>
+              <a:t>Dúvidas?</a:t>
+            </a:r>
+            <a:endParaRPr lang="pt-BR" dirty="0"/>
+          </a:p>
+        </p:txBody>
+      </p:sp>
+      <p:pic>
+        <p:nvPicPr>
+          <p:cNvPr id="1027" name="Picture 3" descr="C:\Users\Bruno\Desktop\dúvidas-sobre-o-programa.jpg"/>
+          <p:cNvPicPr>
+            <a:picLocks noChangeAspect="1" noChangeArrowheads="1"/>
+          </p:cNvPicPr>
+          <p:nvPr/>
+        </p:nvPicPr>
+        <p:blipFill>
+          <a:blip r:embed="rId2" cstate="print">
+            <a:extLst>
+              <a:ext uri="{28A0092B-C50C-407E-A947-70E740481C1C}">
+                <a14:useLocalDpi xmlns:a14="http://schemas.microsoft.com/office/drawing/2010/main" val="0"/>
+              </a:ext>
+            </a:extLst>
+          </a:blip>
+          <a:srcRect/>
+          <a:stretch>
+            <a:fillRect/>
+          </a:stretch>
+        </p:blipFill>
+        <p:spPr bwMode="auto">
+          <a:xfrm>
+            <a:off x="6228184" y="4214781"/>
+            <a:ext cx="1438275" cy="1828800"/>
+          </a:xfrm>
+          <a:prstGeom prst="rect">
+            <a:avLst/>
+          </a:prstGeom>
+          <a:noFill/>
+          <a:extLst>
+            <a:ext uri="{909E8E84-426E-40DD-AFC4-6F175D3DCCD1}">
+              <a14:hiddenFill xmlns:a14="http://schemas.microsoft.com/office/drawing/2010/main">
+                <a:solidFill>
+                  <a:srgbClr val="FFFFFF"/>
+                </a:solidFill>
+              </a14:hiddenFill>
+            </a:ext>
+          </a:extLst>
+        </p:spPr>
+      </p:pic>
+      <p:pic>
+        <p:nvPicPr>
+          <p:cNvPr id="1028" name="Picture 4" descr="C:\Users\Bruno\Desktop\trabalhador-com-duvidas_1012-193.jpg"/>
+          <p:cNvPicPr>
+            <a:picLocks noChangeAspect="1" noChangeArrowheads="1"/>
+          </p:cNvPicPr>
+          <p:nvPr/>
+        </p:nvPicPr>
+        <p:blipFill>
+          <a:blip r:embed="rId3">
+            <a:extLst>
+              <a:ext uri="{28A0092B-C50C-407E-A947-70E740481C1C}">
+                <a14:useLocalDpi xmlns:a14="http://schemas.microsoft.com/office/drawing/2010/main" val="0"/>
+              </a:ext>
+            </a:extLst>
+          </a:blip>
+          <a:srcRect/>
+          <a:stretch>
+            <a:fillRect/>
+          </a:stretch>
+        </p:blipFill>
+        <p:spPr bwMode="auto">
+          <a:xfrm>
+            <a:off x="2915816" y="2060848"/>
+            <a:ext cx="3168352" cy="3168352"/>
+          </a:xfrm>
+          <a:prstGeom prst="rect">
+            <a:avLst/>
+          </a:prstGeom>
+          <a:noFill/>
+          <a:extLst>
+            <a:ext uri="{909E8E84-426E-40DD-AFC4-6F175D3DCCD1}">
+              <a14:hiddenFill xmlns:a14="http://schemas.microsoft.com/office/drawing/2010/main">
+                <a:solidFill>
+                  <a:srgbClr val="FFFFFF"/>
+                </a:solidFill>
+              </a14:hiddenFill>
+            </a:ext>
+          </a:extLst>
+        </p:spPr>
+      </p:pic>
+      <p:pic>
+        <p:nvPicPr>
+          <p:cNvPr id="1029" name="Picture 5" descr="C:\Users\Bruno\Desktop\duvida1.jpg"/>
+          <p:cNvPicPr>
+            <a:picLocks noChangeAspect="1" noChangeArrowheads="1"/>
+          </p:cNvPicPr>
+          <p:nvPr/>
+        </p:nvPicPr>
+        <p:blipFill>
+          <a:blip r:embed="rId4" cstate="print">
+            <a:extLst>
+              <a:ext uri="{28A0092B-C50C-407E-A947-70E740481C1C}">
+                <a14:useLocalDpi xmlns:a14="http://schemas.microsoft.com/office/drawing/2010/main" val="0"/>
+              </a:ext>
+            </a:extLst>
+          </a:blip>
+          <a:srcRect/>
+          <a:stretch>
+            <a:fillRect/>
+          </a:stretch>
+        </p:blipFill>
+        <p:spPr bwMode="auto">
+          <a:xfrm>
+            <a:off x="1043608" y="4214781"/>
+            <a:ext cx="2376512" cy="1828800"/>
+          </a:xfrm>
+          <a:prstGeom prst="rect">
+            <a:avLst/>
+          </a:prstGeom>
+          <a:noFill/>
+          <a:extLst>
+            <a:ext uri="{909E8E84-426E-40DD-AFC4-6F175D3DCCD1}">
+              <a14:hiddenFill xmlns:a14="http://schemas.microsoft.com/office/drawing/2010/main">
+                <a:solidFill>
+                  <a:srgbClr val="FFFFFF"/>
+                </a:solidFill>
+              </a14:hiddenFill>
+            </a:ext>
+          </a:extLst>
+        </p:spPr>
+      </p:pic>
+    </p:spTree>
+    <p:extLst>
+      <p:ext uri="{BB962C8B-B14F-4D97-AF65-F5344CB8AC3E}">
+        <p14:creationId xmlns:p14="http://schemas.microsoft.com/office/powerpoint/2010/main" val="1730846464"/>
+      </p:ext>
+    </p:extLst>
+  </p:cSld>
+  <p:clrMapOvr>
+    <a:masterClrMapping/>
+  </p:clrMapOvr>
+  <p:timing>
+    <p:tnLst>
+      <p:par>
+        <p:cTn id="1" dur="indefinite" restart="never" nodeType="tmRoot"/>
+      </p:par>
+    </p:tnLst>
+  </p:timing>
+</p:sld>
+</file>
+
+<file path=ppt/slides/slide38.xml><?xml version="1.0" encoding="utf-8"?>
+<p:sld xmlns:a="http://schemas.openxmlformats.org/drawingml/2006/main" xmlns:r="http://schemas.openxmlformats.org/officeDocument/2006/relationships" xmlns:p="http://schemas.openxmlformats.org/presentationml/2006/main">
+  <p:cSld>
+    <p:spTree>
+      <p:nvGrpSpPr>
+        <p:cNvPr id="1" name=""/>
+        <p:cNvGrpSpPr/>
+        <p:nvPr/>
+      </p:nvGrpSpPr>
+      <p:grpSpPr>
+        <a:xfrm>
+          <a:off x="0" y="0"/>
+          <a:ext cx="0" cy="0"/>
+          <a:chOff x="0" y="0"/>
+          <a:chExt cx="0" cy="0"/>
+        </a:xfrm>
+      </p:grpSpPr>
+      <p:sp>
+        <p:nvSpPr>
+          <p:cNvPr id="2" name="Title 1"/>
+          <p:cNvSpPr>
+            <a:spLocks noGrp="1"/>
+          </p:cNvSpPr>
+          <p:nvPr>
+            <p:ph type="title"/>
+          </p:nvPr>
+        </p:nvSpPr>
+        <p:spPr/>
+        <p:txBody>
+          <a:bodyPr/>
+          <a:lstStyle/>
+          <a:p>
+            <a:r>
+              <a:rPr lang="pt-BR" dirty="0" smtClean="0"/>
+              <a:t>Bibliografia</a:t>
+            </a:r>
+            <a:endParaRPr lang="pt-BR" dirty="0"/>
+          </a:p>
+        </p:txBody>
+      </p:sp>
+      <p:sp>
+        <p:nvSpPr>
+          <p:cNvPr id="3" name="Content Placeholder 2"/>
+          <p:cNvSpPr>
+            <a:spLocks noGrp="1"/>
+          </p:cNvSpPr>
+          <p:nvPr>
+            <p:ph idx="1"/>
+          </p:nvPr>
+        </p:nvSpPr>
+        <p:spPr/>
+        <p:txBody>
+          <a:bodyPr>
+            <a:normAutofit fontScale="92500" lnSpcReduction="20000"/>
+          </a:bodyPr>
+          <a:lstStyle/>
+          <a:p>
+            <a:pPr algn="just"/>
+            <a:r>
+              <a:rPr lang="pt-BR" dirty="0" smtClean="0">
+                <a:solidFill>
+                  <a:schemeClr val="tx1"/>
+                </a:solidFill>
+                <a:latin typeface="+mn-lt"/>
+              </a:rPr>
+              <a:t>Builder:</a:t>
+            </a:r>
+          </a:p>
+          <a:p>
+            <a:pPr lvl="1" algn="just"/>
+            <a:r>
+              <a:rPr lang="pt-BR" dirty="0" smtClean="0">
+                <a:solidFill>
+                  <a:schemeClr val="tx1"/>
+                </a:solidFill>
+                <a:latin typeface="+mn-lt"/>
+              </a:rPr>
+              <a:t>Wikipédia: </a:t>
+            </a:r>
+            <a:r>
+              <a:rPr lang="pt-BR" dirty="0" smtClean="0">
+                <a:solidFill>
+                  <a:schemeClr val="tx1"/>
+                </a:solidFill>
+                <a:latin typeface="+mn-lt"/>
+                <a:hlinkClick r:id="rId2"/>
+              </a:rPr>
+              <a:t>https://pt.wikipedia.org/wiki/Builder</a:t>
+            </a:r>
+            <a:r>
+              <a:rPr lang="pt-BR" dirty="0" smtClean="0">
+                <a:solidFill>
+                  <a:schemeClr val="tx1"/>
+                </a:solidFill>
+                <a:latin typeface="+mn-lt"/>
+              </a:rPr>
+              <a:t>;</a:t>
+            </a:r>
+          </a:p>
+          <a:p>
+            <a:pPr lvl="1" algn="just"/>
+            <a:r>
+              <a:rPr lang="pt-BR" dirty="0" smtClean="0">
+                <a:solidFill>
+                  <a:schemeClr val="tx1"/>
+                </a:solidFill>
+                <a:latin typeface="+mn-lt"/>
+              </a:rPr>
+              <a:t>Marcos Brizeno: </a:t>
+            </a:r>
+            <a:r>
+              <a:rPr lang="pt-BR" dirty="0" smtClean="0">
+                <a:solidFill>
+                  <a:schemeClr val="tx1"/>
+                </a:solidFill>
+                <a:latin typeface="+mn-lt"/>
+                <a:hlinkClick r:id="rId3"/>
+              </a:rPr>
+              <a:t>https://brizeno.wordpress.com/category/padroes-de-projeto/builder/</a:t>
+            </a:r>
+            <a:r>
+              <a:rPr lang="pt-BR" dirty="0" smtClean="0">
+                <a:solidFill>
+                  <a:schemeClr val="tx1"/>
+                </a:solidFill>
+                <a:latin typeface="+mn-lt"/>
+              </a:rPr>
+              <a:t>;</a:t>
+            </a:r>
+          </a:p>
+          <a:p>
+            <a:pPr lvl="1" algn="just"/>
+            <a:r>
+              <a:rPr lang="pt-BR" dirty="0">
+                <a:solidFill>
+                  <a:schemeClr val="tx1"/>
+                </a:solidFill>
+                <a:latin typeface="+mn-lt"/>
+              </a:rPr>
+              <a:t>Projeto A.P.R.I UFV</a:t>
+            </a:r>
+            <a:r>
+              <a:rPr lang="pt-BR" dirty="0" smtClean="0">
+                <a:solidFill>
+                  <a:schemeClr val="tx1"/>
+                </a:solidFill>
+                <a:latin typeface="+mn-lt"/>
+              </a:rPr>
+              <a:t>: </a:t>
+            </a:r>
+            <a:r>
+              <a:rPr lang="pt-BR" dirty="0" smtClean="0">
+                <a:solidFill>
+                  <a:schemeClr val="tx1"/>
+                </a:solidFill>
+                <a:latin typeface="+mn-lt"/>
+                <a:hlinkClick r:id="rId4"/>
+              </a:rPr>
+              <a:t>http://www.dpi.ufv.br/projetos/apri/?page_id=695</a:t>
+            </a:r>
+            <a:r>
+              <a:rPr lang="pt-BR" dirty="0" smtClean="0">
+                <a:solidFill>
+                  <a:schemeClr val="tx1"/>
+                </a:solidFill>
+                <a:latin typeface="+mn-lt"/>
+              </a:rPr>
+              <a:t>.</a:t>
+            </a:r>
+          </a:p>
+          <a:p>
+            <a:pPr marL="0" indent="0" algn="just">
+              <a:buNone/>
+            </a:pPr>
+            <a:endParaRPr lang="pt-BR" dirty="0">
+              <a:solidFill>
+                <a:schemeClr val="tx1"/>
+              </a:solidFill>
+              <a:latin typeface="+mn-lt"/>
+            </a:endParaRPr>
+          </a:p>
+          <a:p>
+            <a:pPr algn="just"/>
+            <a:r>
+              <a:rPr lang="pt-BR" dirty="0" smtClean="0">
+                <a:solidFill>
+                  <a:schemeClr val="tx1"/>
+                </a:solidFill>
+                <a:latin typeface="+mn-lt"/>
+              </a:rPr>
+              <a:t>Facade:</a:t>
+            </a:r>
+          </a:p>
+          <a:p>
+            <a:pPr lvl="1"/>
+            <a:r>
+              <a:rPr lang="pt-BR" dirty="0">
+                <a:solidFill>
+                  <a:schemeClr val="tx1"/>
+                </a:solidFill>
+                <a:latin typeface="+mn-lt"/>
+              </a:rPr>
+              <a:t>Marcos Brizeno</a:t>
+            </a:r>
+            <a:r>
+              <a:rPr lang="pt-BR" dirty="0" smtClean="0">
+                <a:solidFill>
+                  <a:schemeClr val="tx1"/>
+                </a:solidFill>
+                <a:latin typeface="+mn-lt"/>
+              </a:rPr>
+              <a:t>: </a:t>
+            </a:r>
+            <a:r>
+              <a:rPr lang="pt-BR" dirty="0" smtClean="0">
+                <a:solidFill>
+                  <a:schemeClr val="tx1"/>
+                </a:solidFill>
+                <a:latin typeface="+mn-lt"/>
+                <a:hlinkClick r:id="rId5"/>
+              </a:rPr>
+              <a:t>https://brizeno.wordpress.com/category/padroes-de-projeto/facade/</a:t>
+            </a:r>
+            <a:r>
+              <a:rPr lang="pt-BR" dirty="0" smtClean="0">
+                <a:solidFill>
+                  <a:schemeClr val="tx1"/>
+                </a:solidFill>
+                <a:latin typeface="+mn-lt"/>
+              </a:rPr>
+              <a:t>;</a:t>
+            </a:r>
+          </a:p>
+          <a:p>
+            <a:pPr lvl="1"/>
+            <a:r>
+              <a:rPr lang="pt-BR" dirty="0" smtClean="0">
+                <a:solidFill>
+                  <a:schemeClr val="tx1"/>
+                </a:solidFill>
+                <a:latin typeface="+mn-lt"/>
+              </a:rPr>
+              <a:t>DevMedia: </a:t>
+            </a:r>
+            <a:r>
+              <a:rPr lang="pt-BR" dirty="0" smtClean="0">
+                <a:solidFill>
+                  <a:schemeClr val="tx1"/>
+                </a:solidFill>
+                <a:latin typeface="+mn-lt"/>
+                <a:hlinkClick r:id="rId6"/>
+              </a:rPr>
+              <a:t>http://www.devmedia.com.br/padrao-de-projeto-facade-em-java/26476</a:t>
+            </a:r>
+            <a:r>
+              <a:rPr lang="pt-BR" dirty="0" smtClean="0">
+                <a:solidFill>
+                  <a:schemeClr val="tx1"/>
+                </a:solidFill>
+                <a:latin typeface="+mn-lt"/>
+              </a:rPr>
+              <a:t>.</a:t>
+            </a:r>
+          </a:p>
+          <a:p>
+            <a:pPr algn="just"/>
+            <a:endParaRPr lang="pt-BR" dirty="0">
+              <a:solidFill>
+                <a:schemeClr val="tx1"/>
+              </a:solidFill>
+              <a:latin typeface="+mn-lt"/>
+            </a:endParaRPr>
+          </a:p>
+          <a:p>
+            <a:pPr algn="just"/>
+            <a:r>
+              <a:rPr lang="pt-BR" dirty="0" smtClean="0">
+                <a:solidFill>
+                  <a:schemeClr val="tx1"/>
+                </a:solidFill>
+                <a:latin typeface="+mn-lt"/>
+              </a:rPr>
+              <a:t>Observer:</a:t>
+            </a:r>
+          </a:p>
+          <a:p>
+            <a:pPr lvl="1"/>
+            <a:r>
+              <a:rPr lang="pt-BR" dirty="0">
+                <a:solidFill>
+                  <a:schemeClr val="tx1"/>
+                </a:solidFill>
+                <a:latin typeface="+mn-lt"/>
+              </a:rPr>
+              <a:t>Marcos </a:t>
+            </a:r>
+            <a:r>
+              <a:rPr lang="pt-BR" dirty="0" smtClean="0">
+                <a:solidFill>
+                  <a:schemeClr val="tx1"/>
+                </a:solidFill>
+                <a:latin typeface="+mn-lt"/>
+              </a:rPr>
+              <a:t>Brizeno: </a:t>
+            </a:r>
+            <a:r>
+              <a:rPr lang="pt-BR" dirty="0" smtClean="0">
+                <a:solidFill>
+                  <a:schemeClr val="tx1"/>
+                </a:solidFill>
+                <a:latin typeface="+mn-lt"/>
+                <a:hlinkClick r:id="rId7"/>
+              </a:rPr>
+              <a:t>https://brizeno.wordpress.com/category/padroes-de-projeto/observer/</a:t>
+            </a:r>
+            <a:r>
+              <a:rPr lang="pt-BR" dirty="0">
+                <a:solidFill>
+                  <a:schemeClr val="tx1"/>
+                </a:solidFill>
+                <a:latin typeface="+mn-lt"/>
+              </a:rPr>
+              <a:t>;</a:t>
+            </a:r>
+            <a:endParaRPr lang="pt-BR" dirty="0" smtClean="0">
+              <a:solidFill>
+                <a:schemeClr val="tx1"/>
+              </a:solidFill>
+              <a:latin typeface="+mn-lt"/>
+            </a:endParaRPr>
+          </a:p>
+          <a:p>
+            <a:pPr lvl="1"/>
+            <a:r>
+              <a:rPr lang="pt-BR" dirty="0" smtClean="0">
+                <a:solidFill>
+                  <a:schemeClr val="tx1"/>
+                </a:solidFill>
+                <a:latin typeface="+mn-lt"/>
+              </a:rPr>
+              <a:t>Blog Thiengo: </a:t>
+            </a:r>
+            <a:r>
+              <a:rPr lang="pt-BR" dirty="0" smtClean="0">
+                <a:solidFill>
+                  <a:schemeClr val="tx1"/>
+                </a:solidFill>
+                <a:latin typeface="+mn-lt"/>
+                <a:hlinkClick r:id="rId8"/>
+              </a:rPr>
+              <a:t>http://www.thiengo.com.br/padrao-de-projeto-observer#title-5</a:t>
+            </a:r>
+            <a:r>
+              <a:rPr lang="pt-BR" dirty="0" smtClean="0">
+                <a:solidFill>
+                  <a:schemeClr val="tx1"/>
+                </a:solidFill>
+                <a:latin typeface="+mn-lt"/>
+              </a:rPr>
+              <a:t>;</a:t>
+            </a:r>
+          </a:p>
+          <a:p>
+            <a:pPr lvl="1"/>
+            <a:r>
+              <a:rPr lang="pt-BR" dirty="0" smtClean="0">
+                <a:solidFill>
+                  <a:schemeClr val="tx1"/>
+                </a:solidFill>
+                <a:latin typeface="+mn-lt"/>
+              </a:rPr>
+              <a:t>Projeto A.P.R.I UFV: </a:t>
+            </a:r>
+            <a:r>
+              <a:rPr lang="pt-BR" dirty="0" smtClean="0">
+                <a:solidFill>
+                  <a:schemeClr val="tx1"/>
+                </a:solidFill>
+                <a:latin typeface="+mn-lt"/>
+                <a:hlinkClick r:id="rId9"/>
+              </a:rPr>
+              <a:t>http://www.dpi.ufv.br/projetos/apri/?page_id=755</a:t>
+            </a:r>
+            <a:r>
+              <a:rPr lang="pt-BR" dirty="0" smtClean="0">
+                <a:solidFill>
+                  <a:schemeClr val="tx1"/>
+                </a:solidFill>
+                <a:latin typeface="+mn-lt"/>
+              </a:rPr>
+              <a:t>;</a:t>
+            </a:r>
+          </a:p>
+          <a:p>
+            <a:pPr lvl="1"/>
+            <a:r>
+              <a:rPr lang="pt-BR" dirty="0" smtClean="0">
+                <a:solidFill>
+                  <a:schemeClr val="tx1"/>
+                </a:solidFill>
+                <a:latin typeface="+mn-lt"/>
+              </a:rPr>
+              <a:t>Puc Minas: </a:t>
+            </a:r>
+            <a:r>
+              <a:rPr lang="pt-BR" dirty="0" smtClean="0">
+                <a:solidFill>
+                  <a:schemeClr val="tx1"/>
+                </a:solidFill>
+                <a:latin typeface="+mn-lt"/>
+                <a:hlinkClick r:id="rId10"/>
+              </a:rPr>
+              <a:t>https://pt.slideshare.net/luizauira/padro-de-projeto-observer</a:t>
+            </a:r>
+            <a:r>
+              <a:rPr lang="pt-BR" dirty="0" smtClean="0">
+                <a:solidFill>
+                  <a:schemeClr val="tx1"/>
+                </a:solidFill>
+                <a:latin typeface="+mn-lt"/>
+              </a:rPr>
+              <a:t>;</a:t>
+            </a:r>
+          </a:p>
+          <a:p>
+            <a:pPr lvl="1"/>
+            <a:r>
+              <a:rPr lang="pt-BR" dirty="0">
+                <a:solidFill>
+                  <a:schemeClr val="tx1"/>
+                </a:solidFill>
+                <a:latin typeface="+mn-lt"/>
+              </a:rPr>
+              <a:t>Instituto Federal </a:t>
+            </a:r>
+            <a:r>
+              <a:rPr lang="pt-BR" dirty="0" smtClean="0">
+                <a:solidFill>
+                  <a:schemeClr val="tx1"/>
+                </a:solidFill>
+                <a:latin typeface="+mn-lt"/>
+              </a:rPr>
+              <a:t>Fluminense: </a:t>
+            </a:r>
+            <a:r>
+              <a:rPr lang="pt-BR" dirty="0" smtClean="0">
+                <a:solidFill>
+                  <a:schemeClr val="tx1"/>
+                </a:solidFill>
+                <a:latin typeface="+mn-lt"/>
+                <a:hlinkClick r:id="rId11"/>
+              </a:rPr>
+              <a:t>https://www.slideshare.net/jucindra/padres-de-projeto-observer</a:t>
+            </a:r>
+            <a:r>
+              <a:rPr lang="pt-BR" dirty="0" smtClean="0">
+                <a:solidFill>
+                  <a:schemeClr val="tx1"/>
+                </a:solidFill>
+                <a:latin typeface="+mn-lt"/>
+              </a:rPr>
+              <a:t>.</a:t>
+            </a:r>
+            <a:endParaRPr lang="pt-BR" dirty="0">
+              <a:solidFill>
+                <a:schemeClr val="tx1"/>
+              </a:solidFill>
+              <a:latin typeface="+mn-lt"/>
+            </a:endParaRPr>
+          </a:p>
+        </p:txBody>
+      </p:sp>
+    </p:spTree>
+    <p:extLst>
+      <p:ext uri="{BB962C8B-B14F-4D97-AF65-F5344CB8AC3E}">
+        <p14:creationId xmlns:p14="http://schemas.microsoft.com/office/powerpoint/2010/main" val="1544578915"/>
+      </p:ext>
+    </p:extLst>
+  </p:cSld>
+  <p:clrMapOvr>
+    <a:masterClrMapping/>
+  </p:clrMapOvr>
+  <p:timing>
+    <p:tnLst>
+      <p:par>
+        <p:cTn id="1" dur="indefinite" restart="never" nodeType="tmRoot"/>
+      </p:par>
+    </p:tnLst>
+  </p:timing>
 </p:sld>
 </file>
 
@@ -4808,12 +8117,8 @@
           <a:lstStyle/>
           <a:p>
             <a:r>
-              <a:rPr lang="pt-BR" dirty="0"/>
-              <a:t>Estrutura </a:t>
-            </a:r>
-            <a:r>
-              <a:rPr lang="pt-BR" dirty="0" err="1"/>
-              <a:t>Builder</a:t>
+              <a:rPr lang="pt-BR" dirty="0" smtClean="0"/>
+              <a:t>Introdução Builder</a:t>
             </a:r>
             <a:endParaRPr lang="pt-BR" dirty="0"/>
           </a:p>
@@ -4829,195 +8134,82 @@
             <p:ph idx="1"/>
           </p:nvPr>
         </p:nvSpPr>
-        <p:spPr>
-          <a:xfrm>
-            <a:off x="467544" y="1772816"/>
-            <a:ext cx="8229600" cy="4525963"/>
-          </a:xfrm>
-        </p:spPr>
+        <p:spPr/>
         <p:txBody>
           <a:bodyPr>
             <a:normAutofit/>
           </a:bodyPr>
           <a:lstStyle/>
           <a:p>
-            <a:r>
-              <a:rPr lang="pt-BR" i="1" dirty="0" err="1">
-                <a:solidFill>
-                  <a:schemeClr val="tx1"/>
-                </a:solidFill>
-              </a:rPr>
-              <a:t>Product</a:t>
-            </a:r>
-            <a:r>
-              <a:rPr lang="pt-BR" dirty="0">
-                <a:solidFill>
-                  <a:schemeClr val="tx1"/>
-                </a:solidFill>
-              </a:rPr>
-              <a:t> — Classe básica.</a:t>
-            </a:r>
-            <a:endParaRPr lang="pt-BR" i="1" dirty="0">
+            <a:pPr algn="just"/>
+            <a:r>
+              <a:rPr lang="pt-BR" sz="2800" dirty="0">
+                <a:solidFill>
+                  <a:schemeClr val="tx1"/>
+                </a:solidFill>
+                <a:latin typeface="+mn-lt"/>
+              </a:rPr>
+              <a:t>Padrão de projeto de software criacional.</a:t>
+            </a:r>
+          </a:p>
+          <a:p>
+            <a:pPr algn="just"/>
+            <a:endParaRPr lang="pt-BR" sz="2800" dirty="0">
               <a:solidFill>
                 <a:schemeClr val="tx1"/>
               </a:solidFill>
+              <a:latin typeface="+mn-lt"/>
             </a:endParaRPr>
           </a:p>
           <a:p>
-            <a:endParaRPr lang="pt-BR" i="1" dirty="0">
-              <a:solidFill>
-                <a:schemeClr val="tx1"/>
-              </a:solidFill>
-            </a:endParaRPr>
-          </a:p>
-          <a:p>
-            <a:r>
-              <a:rPr lang="pt-BR" i="1" dirty="0" err="1">
-                <a:solidFill>
-                  <a:schemeClr val="tx1"/>
-                </a:solidFill>
-              </a:rPr>
-              <a:t>Builder</a:t>
-            </a:r>
-            <a:r>
-              <a:rPr lang="pt-BR" dirty="0">
-                <a:solidFill>
-                  <a:schemeClr val="tx1"/>
-                </a:solidFill>
-              </a:rPr>
-              <a:t> — Interface que possui </a:t>
-            </a:r>
-            <a:r>
-              <a:rPr lang="pt-BR" dirty="0" err="1">
-                <a:solidFill>
-                  <a:schemeClr val="tx1"/>
-                </a:solidFill>
-              </a:rPr>
-              <a:t>metodos</a:t>
-            </a:r>
-            <a:r>
-              <a:rPr lang="pt-BR" dirty="0">
-                <a:solidFill>
-                  <a:schemeClr val="tx1"/>
-                </a:solidFill>
-              </a:rPr>
-              <a:t> para construir cada um dos dados do Produto.</a:t>
-            </a:r>
-          </a:p>
-          <a:p>
-            <a:pPr marL="0" indent="0">
-              <a:buNone/>
-            </a:pPr>
-            <a:endParaRPr lang="pt-BR" dirty="0">
-              <a:solidFill>
-                <a:schemeClr val="tx1"/>
-              </a:solidFill>
-            </a:endParaRPr>
-          </a:p>
-          <a:p>
-            <a:r>
-              <a:rPr lang="pt-BR" i="1" dirty="0">
-                <a:solidFill>
-                  <a:schemeClr val="tx1"/>
-                </a:solidFill>
-              </a:rPr>
-              <a:t>Concrete </a:t>
-            </a:r>
-            <a:r>
-              <a:rPr lang="pt-BR" i="1" dirty="0" err="1">
-                <a:solidFill>
-                  <a:schemeClr val="tx1"/>
-                </a:solidFill>
-              </a:rPr>
-              <a:t>builder</a:t>
-            </a:r>
-            <a:r>
-              <a:rPr lang="pt-BR" dirty="0">
-                <a:solidFill>
-                  <a:schemeClr val="tx1"/>
-                </a:solidFill>
-              </a:rPr>
-              <a:t> — define uma implementação da interface </a:t>
-            </a:r>
-            <a:r>
-              <a:rPr lang="pt-BR" i="1" dirty="0" err="1">
-                <a:solidFill>
-                  <a:schemeClr val="tx1"/>
-                </a:solidFill>
-              </a:rPr>
-              <a:t>builder</a:t>
-            </a:r>
-            <a:r>
-              <a:rPr lang="pt-BR" dirty="0">
-                <a:solidFill>
-                  <a:schemeClr val="tx1"/>
-                </a:solidFill>
-              </a:rPr>
-              <a:t>.</a:t>
-            </a:r>
-          </a:p>
-          <a:p>
-            <a:pPr marL="0" indent="0">
-              <a:buNone/>
-            </a:pPr>
-            <a:endParaRPr lang="pt-BR" dirty="0">
-              <a:solidFill>
-                <a:schemeClr val="tx1"/>
-              </a:solidFill>
-            </a:endParaRPr>
-          </a:p>
-          <a:p>
-            <a:r>
-              <a:rPr lang="pt-BR" i="1" dirty="0" err="1">
-                <a:solidFill>
-                  <a:schemeClr val="tx1"/>
-                </a:solidFill>
-              </a:rPr>
-              <a:t>Director</a:t>
-            </a:r>
-            <a:r>
-              <a:rPr lang="pt-BR" dirty="0">
-                <a:solidFill>
-                  <a:schemeClr val="tx1"/>
-                </a:solidFill>
-              </a:rPr>
-              <a:t> — constrói um objeto utilizando a interface do </a:t>
-            </a:r>
-            <a:r>
-              <a:rPr lang="pt-BR" i="1" dirty="0" err="1">
-                <a:solidFill>
-                  <a:schemeClr val="tx1"/>
-                </a:solidFill>
-              </a:rPr>
-              <a:t>builder</a:t>
-            </a:r>
-            <a:r>
-              <a:rPr lang="pt-BR" dirty="0">
-                <a:solidFill>
-                  <a:schemeClr val="tx1"/>
-                </a:solidFill>
-              </a:rPr>
-              <a:t>.</a:t>
-            </a:r>
-          </a:p>
-          <a:p>
-            <a:endParaRPr lang="pt-BR" dirty="0"/>
-          </a:p>
-          <a:p>
-            <a:endParaRPr lang="pt-BR" dirty="0"/>
+            <a:pPr algn="just"/>
+            <a:r>
+              <a:rPr lang="pt-BR" sz="2800" dirty="0">
+                <a:solidFill>
+                  <a:schemeClr val="tx1"/>
+                </a:solidFill>
+                <a:latin typeface="+mn-lt"/>
+              </a:rPr>
+              <a:t>P</a:t>
+            </a:r>
+            <a:r>
+              <a:rPr lang="pt-BR" sz="2800" dirty="0" smtClean="0">
+                <a:solidFill>
+                  <a:schemeClr val="tx1"/>
+                </a:solidFill>
+                <a:latin typeface="+mn-lt"/>
+              </a:rPr>
+              <a:t>ermite </a:t>
+            </a:r>
+            <a:r>
+              <a:rPr lang="pt-BR" sz="2800" dirty="0">
+                <a:solidFill>
+                  <a:schemeClr val="tx1"/>
+                </a:solidFill>
+                <a:latin typeface="+mn-lt"/>
+              </a:rPr>
+              <a:t>a separação da construção de um objeto complexo da sua representação, de forma que o mesmo processo de construção possa criar diferentes representações, ou seja, permite separar os passos de construção de um objeto em pequenos métodos.</a:t>
+            </a:r>
           </a:p>
         </p:txBody>
       </p:sp>
     </p:spTree>
     <p:extLst>
       <p:ext uri="{BB962C8B-B14F-4D97-AF65-F5344CB8AC3E}">
-        <p14:creationId xmlns:p14="http://schemas.microsoft.com/office/powerpoint/2010/main" val="1213102296"/>
+        <p14:creationId xmlns:p14="http://schemas.microsoft.com/office/powerpoint/2010/main" val="1301170590"/>
       </p:ext>
     </p:extLst>
   </p:cSld>
   <p:clrMapOvr>
     <a:masterClrMapping/>
   </p:clrMapOvr>
+  <p:timing>
+    <p:tnLst>
+      <p:par>
+        <p:cTn id="1" dur="indefinite" restart="never" nodeType="tmRoot"/>
+      </p:par>
+    </p:tnLst>
+  </p:timing>
 </p:sld>
 </file>
 
@@ -5055,8 +8247,13 @@
           <a:p>
             <a:r>
               <a:rPr lang="pt-BR" dirty="0"/>
-              <a:t>Product</a:t>
-            </a:r>
+              <a:t>Estrutura </a:t>
+            </a:r>
+            <a:r>
+              <a:rPr lang="pt-BR" dirty="0" err="1"/>
+              <a:t>Builder</a:t>
+            </a:r>
+            <a:endParaRPr lang="pt-BR" dirty="0"/>
           </a:p>
         </p:txBody>
       </p:sp>
@@ -5070,134 +8267,218 @@
             <p:ph idx="1"/>
           </p:nvPr>
         </p:nvSpPr>
-        <p:spPr/>
+        <p:spPr>
+          <a:xfrm>
+            <a:off x="467544" y="1772816"/>
+            <a:ext cx="8229600" cy="4525963"/>
+          </a:xfrm>
+        </p:spPr>
         <p:txBody>
           <a:bodyPr>
-            <a:normAutofit/>
+            <a:noAutofit/>
           </a:bodyPr>
           <a:lstStyle/>
           <a:p>
+            <a:pPr algn="just"/>
+            <a:r>
+              <a:rPr lang="pt-BR" i="1" dirty="0" smtClean="0">
+                <a:solidFill>
+                  <a:schemeClr val="tx1"/>
+                </a:solidFill>
+                <a:latin typeface="+mn-lt"/>
+              </a:rPr>
+              <a:t>Builder</a:t>
+            </a:r>
+            <a:r>
+              <a:rPr lang="pt-BR" dirty="0" smtClean="0">
+                <a:solidFill>
+                  <a:schemeClr val="tx1"/>
+                </a:solidFill>
+                <a:latin typeface="+mn-lt"/>
+              </a:rPr>
+              <a:t> </a:t>
+            </a:r>
+            <a:r>
+              <a:rPr lang="pt-BR" dirty="0">
+                <a:solidFill>
+                  <a:schemeClr val="tx1"/>
+                </a:solidFill>
+                <a:latin typeface="+mn-lt"/>
+              </a:rPr>
+              <a:t>— </a:t>
+            </a:r>
+            <a:r>
+              <a:rPr lang="pt-BR" dirty="0" smtClean="0">
+                <a:solidFill>
+                  <a:schemeClr val="tx1"/>
+                </a:solidFill>
+                <a:latin typeface="+mn-lt"/>
+              </a:rPr>
+              <a:t>E</a:t>
+            </a:r>
+            <a:r>
+              <a:rPr lang="pt-BR" dirty="0" smtClean="0">
+                <a:solidFill>
+                  <a:schemeClr val="tx1"/>
+                </a:solidFill>
+                <a:latin typeface="+mn-lt"/>
+              </a:rPr>
+              <a:t>specifica </a:t>
+            </a:r>
+            <a:r>
+              <a:rPr lang="pt-BR" dirty="0">
+                <a:solidFill>
+                  <a:schemeClr val="tx1"/>
+                </a:solidFill>
+                <a:latin typeface="+mn-lt"/>
+              </a:rPr>
+              <a:t>uma interface para criação das partes do produto. Pode ser implementado como interface ou como classe-abstrata</a:t>
+            </a:r>
+            <a:r>
+              <a:rPr lang="pt-BR" dirty="0" smtClean="0">
+                <a:solidFill>
+                  <a:schemeClr val="tx1"/>
+                </a:solidFill>
+                <a:latin typeface="+mn-lt"/>
+              </a:rPr>
+              <a:t>.</a:t>
+            </a:r>
+          </a:p>
+          <a:p>
+            <a:pPr algn="just"/>
             <a:endParaRPr lang="pt-BR" dirty="0">
               <a:solidFill>
                 <a:schemeClr val="tx1"/>
               </a:solidFill>
+              <a:latin typeface="+mn-lt"/>
             </a:endParaRPr>
           </a:p>
           <a:p>
+            <a:pPr algn="just"/>
+            <a:r>
+              <a:rPr lang="pt-BR" i="1" dirty="0">
+                <a:solidFill>
+                  <a:schemeClr val="tx1"/>
+                </a:solidFill>
+                <a:latin typeface="+mn-lt"/>
+              </a:rPr>
+              <a:t>Concrete builder</a:t>
+            </a:r>
             <a:r>
               <a:rPr lang="pt-BR" dirty="0">
                 <a:solidFill>
                   <a:schemeClr val="tx1"/>
                 </a:solidFill>
-              </a:rPr>
-              <a:t>Exemplo:</a:t>
-            </a:r>
-            <a:endParaRPr lang="pt-BR" dirty="0"/>
-          </a:p>
-        </p:txBody>
-      </p:sp>
-      <p:sp>
-        <p:nvSpPr>
-          <p:cNvPr id="5" name="TextBox 4"/>
-          <p:cNvSpPr txBox="1"/>
+                <a:latin typeface="+mn-lt"/>
+              </a:rPr>
+              <a:t> —</a:t>
+            </a:r>
+            <a:r>
+              <a:rPr lang="pt-BR" dirty="0">
+                <a:latin typeface="+mn-lt"/>
+              </a:rPr>
+              <a:t> </a:t>
+            </a:r>
+            <a:r>
+              <a:rPr lang="pt-BR" dirty="0">
+                <a:solidFill>
+                  <a:schemeClr val="tx1"/>
+                </a:solidFill>
+                <a:latin typeface="+mn-lt"/>
+              </a:rPr>
+              <a:t>I</a:t>
+            </a:r>
+            <a:r>
+              <a:rPr lang="pt-BR" dirty="0">
+                <a:solidFill>
+                  <a:schemeClr val="tx1"/>
+                </a:solidFill>
+                <a:latin typeface="+mn-lt"/>
+              </a:rPr>
+              <a:t>mplementa uma forma de construir o produto, parte por parte, seguindo a abstração Builder. ConcreteBuilder guarda a representação do objeto-produto e fornece um método para recuperá-lo, após sua construção</a:t>
+            </a:r>
+          </a:p>
+          <a:p>
+            <a:pPr algn="just"/>
+            <a:endParaRPr lang="pt-BR" dirty="0" smtClean="0">
+              <a:solidFill>
+                <a:schemeClr val="tx1"/>
+              </a:solidFill>
+              <a:latin typeface="+mn-lt"/>
+            </a:endParaRPr>
+          </a:p>
+          <a:p>
+            <a:pPr algn="just"/>
+            <a:endParaRPr lang="pt-BR" dirty="0">
+              <a:latin typeface="+mn-lt"/>
+            </a:endParaRPr>
+          </a:p>
+          <a:p>
+            <a:pPr algn="just"/>
+            <a:endParaRPr lang="pt-BR" dirty="0">
+              <a:latin typeface="+mn-lt"/>
+            </a:endParaRPr>
+          </a:p>
+        </p:txBody>
+      </p:sp>
+      <p:pic>
+        <p:nvPicPr>
+          <p:cNvPr id="4" name="Picture 2" descr="C:\Users\Bruno\Desktop\builder.gif"/>
+          <p:cNvPicPr>
+            <a:picLocks noChangeAspect="1" noChangeArrowheads="1"/>
+          </p:cNvPicPr>
           <p:nvPr/>
-        </p:nvSpPr>
-        <p:spPr>
+        </p:nvPicPr>
+        <p:blipFill>
+          <a:blip r:embed="rId2">
+            <a:extLst>
+              <a:ext uri="{28A0092B-C50C-407E-A947-70E740481C1C}">
+                <a14:useLocalDpi xmlns:a14="http://schemas.microsoft.com/office/drawing/2010/main" val="0"/>
+              </a:ext>
+            </a:extLst>
+          </a:blip>
+          <a:srcRect/>
+          <a:stretch>
+            <a:fillRect/>
+          </a:stretch>
+        </p:blipFill>
+        <p:spPr bwMode="auto">
           <a:xfrm>
-            <a:off x="2411760" y="2060848"/>
-            <a:ext cx="5706976" cy="2954655"/>
+            <a:off x="4067944" y="5013176"/>
+            <a:ext cx="4038600" cy="1704975"/>
           </a:xfrm>
           <a:prstGeom prst="rect">
             <a:avLst/>
           </a:prstGeom>
           <a:noFill/>
+          <a:extLst>
+            <a:ext uri="{909E8E84-426E-40DD-AFC4-6F175D3DCCD1}">
+              <a14:hiddenFill xmlns:a14="http://schemas.microsoft.com/office/drawing/2010/main">
+                <a:solidFill>
+                  <a:srgbClr val="FFFFFF"/>
+                </a:solidFill>
+              </a14:hiddenFill>
+            </a:ext>
+          </a:extLst>
         </p:spPr>
-        <p:txBody>
-          <a:bodyPr wrap="square" rtlCol="0">
-            <a:spAutoFit/>
-          </a:bodyPr>
-          <a:lstStyle/>
-          <a:p>
-            <a:r>
-              <a:rPr lang="pt-BR" sz="2400" b="1" dirty="0">
-                <a:latin typeface="Arial" pitchFamily="34" charset="0"/>
-                <a:cs typeface="Arial" pitchFamily="34" charset="0"/>
-              </a:rPr>
-              <a:t>public class CarroProduct {</a:t>
-            </a:r>
-          </a:p>
-          <a:p>
-            <a:r>
-              <a:rPr lang="pt-BR" sz="2400" b="1" dirty="0">
-                <a:latin typeface="Arial" pitchFamily="34" charset="0"/>
-                <a:cs typeface="Arial" pitchFamily="34" charset="0"/>
-              </a:rPr>
-              <a:t>    double preco;</a:t>
-            </a:r>
-          </a:p>
-          <a:p>
-            <a:r>
-              <a:rPr lang="pt-BR" sz="2400" b="1" dirty="0">
-                <a:latin typeface="Arial" pitchFamily="34" charset="0"/>
-                <a:cs typeface="Arial" pitchFamily="34" charset="0"/>
-              </a:rPr>
-              <a:t>    String dscMotor;</a:t>
-            </a:r>
-          </a:p>
-          <a:p>
-            <a:r>
-              <a:rPr lang="pt-BR" sz="2400" b="1" dirty="0">
-                <a:latin typeface="Arial" pitchFamily="34" charset="0"/>
-                <a:cs typeface="Arial" pitchFamily="34" charset="0"/>
-              </a:rPr>
-              <a:t>    int anoDeFabricacao;</a:t>
-            </a:r>
-          </a:p>
-          <a:p>
-            <a:r>
-              <a:rPr lang="pt-BR" sz="2400" b="1" dirty="0">
-                <a:latin typeface="Arial" pitchFamily="34" charset="0"/>
-                <a:cs typeface="Arial" pitchFamily="34" charset="0"/>
-              </a:rPr>
-              <a:t>    String modelo;</a:t>
-            </a:r>
-          </a:p>
-          <a:p>
-            <a:r>
-              <a:rPr lang="pt-BR" sz="2400" b="1" dirty="0">
-                <a:latin typeface="Arial" pitchFamily="34" charset="0"/>
-                <a:cs typeface="Arial" pitchFamily="34" charset="0"/>
-              </a:rPr>
-              <a:t>    String montadora;</a:t>
-            </a:r>
-          </a:p>
-          <a:p>
-            <a:r>
-              <a:rPr lang="pt-BR" sz="2400" b="1" dirty="0">
-                <a:latin typeface="Arial" pitchFamily="34" charset="0"/>
-                <a:cs typeface="Arial" pitchFamily="34" charset="0"/>
-              </a:rPr>
-              <a:t>}</a:t>
-            </a:r>
-          </a:p>
-          <a:p>
-            <a:endParaRPr lang="pt-BR" dirty="0">
-              <a:latin typeface="Arial" pitchFamily="34" charset="0"/>
-              <a:cs typeface="Arial" pitchFamily="34" charset="0"/>
-            </a:endParaRPr>
-          </a:p>
-        </p:txBody>
-      </p:sp>
+      </p:pic>
     </p:spTree>
     <p:extLst>
       <p:ext uri="{BB962C8B-B14F-4D97-AF65-F5344CB8AC3E}">
-        <p14:creationId xmlns:p14="http://schemas.microsoft.com/office/powerpoint/2010/main" val="2816523631"/>
+        <p14:creationId xmlns:p14="http://schemas.microsoft.com/office/powerpoint/2010/main" val="1213102296"/>
       </p:ext>
     </p:extLst>
   </p:cSld>
   <p:clrMapOvr>
     <a:masterClrMapping/>
   </p:clrMapOvr>
+  <p:timing>
+    <p:tnLst>
+      <p:par>
+        <p:cTn id="1" dur="indefinite" restart="never" nodeType="tmRoot"/>
+      </p:par>
+    </p:tnLst>
+  </p:timing>
 </p:sld>
 </file>
 
@@ -5235,8 +8516,13 @@
           <a:p>
             <a:r>
               <a:rPr lang="pt-BR" dirty="0"/>
+              <a:t>Estrutura </a:t>
+            </a:r>
+            <a:r>
+              <a:rPr lang="pt-BR" dirty="0" err="1"/>
               <a:t>Builder</a:t>
             </a:r>
+            <a:endParaRPr lang="pt-BR" dirty="0"/>
           </a:p>
         </p:txBody>
       </p:sp>
@@ -5249,199 +8535,189 @@
           <p:nvPr>
             <p:ph idx="1"/>
           </p:nvPr>
-        </p:nvSpPr>
-        <p:spPr/>
-        <p:txBody>
-          <a:bodyPr>
-            <a:normAutofit/>
-          </a:bodyPr>
-          <a:lstStyle/>
-          <a:p>
-            <a:r>
-              <a:rPr lang="pt-BR" dirty="0">
-                <a:solidFill>
-                  <a:schemeClr val="tx1"/>
-                </a:solidFill>
-              </a:rPr>
-              <a:t>Exemplo:</a:t>
-            </a:r>
-          </a:p>
-        </p:txBody>
-      </p:sp>
-      <p:sp>
-        <p:nvSpPr>
-          <p:cNvPr id="5" name="TextBox 4"/>
-          <p:cNvSpPr txBox="1"/>
-          <p:nvPr/>
         </p:nvSpPr>
         <p:spPr>
           <a:xfrm>
-            <a:off x="2411760" y="1700808"/>
-            <a:ext cx="5904656" cy="4031873"/>
+            <a:off x="467544" y="1772816"/>
+            <a:ext cx="8229600" cy="4525963"/>
+          </a:xfrm>
+        </p:spPr>
+        <p:txBody>
+          <a:bodyPr>
+            <a:noAutofit/>
+          </a:bodyPr>
+          <a:lstStyle/>
+          <a:p>
+            <a:pPr algn="just"/>
+            <a:r>
+              <a:rPr lang="pt-BR" i="1" dirty="0" smtClean="0">
+                <a:solidFill>
+                  <a:schemeClr val="tx1"/>
+                </a:solidFill>
+                <a:latin typeface="+mn-lt"/>
+              </a:rPr>
+              <a:t>Director</a:t>
+            </a:r>
+            <a:r>
+              <a:rPr lang="pt-BR" dirty="0" smtClean="0">
+                <a:solidFill>
+                  <a:schemeClr val="tx1"/>
+                </a:solidFill>
+                <a:latin typeface="+mn-lt"/>
+              </a:rPr>
+              <a:t> — U</a:t>
+            </a:r>
+            <a:r>
+              <a:rPr lang="pt-BR" dirty="0" smtClean="0">
+                <a:solidFill>
+                  <a:schemeClr val="tx1"/>
+                </a:solidFill>
+                <a:latin typeface="+mn-lt"/>
+              </a:rPr>
+              <a:t>tiliza </a:t>
+            </a:r>
+            <a:r>
+              <a:rPr lang="pt-BR" dirty="0">
+                <a:solidFill>
+                  <a:schemeClr val="tx1"/>
+                </a:solidFill>
+                <a:latin typeface="+mn-lt"/>
+              </a:rPr>
+              <a:t>a interface de Builder para construir um determinado objeto. Em outras palavras, criamos um Director e dizemos a ele qual Builder concreto iremos utilizar para construir o produto</a:t>
+            </a:r>
+            <a:r>
+              <a:rPr lang="pt-BR" dirty="0" smtClean="0">
+                <a:solidFill>
+                  <a:schemeClr val="tx1"/>
+                </a:solidFill>
+                <a:latin typeface="+mn-lt"/>
+              </a:rPr>
+              <a:t>.</a:t>
+            </a:r>
+          </a:p>
+          <a:p>
+            <a:pPr algn="just"/>
+            <a:endParaRPr lang="pt-BR" dirty="0">
+              <a:solidFill>
+                <a:schemeClr val="tx1"/>
+              </a:solidFill>
+              <a:latin typeface="+mn-lt"/>
+            </a:endParaRPr>
+          </a:p>
+          <a:p>
+            <a:pPr algn="just"/>
+            <a:r>
+              <a:rPr lang="pt-BR" i="1" dirty="0">
+                <a:solidFill>
+                  <a:schemeClr val="tx1"/>
+                </a:solidFill>
+                <a:latin typeface="+mn-lt"/>
+              </a:rPr>
+              <a:t>Product</a:t>
+            </a:r>
+            <a:r>
+              <a:rPr lang="pt-BR" dirty="0">
+                <a:solidFill>
+                  <a:schemeClr val="tx1"/>
+                </a:solidFill>
+                <a:latin typeface="+mn-lt"/>
+              </a:rPr>
+              <a:t> — é o objeto-produto da construção “orquestrada” pelo Builder</a:t>
+            </a:r>
+            <a:r>
+              <a:rPr lang="pt-BR" dirty="0">
+                <a:latin typeface="+mn-lt"/>
+              </a:rPr>
+              <a:t>.</a:t>
+            </a:r>
+            <a:endParaRPr lang="pt-BR" i="1" dirty="0">
+              <a:solidFill>
+                <a:schemeClr val="tx1"/>
+              </a:solidFill>
+              <a:latin typeface="+mn-lt"/>
+            </a:endParaRPr>
+          </a:p>
+          <a:p>
+            <a:pPr algn="just"/>
+            <a:endParaRPr lang="pt-BR" dirty="0">
+              <a:solidFill>
+                <a:schemeClr val="tx1"/>
+              </a:solidFill>
+              <a:latin typeface="+mn-lt"/>
+            </a:endParaRPr>
+          </a:p>
+          <a:p>
+            <a:pPr algn="just"/>
+            <a:endParaRPr lang="pt-BR" dirty="0">
+              <a:latin typeface="+mn-lt"/>
+            </a:endParaRPr>
+          </a:p>
+          <a:p>
+            <a:pPr algn="just"/>
+            <a:endParaRPr lang="pt-BR" dirty="0">
+              <a:latin typeface="+mn-lt"/>
+            </a:endParaRPr>
+          </a:p>
+        </p:txBody>
+      </p:sp>
+      <p:pic>
+        <p:nvPicPr>
+          <p:cNvPr id="7170" name="Picture 2" descr="C:\Users\Bruno\Desktop\builder.gif"/>
+          <p:cNvPicPr>
+            <a:picLocks noChangeAspect="1" noChangeArrowheads="1"/>
+          </p:cNvPicPr>
+          <p:nvPr/>
+        </p:nvPicPr>
+        <p:blipFill>
+          <a:blip r:embed="rId2">
+            <a:extLst>
+              <a:ext uri="{28A0092B-C50C-407E-A947-70E740481C1C}">
+                <a14:useLocalDpi xmlns:a14="http://schemas.microsoft.com/office/drawing/2010/main" val="0"/>
+              </a:ext>
+            </a:extLst>
+          </a:blip>
+          <a:srcRect/>
+          <a:stretch>
+            <a:fillRect/>
+          </a:stretch>
+        </p:blipFill>
+        <p:spPr bwMode="auto">
+          <a:xfrm>
+            <a:off x="4067944" y="5013175"/>
+            <a:ext cx="4038600" cy="1704975"/>
           </a:xfrm>
           <a:prstGeom prst="rect">
             <a:avLst/>
           </a:prstGeom>
           <a:noFill/>
+          <a:extLst>
+            <a:ext uri="{909E8E84-426E-40DD-AFC4-6F175D3DCCD1}">
+              <a14:hiddenFill xmlns:a14="http://schemas.microsoft.com/office/drawing/2010/main">
+                <a:solidFill>
+                  <a:srgbClr val="FFFFFF"/>
+                </a:solidFill>
+              </a14:hiddenFill>
+            </a:ext>
+          </a:extLst>
         </p:spPr>
-        <p:txBody>
-          <a:bodyPr wrap="square" rtlCol="0">
-            <a:spAutoFit/>
-          </a:bodyPr>
-          <a:lstStyle/>
-          <a:p>
-            <a:r>
-              <a:rPr lang="pt-BR" sz="1600" b="1" dirty="0">
-                <a:latin typeface="Arial" pitchFamily="34" charset="0"/>
-                <a:cs typeface="Arial" pitchFamily="34" charset="0"/>
-              </a:rPr>
-              <a:t>public abstract class CarroBuilder {</a:t>
-            </a:r>
-          </a:p>
-          <a:p>
-            <a:r>
-              <a:rPr lang="pt-BR" sz="1600" b="1" dirty="0">
-                <a:latin typeface="Arial" pitchFamily="34" charset="0"/>
-                <a:cs typeface="Arial" pitchFamily="34" charset="0"/>
-              </a:rPr>
-              <a:t>    protected CarroProduct carro;</a:t>
-            </a:r>
-          </a:p>
-          <a:p>
-            <a:endParaRPr lang="pt-BR" sz="1600" b="1" dirty="0">
-              <a:latin typeface="Arial" pitchFamily="34" charset="0"/>
-              <a:cs typeface="Arial" pitchFamily="34" charset="0"/>
-            </a:endParaRPr>
-          </a:p>
-          <a:p>
-            <a:r>
-              <a:rPr lang="pt-BR" sz="1600" b="1" dirty="0">
-                <a:latin typeface="Arial" pitchFamily="34" charset="0"/>
-                <a:cs typeface="Arial" pitchFamily="34" charset="0"/>
-              </a:rPr>
-              <a:t>    public CarroBuilder() {</a:t>
-            </a:r>
-          </a:p>
-          <a:p>
-            <a:r>
-              <a:rPr lang="pt-BR" sz="1600" b="1" dirty="0">
-                <a:latin typeface="Arial" pitchFamily="34" charset="0"/>
-                <a:cs typeface="Arial" pitchFamily="34" charset="0"/>
-              </a:rPr>
-              <a:t>        carro = new CarroProduct();</a:t>
-            </a:r>
-          </a:p>
-          <a:p>
-            <a:r>
-              <a:rPr lang="pt-BR" sz="1600" b="1" dirty="0">
-                <a:latin typeface="Arial" pitchFamily="34" charset="0"/>
-                <a:cs typeface="Arial" pitchFamily="34" charset="0"/>
-              </a:rPr>
-              <a:t>    }</a:t>
-            </a:r>
-          </a:p>
-          <a:p>
-            <a:r>
-              <a:rPr lang="pt-BR" sz="1600" b="1" dirty="0">
-                <a:latin typeface="Arial" pitchFamily="34" charset="0"/>
-                <a:cs typeface="Arial" pitchFamily="34" charset="0"/>
-              </a:rPr>
-              <a:t>    public abstract void buildPreco();</a:t>
-            </a:r>
-          </a:p>
-          <a:p>
-            <a:r>
-              <a:rPr lang="pt-BR" sz="1600" b="1" dirty="0">
-                <a:latin typeface="Arial" pitchFamily="34" charset="0"/>
-                <a:cs typeface="Arial" pitchFamily="34" charset="0"/>
-              </a:rPr>
-              <a:t>    public abstract void buildDscMotor();</a:t>
-            </a:r>
-          </a:p>
-          <a:p>
-            <a:r>
-              <a:rPr lang="pt-BR" sz="1600" b="1" dirty="0">
-                <a:latin typeface="Arial" pitchFamily="34" charset="0"/>
-                <a:cs typeface="Arial" pitchFamily="34" charset="0"/>
-              </a:rPr>
-              <a:t>    public abstract void buildAnoDeFabricacao();</a:t>
-            </a:r>
-          </a:p>
-          <a:p>
-            <a:r>
-              <a:rPr lang="pt-BR" sz="1600" b="1" dirty="0">
-                <a:latin typeface="Arial" pitchFamily="34" charset="0"/>
-                <a:cs typeface="Arial" pitchFamily="34" charset="0"/>
-              </a:rPr>
-              <a:t>    public abstract void buildModelo();</a:t>
-            </a:r>
-          </a:p>
-          <a:p>
-            <a:r>
-              <a:rPr lang="pt-BR" sz="1600" b="1" dirty="0">
-                <a:latin typeface="Arial" pitchFamily="34" charset="0"/>
-                <a:cs typeface="Arial" pitchFamily="34" charset="0"/>
-              </a:rPr>
-              <a:t>    public abstract void buildMontadora();</a:t>
-            </a:r>
-          </a:p>
-          <a:p>
-            <a:r>
-              <a:rPr lang="pt-BR" sz="1600" b="1" dirty="0">
-                <a:latin typeface="Arial" pitchFamily="34" charset="0"/>
-                <a:cs typeface="Arial" pitchFamily="34" charset="0"/>
-              </a:rPr>
-              <a:t> </a:t>
-            </a:r>
-          </a:p>
-          <a:p>
-            <a:r>
-              <a:rPr lang="pt-BR" sz="1600" b="1" dirty="0">
-                <a:latin typeface="Arial" pitchFamily="34" charset="0"/>
-                <a:cs typeface="Arial" pitchFamily="34" charset="0"/>
-              </a:rPr>
-              <a:t>    public CarroProduct getCarro() {</a:t>
-            </a:r>
-          </a:p>
-          <a:p>
-            <a:r>
-              <a:rPr lang="pt-BR" sz="1600" b="1" dirty="0">
-                <a:latin typeface="Arial" pitchFamily="34" charset="0"/>
-                <a:cs typeface="Arial" pitchFamily="34" charset="0"/>
-              </a:rPr>
-              <a:t>        return carro;</a:t>
-            </a:r>
-          </a:p>
-          <a:p>
-            <a:r>
-              <a:rPr lang="pt-BR" sz="1600" b="1" dirty="0">
-                <a:latin typeface="Arial" pitchFamily="34" charset="0"/>
-                <a:cs typeface="Arial" pitchFamily="34" charset="0"/>
-              </a:rPr>
-              <a:t>    }</a:t>
-            </a:r>
-          </a:p>
-          <a:p>
-            <a:r>
-              <a:rPr lang="pt-BR" sz="1600" b="1" dirty="0">
-                <a:latin typeface="Arial" pitchFamily="34" charset="0"/>
-                <a:cs typeface="Arial" pitchFamily="34" charset="0"/>
-              </a:rPr>
-              <a:t>}</a:t>
-            </a:r>
-          </a:p>
-        </p:txBody>
-      </p:sp>
+      </p:pic>
     </p:spTree>
     <p:extLst>
       <p:ext uri="{BB962C8B-B14F-4D97-AF65-F5344CB8AC3E}">
-        <p14:creationId xmlns:p14="http://schemas.microsoft.com/office/powerpoint/2010/main" val="3727460716"/>
+        <p14:creationId xmlns:p14="http://schemas.microsoft.com/office/powerpoint/2010/main" val="164940630"/>
       </p:ext>
     </p:extLst>
   </p:cSld>
   <p:clrMapOvr>
     <a:masterClrMapping/>
   </p:clrMapOvr>
+  <p:timing>
+    <p:tnLst>
+      <p:par>
+        <p:cTn id="1" dur="indefinite" restart="never" nodeType="tmRoot"/>
+      </p:par>
+    </p:tnLst>
+  </p:timing>
 </p:sld>
 </file>
 
@@ -5464,6 +8740,29 @@
       </p:grpSpPr>
       <p:sp>
         <p:nvSpPr>
+          <p:cNvPr id="2" name="Title 1"/>
+          <p:cNvSpPr>
+            <a:spLocks noGrp="1"/>
+          </p:cNvSpPr>
+          <p:nvPr>
+            <p:ph type="title"/>
+          </p:nvPr>
+        </p:nvSpPr>
+        <p:spPr/>
+        <p:txBody>
+          <a:bodyPr/>
+          <a:lstStyle/>
+          <a:p>
+            <a:r>
+              <a:rPr lang="pt-BR" dirty="0" smtClean="0"/>
+              <a:t>Exemplo Builder</a:t>
+            </a:r>
+            <a:endParaRPr lang="pt-BR" dirty="0"/>
+          </a:p>
+        </p:txBody>
+      </p:sp>
+      <p:sp>
+        <p:nvSpPr>
           <p:cNvPr id="3" name="Content Placeholder 2"/>
           <p:cNvSpPr>
             <a:spLocks noGrp="1"/>
@@ -5474,710 +8773,123 @@
         </p:nvSpPr>
         <p:spPr>
           <a:xfrm>
-            <a:off x="395536" y="1844824"/>
-            <a:ext cx="4104456" cy="4824536"/>
+            <a:off x="457200" y="1600201"/>
+            <a:ext cx="8229600" cy="1180728"/>
           </a:xfrm>
         </p:spPr>
         <p:txBody>
           <a:bodyPr>
-            <a:normAutofit fontScale="25000" lnSpcReduction="20000"/>
+            <a:normAutofit fontScale="70000" lnSpcReduction="20000"/>
           </a:bodyPr>
           <a:lstStyle/>
           <a:p>
-            <a:pPr marL="0" indent="0">
-              <a:buNone/>
-            </a:pPr>
-            <a:r>
-              <a:rPr lang="pt-BR" sz="5600" b="1" dirty="0">
-                <a:solidFill>
-                  <a:schemeClr val="tx1"/>
-                </a:solidFill>
-                <a:latin typeface="Arial" pitchFamily="34" charset="0"/>
-                <a:cs typeface="Arial" pitchFamily="34" charset="0"/>
-              </a:rPr>
-              <a:t>public class FiatBuilder extends CarroBuilder {</a:t>
-            </a:r>
-          </a:p>
-          <a:p>
-            <a:pPr marL="0" indent="0">
-              <a:buNone/>
-            </a:pPr>
-            <a:r>
-              <a:rPr lang="pt-BR" sz="5600" b="1" dirty="0">
-                <a:solidFill>
-                  <a:schemeClr val="tx1"/>
-                </a:solidFill>
-                <a:latin typeface="Arial" pitchFamily="34" charset="0"/>
-                <a:cs typeface="Arial" pitchFamily="34" charset="0"/>
-              </a:rPr>
-              <a:t> </a:t>
-            </a:r>
-          </a:p>
-          <a:p>
-            <a:pPr marL="0" indent="0">
-              <a:buNone/>
-            </a:pPr>
-            <a:r>
-              <a:rPr lang="pt-BR" sz="5600" b="1" dirty="0">
-                <a:solidFill>
-                  <a:schemeClr val="tx1"/>
-                </a:solidFill>
-                <a:latin typeface="Arial" pitchFamily="34" charset="0"/>
-                <a:cs typeface="Arial" pitchFamily="34" charset="0"/>
-              </a:rPr>
-              <a:t>    @Override</a:t>
-            </a:r>
-          </a:p>
-          <a:p>
-            <a:pPr marL="0" indent="0">
-              <a:buNone/>
-            </a:pPr>
-            <a:r>
-              <a:rPr lang="pt-BR" sz="5600" b="1" dirty="0">
-                <a:solidFill>
-                  <a:schemeClr val="tx1"/>
-                </a:solidFill>
-                <a:latin typeface="Arial" pitchFamily="34" charset="0"/>
-                <a:cs typeface="Arial" pitchFamily="34" charset="0"/>
-              </a:rPr>
-              <a:t>    public void buildPreco() {</a:t>
-            </a:r>
-          </a:p>
-          <a:p>
-            <a:pPr marL="0" indent="0">
-              <a:buNone/>
-            </a:pPr>
-            <a:r>
-              <a:rPr lang="pt-BR" sz="5600" b="1" dirty="0">
-                <a:solidFill>
-                  <a:schemeClr val="tx1"/>
-                </a:solidFill>
-                <a:latin typeface="Arial" pitchFamily="34" charset="0"/>
-                <a:cs typeface="Arial" pitchFamily="34" charset="0"/>
-              </a:rPr>
-              <a:t>        // Operação complexa. </a:t>
-            </a:r>
-          </a:p>
-          <a:p>
-            <a:pPr marL="0" indent="0">
-              <a:buNone/>
-            </a:pPr>
-            <a:r>
-              <a:rPr lang="pt-BR" sz="5600" b="1" dirty="0">
-                <a:solidFill>
-                  <a:schemeClr val="tx1"/>
-                </a:solidFill>
-                <a:latin typeface="Arial" pitchFamily="34" charset="0"/>
-                <a:cs typeface="Arial" pitchFamily="34" charset="0"/>
-              </a:rPr>
-              <a:t>        carro.preco = 25000.00;</a:t>
-            </a:r>
-          </a:p>
-          <a:p>
-            <a:pPr marL="0" indent="0">
-              <a:buNone/>
-            </a:pPr>
-            <a:r>
-              <a:rPr lang="pt-BR" sz="5600" b="1" dirty="0">
-                <a:solidFill>
-                  <a:schemeClr val="tx1"/>
-                </a:solidFill>
-                <a:latin typeface="Arial" pitchFamily="34" charset="0"/>
-                <a:cs typeface="Arial" pitchFamily="34" charset="0"/>
-              </a:rPr>
-              <a:t>    }</a:t>
-            </a:r>
-          </a:p>
-          <a:p>
-            <a:pPr marL="0" indent="0">
-              <a:buNone/>
-            </a:pPr>
-            <a:r>
-              <a:rPr lang="pt-BR" sz="5600" b="1" dirty="0">
-                <a:solidFill>
-                  <a:schemeClr val="tx1"/>
-                </a:solidFill>
-                <a:latin typeface="Arial" pitchFamily="34" charset="0"/>
-                <a:cs typeface="Arial" pitchFamily="34" charset="0"/>
-              </a:rPr>
-              <a:t> </a:t>
-            </a:r>
-          </a:p>
-          <a:p>
-            <a:pPr marL="0" indent="0">
-              <a:buNone/>
-            </a:pPr>
-            <a:r>
-              <a:rPr lang="pt-BR" sz="5600" b="1" dirty="0">
-                <a:solidFill>
-                  <a:schemeClr val="tx1"/>
-                </a:solidFill>
-                <a:latin typeface="Arial" pitchFamily="34" charset="0"/>
-                <a:cs typeface="Arial" pitchFamily="34" charset="0"/>
-              </a:rPr>
-              <a:t>    @Override</a:t>
-            </a:r>
-          </a:p>
-          <a:p>
-            <a:pPr marL="0" indent="0">
-              <a:buNone/>
-            </a:pPr>
-            <a:r>
-              <a:rPr lang="pt-BR" sz="5600" b="1" dirty="0">
-                <a:solidFill>
-                  <a:schemeClr val="tx1"/>
-                </a:solidFill>
-                <a:latin typeface="Arial" pitchFamily="34" charset="0"/>
-                <a:cs typeface="Arial" pitchFamily="34" charset="0"/>
-              </a:rPr>
-              <a:t>    public void buildDscMotor() {</a:t>
-            </a:r>
-          </a:p>
-          <a:p>
-            <a:pPr marL="0" indent="0">
-              <a:buNone/>
-            </a:pPr>
-            <a:r>
-              <a:rPr lang="pt-BR" sz="5600" b="1" dirty="0">
-                <a:solidFill>
-                  <a:schemeClr val="tx1"/>
-                </a:solidFill>
-                <a:latin typeface="Arial" pitchFamily="34" charset="0"/>
-                <a:cs typeface="Arial" pitchFamily="34" charset="0"/>
-              </a:rPr>
-              <a:t>        // Operação complexa.</a:t>
-            </a:r>
-          </a:p>
-          <a:p>
-            <a:pPr marL="0" indent="0">
-              <a:buNone/>
-            </a:pPr>
-            <a:r>
-              <a:rPr lang="pt-BR" sz="5600" b="1" dirty="0">
-                <a:solidFill>
-                  <a:schemeClr val="tx1"/>
-                </a:solidFill>
-                <a:latin typeface="Arial" pitchFamily="34" charset="0"/>
-                <a:cs typeface="Arial" pitchFamily="34" charset="0"/>
-              </a:rPr>
-              <a:t>        carro.dscMotor = "Fire Flex 1.0";</a:t>
-            </a:r>
-          </a:p>
-          <a:p>
-            <a:pPr marL="0" indent="0">
-              <a:buNone/>
-            </a:pPr>
-            <a:r>
-              <a:rPr lang="pt-BR" sz="5600" b="1" dirty="0">
-                <a:solidFill>
-                  <a:schemeClr val="tx1"/>
-                </a:solidFill>
-                <a:latin typeface="Arial" pitchFamily="34" charset="0"/>
-                <a:cs typeface="Arial" pitchFamily="34" charset="0"/>
-              </a:rPr>
-              <a:t>    }</a:t>
-            </a:r>
-          </a:p>
-          <a:p>
-            <a:pPr marL="0" indent="0">
-              <a:buNone/>
-            </a:pPr>
-            <a:r>
-              <a:rPr lang="pt-BR" sz="5600" b="1" dirty="0">
-                <a:solidFill>
-                  <a:schemeClr val="tx1"/>
-                </a:solidFill>
-                <a:latin typeface="Arial" pitchFamily="34" charset="0"/>
-                <a:cs typeface="Arial" pitchFamily="34" charset="0"/>
-              </a:rPr>
-              <a:t> </a:t>
-            </a:r>
-          </a:p>
-          <a:p>
-            <a:pPr marL="0" indent="0">
-              <a:buNone/>
-            </a:pPr>
-            <a:r>
-              <a:rPr lang="pt-BR" sz="5600" b="1" dirty="0">
-                <a:solidFill>
-                  <a:schemeClr val="tx1"/>
-                </a:solidFill>
-                <a:latin typeface="Arial" pitchFamily="34" charset="0"/>
-                <a:cs typeface="Arial" pitchFamily="34" charset="0"/>
-              </a:rPr>
-              <a:t>    @Override</a:t>
-            </a:r>
-          </a:p>
-          <a:p>
-            <a:pPr marL="0" indent="0">
-              <a:buNone/>
-            </a:pPr>
-            <a:r>
-              <a:rPr lang="pt-BR" sz="5600" b="1" dirty="0">
-                <a:solidFill>
-                  <a:schemeClr val="tx1"/>
-                </a:solidFill>
-                <a:latin typeface="Arial" pitchFamily="34" charset="0"/>
-                <a:cs typeface="Arial" pitchFamily="34" charset="0"/>
-              </a:rPr>
-              <a:t>    public void buildAnoDeFabricacao() {</a:t>
-            </a:r>
-          </a:p>
-          <a:p>
-            <a:pPr marL="0" indent="0">
-              <a:buNone/>
-            </a:pPr>
-            <a:r>
-              <a:rPr lang="pt-BR" sz="5600" b="1" dirty="0">
-                <a:solidFill>
-                  <a:schemeClr val="tx1"/>
-                </a:solidFill>
-                <a:latin typeface="Arial" pitchFamily="34" charset="0"/>
-                <a:cs typeface="Arial" pitchFamily="34" charset="0"/>
-              </a:rPr>
-              <a:t>        // Operação complexa.</a:t>
-            </a:r>
-          </a:p>
-          <a:p>
-            <a:pPr marL="0" indent="0">
-              <a:buNone/>
-            </a:pPr>
-            <a:r>
-              <a:rPr lang="pt-BR" sz="5600" b="1" dirty="0">
-                <a:solidFill>
-                  <a:schemeClr val="tx1"/>
-                </a:solidFill>
-                <a:latin typeface="Arial" pitchFamily="34" charset="0"/>
-                <a:cs typeface="Arial" pitchFamily="34" charset="0"/>
-              </a:rPr>
-              <a:t>        carro.anoDeFabricacao = 2011;</a:t>
-            </a:r>
-          </a:p>
-          <a:p>
-            <a:pPr marL="0" indent="0">
-              <a:buNone/>
-            </a:pPr>
-            <a:r>
-              <a:rPr lang="pt-BR" sz="5600" b="1" dirty="0">
-                <a:solidFill>
-                  <a:schemeClr val="tx1"/>
-                </a:solidFill>
-                <a:latin typeface="Arial" pitchFamily="34" charset="0"/>
-                <a:cs typeface="Arial" pitchFamily="34" charset="0"/>
-              </a:rPr>
-              <a:t>    } </a:t>
-            </a:r>
             <a:endParaRPr lang="pt-BR" dirty="0">
-              <a:latin typeface="Arial" pitchFamily="34" charset="0"/>
-              <a:cs typeface="Arial" pitchFamily="34" charset="0"/>
+              <a:solidFill>
+                <a:schemeClr val="tx1"/>
+              </a:solidFill>
+              <a:latin typeface="+mn-lt"/>
             </a:endParaRPr>
           </a:p>
-        </p:txBody>
-      </p:sp>
-      <p:sp>
-        <p:nvSpPr>
-          <p:cNvPr id="5" name="Title 1"/>
-          <p:cNvSpPr>
-            <a:spLocks noGrp="1"/>
-          </p:cNvSpPr>
-          <p:nvPr>
-            <p:ph type="title"/>
-          </p:nvPr>
-        </p:nvSpPr>
-        <p:spPr>
+          <a:p>
+            <a:r>
+              <a:rPr lang="pt-BR" dirty="0">
+                <a:solidFill>
+                  <a:schemeClr val="tx1"/>
+                </a:solidFill>
+                <a:latin typeface="+mn-lt"/>
+              </a:rPr>
+              <a:t>Vamos começar definindo a interface para criação do produto. Chamamos este builder abstrato de CriadorDeGuerreiro e o produto será, obviamente, um Guerreiro, que será criado com espada, armadura e arco.</a:t>
+            </a:r>
+            <a:endParaRPr lang="pt-BR" dirty="0">
+              <a:solidFill>
+                <a:schemeClr val="tx1"/>
+              </a:solidFill>
+              <a:latin typeface="+mn-lt"/>
+            </a:endParaRPr>
+          </a:p>
+        </p:txBody>
+      </p:sp>
+      <p:pic>
+        <p:nvPicPr>
+          <p:cNvPr id="8194" name="Picture 2"/>
+          <p:cNvPicPr>
+            <a:picLocks noChangeAspect="1" noChangeArrowheads="1"/>
+          </p:cNvPicPr>
+          <p:nvPr/>
+        </p:nvPicPr>
+        <p:blipFill>
+          <a:blip r:embed="rId2">
+            <a:extLst>
+              <a:ext uri="{28A0092B-C50C-407E-A947-70E740481C1C}">
+                <a14:useLocalDpi xmlns:a14="http://schemas.microsoft.com/office/drawing/2010/main" val="0"/>
+              </a:ext>
+            </a:extLst>
+          </a:blip>
+          <a:srcRect/>
+          <a:stretch>
+            <a:fillRect/>
+          </a:stretch>
+        </p:blipFill>
+        <p:spPr bwMode="auto">
           <a:xfrm>
-            <a:off x="457200" y="0"/>
-            <a:ext cx="8229600" cy="1600200"/>
-          </a:xfrm>
-        </p:spPr>
-        <p:txBody>
-          <a:bodyPr/>
-          <a:lstStyle/>
-          <a:p>
-            <a:r>
-              <a:rPr lang="pt-BR" dirty="0"/>
-              <a:t>Concrete Builder</a:t>
-            </a:r>
-          </a:p>
-        </p:txBody>
-      </p:sp>
-      <p:sp>
-        <p:nvSpPr>
-          <p:cNvPr id="6" name="Content Placeholder 2"/>
-          <p:cNvSpPr txBox="1">
-            <a:spLocks/>
-          </p:cNvSpPr>
-          <p:nvPr/>
-        </p:nvSpPr>
-        <p:spPr>
-          <a:xfrm>
-            <a:off x="4788024" y="1844824"/>
-            <a:ext cx="4104456" cy="4824536"/>
+            <a:off x="842567" y="3031596"/>
+            <a:ext cx="7605812" cy="2821682"/>
           </a:xfrm>
           <a:prstGeom prst="rect">
             <a:avLst/>
           </a:prstGeom>
+          <a:noFill/>
+          <a:ln>
+            <a:noFill/>
+          </a:ln>
+          <a:effectLst/>
+          <a:extLst>
+            <a:ext uri="{909E8E84-426E-40DD-AFC4-6F175D3DCCD1}">
+              <a14:hiddenFill xmlns:a14="http://schemas.microsoft.com/office/drawing/2010/main">
+                <a:solidFill>
+                  <a:schemeClr val="accent1"/>
+                </a:solidFill>
+              </a14:hiddenFill>
+            </a:ext>
+            <a:ext uri="{91240B29-F687-4F45-9708-019B960494DF}">
+              <a14:hiddenLine xmlns:a14="http://schemas.microsoft.com/office/drawing/2010/main" w="9525">
+                <a:solidFill>
+                  <a:schemeClr val="tx1"/>
+                </a:solidFill>
+                <a:miter lim="800000"/>
+                <a:headEnd/>
+                <a:tailEnd/>
+              </a14:hiddenLine>
+            </a:ext>
+            <a:ext uri="{AF507438-7753-43E0-B8FC-AC1667EBCBE1}">
+              <a14:hiddenEffects xmlns:a14="http://schemas.microsoft.com/office/drawing/2010/main">
+                <a:effectLst>
+                  <a:outerShdw dist="35921" dir="2700000" algn="ctr" rotWithShape="0">
+                    <a:schemeClr val="bg2"/>
+                  </a:outerShdw>
+                </a:effectLst>
+              </a14:hiddenEffects>
+            </a:ext>
+          </a:extLst>
         </p:spPr>
-        <p:txBody>
-          <a:bodyPr vert="horz" lIns="91440" tIns="45720" rIns="91440" bIns="45720" rtlCol="0">
-            <a:normAutofit/>
-          </a:bodyPr>
-          <a:lstStyle>
-            <a:lvl1pPr marL="342900" indent="-342900" algn="l" defTabSz="914400" rtl="0" eaLnBrk="1" latinLnBrk="0" hangingPunct="1">
-              <a:spcBef>
-                <a:spcPct val="20000"/>
-              </a:spcBef>
-              <a:buFont typeface="Arial" pitchFamily="34" charset="0"/>
-              <a:buChar char="•"/>
-              <a:defRPr sz="2400" kern="1200">
-                <a:solidFill>
-                  <a:schemeClr val="tx1">
-                    <a:lumMod val="50000"/>
-                    <a:lumOff val="50000"/>
-                  </a:schemeClr>
-                </a:solidFill>
-                <a:latin typeface="+mj-lt"/>
-                <a:ea typeface="+mn-ea"/>
-                <a:cs typeface="+mn-cs"/>
-              </a:defRPr>
-            </a:lvl1pPr>
-            <a:lvl2pPr marL="742950" indent="-285750" algn="l" defTabSz="914400" rtl="0" eaLnBrk="1" latinLnBrk="0" hangingPunct="1">
-              <a:spcBef>
-                <a:spcPct val="20000"/>
-              </a:spcBef>
-              <a:buFont typeface="Courier New" pitchFamily="49" charset="0"/>
-              <a:buChar char="o"/>
-              <a:defRPr sz="1600" kern="1200">
-                <a:solidFill>
-                  <a:schemeClr val="tx1">
-                    <a:lumMod val="50000"/>
-                    <a:lumOff val="50000"/>
-                  </a:schemeClr>
-                </a:solidFill>
-                <a:latin typeface="+mj-lt"/>
-                <a:ea typeface="+mn-ea"/>
-                <a:cs typeface="+mn-cs"/>
-              </a:defRPr>
-            </a:lvl2pPr>
-            <a:lvl3pPr marL="1143000" indent="-228600" algn="l" defTabSz="914400" rtl="0" eaLnBrk="1" latinLnBrk="0" hangingPunct="1">
-              <a:spcBef>
-                <a:spcPct val="20000"/>
-              </a:spcBef>
-              <a:buFont typeface="Arial" pitchFamily="34" charset="0"/>
-              <a:buChar char="•"/>
-              <a:defRPr sz="1600" kern="1200">
-                <a:solidFill>
-                  <a:schemeClr val="tx1">
-                    <a:lumMod val="50000"/>
-                    <a:lumOff val="50000"/>
-                  </a:schemeClr>
-                </a:solidFill>
-                <a:latin typeface="+mj-lt"/>
-                <a:ea typeface="+mn-ea"/>
-                <a:cs typeface="+mn-cs"/>
-              </a:defRPr>
-            </a:lvl3pPr>
-            <a:lvl4pPr marL="1600200" indent="-228600" algn="l" defTabSz="914400" rtl="0" eaLnBrk="1" latinLnBrk="0" hangingPunct="1">
-              <a:spcBef>
-                <a:spcPct val="20000"/>
-              </a:spcBef>
-              <a:buFont typeface="Courier New" pitchFamily="49" charset="0"/>
-              <a:buChar char="o"/>
-              <a:defRPr sz="1600" kern="1200">
-                <a:solidFill>
-                  <a:schemeClr val="tx1">
-                    <a:lumMod val="50000"/>
-                    <a:lumOff val="50000"/>
-                  </a:schemeClr>
-                </a:solidFill>
-                <a:latin typeface="+mj-lt"/>
-                <a:ea typeface="+mn-ea"/>
-                <a:cs typeface="+mn-cs"/>
-              </a:defRPr>
-            </a:lvl4pPr>
-            <a:lvl5pPr marL="2057400" indent="-228600" algn="l" defTabSz="914400" rtl="0" eaLnBrk="1" latinLnBrk="0" hangingPunct="1">
-              <a:spcBef>
-                <a:spcPct val="20000"/>
-              </a:spcBef>
-              <a:buFont typeface="Arial" pitchFamily="34" charset="0"/>
-              <a:buChar char="•"/>
-              <a:defRPr sz="1600" kern="1200">
-                <a:solidFill>
-                  <a:schemeClr val="tx1">
-                    <a:lumMod val="50000"/>
-                    <a:lumOff val="50000"/>
-                  </a:schemeClr>
-                </a:solidFill>
-                <a:latin typeface="+mj-lt"/>
-                <a:ea typeface="+mn-ea"/>
-                <a:cs typeface="+mn-cs"/>
-              </a:defRPr>
-            </a:lvl5pPr>
-            <a:lvl6pPr marL="2514600" indent="-228600" algn="l" defTabSz="914400" rtl="0" eaLnBrk="1" latinLnBrk="0" hangingPunct="1">
-              <a:spcBef>
-                <a:spcPct val="20000"/>
-              </a:spcBef>
-              <a:buFont typeface="Courier New" pitchFamily="49" charset="0"/>
-              <a:buChar char="o"/>
-              <a:defRPr sz="1600" kern="1200">
-                <a:solidFill>
-                  <a:schemeClr val="tx1">
-                    <a:lumMod val="50000"/>
-                    <a:lumOff val="50000"/>
-                  </a:schemeClr>
-                </a:solidFill>
-                <a:latin typeface="+mj-lt"/>
-                <a:ea typeface="+mn-ea"/>
-                <a:cs typeface="+mn-cs"/>
-              </a:defRPr>
-            </a:lvl6pPr>
-            <a:lvl7pPr marL="2971800" indent="-228600" algn="l" defTabSz="914400" rtl="0" eaLnBrk="1" latinLnBrk="0" hangingPunct="1">
-              <a:spcBef>
-                <a:spcPct val="20000"/>
-              </a:spcBef>
-              <a:buFont typeface="Arial" pitchFamily="34" charset="0"/>
-              <a:buChar char="•"/>
-              <a:defRPr sz="1600" kern="1200">
-                <a:solidFill>
-                  <a:schemeClr val="tx1">
-                    <a:lumMod val="50000"/>
-                    <a:lumOff val="50000"/>
-                  </a:schemeClr>
-                </a:solidFill>
-                <a:latin typeface="+mj-lt"/>
-                <a:ea typeface="+mn-ea"/>
-                <a:cs typeface="+mn-cs"/>
-              </a:defRPr>
-            </a:lvl7pPr>
-            <a:lvl8pPr marL="3429000" indent="-228600" algn="l" defTabSz="914400" rtl="0" eaLnBrk="1" latinLnBrk="0" hangingPunct="1">
-              <a:spcBef>
-                <a:spcPct val="20000"/>
-              </a:spcBef>
-              <a:buFont typeface="Courier New" pitchFamily="49" charset="0"/>
-              <a:buChar char="o"/>
-              <a:defRPr sz="1600" kern="1200">
-                <a:solidFill>
-                  <a:schemeClr val="tx1">
-                    <a:lumMod val="50000"/>
-                    <a:lumOff val="50000"/>
-                  </a:schemeClr>
-                </a:solidFill>
-                <a:latin typeface="+mj-lt"/>
-                <a:ea typeface="+mn-ea"/>
-                <a:cs typeface="+mn-cs"/>
-              </a:defRPr>
-            </a:lvl8pPr>
-            <a:lvl9pPr marL="3886200" indent="-228600" algn="l" defTabSz="914400" rtl="0" eaLnBrk="1" latinLnBrk="0" hangingPunct="1">
-              <a:spcBef>
-                <a:spcPct val="20000"/>
-              </a:spcBef>
-              <a:buFont typeface="Arial" pitchFamily="34" charset="0"/>
-              <a:buChar char="•"/>
-              <a:defRPr sz="1600" kern="1200">
-                <a:solidFill>
-                  <a:schemeClr val="tx1">
-                    <a:lumMod val="50000"/>
-                    <a:lumOff val="50000"/>
-                  </a:schemeClr>
-                </a:solidFill>
-                <a:latin typeface="+mj-lt"/>
-                <a:ea typeface="+mn-ea"/>
-                <a:cs typeface="+mn-cs"/>
-              </a:defRPr>
-            </a:lvl9pPr>
-          </a:lstStyle>
-          <a:p>
-            <a:pPr marL="0" indent="0">
-              <a:buNone/>
-            </a:pPr>
-            <a:r>
-              <a:rPr lang="pt-BR" sz="1400" b="1" dirty="0">
-                <a:solidFill>
-                  <a:schemeClr val="tx1"/>
-                </a:solidFill>
-                <a:latin typeface="Arial" pitchFamily="34" charset="0"/>
-                <a:cs typeface="Arial" pitchFamily="34" charset="0"/>
-              </a:rPr>
-              <a:t> @Override</a:t>
-            </a:r>
-          </a:p>
-          <a:p>
-            <a:pPr marL="0" indent="0">
-              <a:buNone/>
-            </a:pPr>
-            <a:r>
-              <a:rPr lang="pt-BR" sz="1400" b="1" dirty="0">
-                <a:solidFill>
-                  <a:schemeClr val="tx1"/>
-                </a:solidFill>
-                <a:latin typeface="Arial" pitchFamily="34" charset="0"/>
-                <a:cs typeface="Arial" pitchFamily="34" charset="0"/>
-              </a:rPr>
-              <a:t>    public void buildModelo() {</a:t>
-            </a:r>
-          </a:p>
-          <a:p>
-            <a:pPr marL="0" indent="0">
-              <a:buNone/>
-            </a:pPr>
-            <a:r>
-              <a:rPr lang="pt-BR" sz="1400" b="1" dirty="0">
-                <a:solidFill>
-                  <a:schemeClr val="tx1"/>
-                </a:solidFill>
-                <a:latin typeface="Arial" pitchFamily="34" charset="0"/>
-                <a:cs typeface="Arial" pitchFamily="34" charset="0"/>
-              </a:rPr>
-              <a:t>        // Operação complexa.</a:t>
-            </a:r>
-          </a:p>
-          <a:p>
-            <a:pPr marL="0" indent="0">
-              <a:buNone/>
-            </a:pPr>
-            <a:r>
-              <a:rPr lang="pt-BR" sz="1400" b="1" dirty="0">
-                <a:solidFill>
-                  <a:schemeClr val="tx1"/>
-                </a:solidFill>
-                <a:latin typeface="Arial" pitchFamily="34" charset="0"/>
-                <a:cs typeface="Arial" pitchFamily="34" charset="0"/>
-              </a:rPr>
-              <a:t>        carro.modelo = "Palio";</a:t>
-            </a:r>
-          </a:p>
-          <a:p>
-            <a:pPr marL="0" indent="0">
-              <a:buNone/>
-            </a:pPr>
-            <a:r>
-              <a:rPr lang="pt-BR" sz="1400" b="1" dirty="0">
-                <a:solidFill>
-                  <a:schemeClr val="tx1"/>
-                </a:solidFill>
-                <a:latin typeface="Arial" pitchFamily="34" charset="0"/>
-                <a:cs typeface="Arial" pitchFamily="34" charset="0"/>
-              </a:rPr>
-              <a:t>    }</a:t>
-            </a:r>
-          </a:p>
-          <a:p>
-            <a:pPr marL="0" indent="0">
-              <a:buNone/>
-            </a:pPr>
-            <a:r>
-              <a:rPr lang="pt-BR" sz="1400" b="1" dirty="0">
-                <a:solidFill>
-                  <a:schemeClr val="tx1"/>
-                </a:solidFill>
-                <a:latin typeface="Arial" pitchFamily="34" charset="0"/>
-                <a:cs typeface="Arial" pitchFamily="34" charset="0"/>
-              </a:rPr>
-              <a:t> </a:t>
-            </a:r>
-          </a:p>
-          <a:p>
-            <a:pPr marL="0" indent="0">
-              <a:buNone/>
-            </a:pPr>
-            <a:r>
-              <a:rPr lang="pt-BR" sz="1400" b="1" dirty="0">
-                <a:solidFill>
-                  <a:schemeClr val="tx1"/>
-                </a:solidFill>
-                <a:latin typeface="Arial" pitchFamily="34" charset="0"/>
-                <a:cs typeface="Arial" pitchFamily="34" charset="0"/>
-              </a:rPr>
-              <a:t>    @Override</a:t>
-            </a:r>
-          </a:p>
-          <a:p>
-            <a:pPr marL="0" indent="0">
-              <a:buNone/>
-            </a:pPr>
-            <a:r>
-              <a:rPr lang="pt-BR" sz="1400" b="1" dirty="0">
-                <a:solidFill>
-                  <a:schemeClr val="tx1"/>
-                </a:solidFill>
-                <a:latin typeface="Arial" pitchFamily="34" charset="0"/>
-                <a:cs typeface="Arial" pitchFamily="34" charset="0"/>
-              </a:rPr>
-              <a:t>    public void buildMontadora() {</a:t>
-            </a:r>
-          </a:p>
-          <a:p>
-            <a:pPr marL="0" indent="0">
-              <a:buNone/>
-            </a:pPr>
-            <a:r>
-              <a:rPr lang="pt-BR" sz="1400" b="1" dirty="0">
-                <a:solidFill>
-                  <a:schemeClr val="tx1"/>
-                </a:solidFill>
-                <a:latin typeface="Arial" pitchFamily="34" charset="0"/>
-                <a:cs typeface="Arial" pitchFamily="34" charset="0"/>
-              </a:rPr>
-              <a:t>        // Operação complexa.</a:t>
-            </a:r>
-          </a:p>
-          <a:p>
-            <a:pPr marL="0" indent="0">
-              <a:buNone/>
-            </a:pPr>
-            <a:r>
-              <a:rPr lang="pt-BR" sz="1400" b="1" dirty="0">
-                <a:solidFill>
-                  <a:schemeClr val="tx1"/>
-                </a:solidFill>
-                <a:latin typeface="Arial" pitchFamily="34" charset="0"/>
-                <a:cs typeface="Arial" pitchFamily="34" charset="0"/>
-              </a:rPr>
-              <a:t>        carro.montadora = "Fiat";</a:t>
-            </a:r>
-          </a:p>
-          <a:p>
-            <a:pPr marL="0" indent="0">
-              <a:buNone/>
-            </a:pPr>
-            <a:r>
-              <a:rPr lang="pt-BR" sz="1400" b="1" dirty="0">
-                <a:solidFill>
-                  <a:schemeClr val="tx1"/>
-                </a:solidFill>
-                <a:latin typeface="Arial" pitchFamily="34" charset="0"/>
-                <a:cs typeface="Arial" pitchFamily="34" charset="0"/>
-              </a:rPr>
-              <a:t>    }</a:t>
-            </a:r>
-          </a:p>
-          <a:p>
-            <a:pPr marL="0" indent="0">
-              <a:buNone/>
-            </a:pPr>
-            <a:r>
-              <a:rPr lang="pt-BR" sz="1400" b="1" dirty="0">
-                <a:solidFill>
-                  <a:schemeClr val="tx1"/>
-                </a:solidFill>
-                <a:latin typeface="Arial" pitchFamily="34" charset="0"/>
-                <a:cs typeface="Arial" pitchFamily="34" charset="0"/>
-              </a:rPr>
-              <a:t>}</a:t>
-            </a:r>
-          </a:p>
-        </p:txBody>
-      </p:sp>
+      </p:pic>
     </p:spTree>
     <p:extLst>
       <p:ext uri="{BB962C8B-B14F-4D97-AF65-F5344CB8AC3E}">
-        <p14:creationId xmlns:p14="http://schemas.microsoft.com/office/powerpoint/2010/main" val="3817821221"/>
+        <p14:creationId xmlns:p14="http://schemas.microsoft.com/office/powerpoint/2010/main" val="2816523631"/>
       </p:ext>
     </p:extLst>
   </p:cSld>
   <p:clrMapOvr>
     <a:masterClrMapping/>
   </p:clrMapOvr>
+  <p:timing>
+    <p:tnLst>
+      <p:par>
+        <p:cTn id="1" dur="indefinite" restart="never" nodeType="tmRoot"/>
+      </p:par>
+    </p:tnLst>
+  </p:timing>
 </p:sld>
 </file>
 
@@ -6200,349 +8912,108 @@
       </p:grpSpPr>
       <p:sp>
         <p:nvSpPr>
-          <p:cNvPr id="3" name="Content Placeholder 2"/>
-          <p:cNvSpPr>
-            <a:spLocks noGrp="1"/>
-          </p:cNvSpPr>
-          <p:nvPr>
-            <p:ph idx="1"/>
-          </p:nvPr>
-        </p:nvSpPr>
-        <p:spPr>
+          <p:cNvPr id="2" name="Title 1"/>
+          <p:cNvSpPr>
+            <a:spLocks noGrp="1"/>
+          </p:cNvSpPr>
+          <p:nvPr>
+            <p:ph type="title"/>
+          </p:nvPr>
+        </p:nvSpPr>
+        <p:spPr/>
+        <p:txBody>
+          <a:bodyPr/>
+          <a:lstStyle/>
+          <a:p>
+            <a:r>
+              <a:rPr lang="pt-BR" dirty="0" smtClean="0"/>
+              <a:t>Exemplo Builder</a:t>
+            </a:r>
+            <a:endParaRPr lang="pt-BR" dirty="0"/>
+          </a:p>
+        </p:txBody>
+      </p:sp>
+      <p:pic>
+        <p:nvPicPr>
+          <p:cNvPr id="9218" name="Picture 2"/>
+          <p:cNvPicPr>
+            <a:picLocks noChangeAspect="1" noChangeArrowheads="1"/>
+          </p:cNvPicPr>
+          <p:nvPr/>
+        </p:nvPicPr>
+        <p:blipFill>
+          <a:blip r:embed="rId2">
+            <a:extLst>
+              <a:ext uri="{28A0092B-C50C-407E-A947-70E740481C1C}">
+                <a14:useLocalDpi xmlns:a14="http://schemas.microsoft.com/office/drawing/2010/main" val="0"/>
+              </a:ext>
+            </a:extLst>
+          </a:blip>
+          <a:srcRect/>
+          <a:stretch>
+            <a:fillRect/>
+          </a:stretch>
+        </p:blipFill>
+        <p:spPr bwMode="auto">
           <a:xfrm>
-            <a:off x="755576" y="1412776"/>
-            <a:ext cx="8229600" cy="6669360"/>
+            <a:off x="1259632" y="1700808"/>
+            <a:ext cx="6840760" cy="4812535"/>
           </a:xfrm>
+          <a:prstGeom prst="rect">
+            <a:avLst/>
+          </a:prstGeom>
+          <a:noFill/>
+          <a:ln>
+            <a:noFill/>
+          </a:ln>
+          <a:effectLst/>
+          <a:extLst>
+            <a:ext uri="{909E8E84-426E-40DD-AFC4-6F175D3DCCD1}">
+              <a14:hiddenFill xmlns:a14="http://schemas.microsoft.com/office/drawing/2010/main">
+                <a:solidFill>
+                  <a:schemeClr val="accent1"/>
+                </a:solidFill>
+              </a14:hiddenFill>
+            </a:ext>
+            <a:ext uri="{91240B29-F687-4F45-9708-019B960494DF}">
+              <a14:hiddenLine xmlns:a14="http://schemas.microsoft.com/office/drawing/2010/main" w="9525">
+                <a:solidFill>
+                  <a:schemeClr val="tx1"/>
+                </a:solidFill>
+                <a:miter lim="800000"/>
+                <a:headEnd/>
+                <a:tailEnd/>
+              </a14:hiddenLine>
+            </a:ext>
+            <a:ext uri="{AF507438-7753-43E0-B8FC-AC1667EBCBE1}">
+              <a14:hiddenEffects xmlns:a14="http://schemas.microsoft.com/office/drawing/2010/main">
+                <a:effectLst>
+                  <a:outerShdw dist="35921" dir="2700000" algn="ctr" rotWithShape="0">
+                    <a:schemeClr val="bg2"/>
+                  </a:outerShdw>
+                </a:effectLst>
+              </a14:hiddenEffects>
+            </a:ext>
+          </a:extLst>
         </p:spPr>
-        <p:txBody>
-          <a:bodyPr>
-            <a:normAutofit/>
-          </a:bodyPr>
-          <a:lstStyle/>
-          <a:p>
-            <a:pPr marL="0" indent="0">
-              <a:buNone/>
-            </a:pPr>
-            <a:r>
-              <a:rPr lang="pt-BR" sz="1500" b="1" dirty="0">
-                <a:solidFill>
-                  <a:schemeClr val="tx1"/>
-                </a:solidFill>
-                <a:latin typeface="Arial" pitchFamily="34" charset="0"/>
-                <a:cs typeface="Arial" pitchFamily="34" charset="0"/>
-              </a:rPr>
-              <a:t>public class ConcessionariaDirector {</a:t>
-            </a:r>
-          </a:p>
-          <a:p>
-            <a:pPr marL="0" indent="0">
-              <a:buNone/>
-            </a:pPr>
-            <a:r>
-              <a:rPr lang="pt-BR" sz="1500" b="1" dirty="0">
-                <a:solidFill>
-                  <a:schemeClr val="tx1"/>
-                </a:solidFill>
-                <a:latin typeface="Arial" pitchFamily="34" charset="0"/>
-                <a:cs typeface="Arial" pitchFamily="34" charset="0"/>
-              </a:rPr>
-              <a:t>    protected CarroBuilder montadora;</a:t>
-            </a:r>
-          </a:p>
-          <a:p>
-            <a:pPr marL="0" indent="0">
-              <a:buNone/>
-            </a:pPr>
-            <a:r>
-              <a:rPr lang="pt-BR" sz="1500" b="1" dirty="0">
-                <a:solidFill>
-                  <a:schemeClr val="tx1"/>
-                </a:solidFill>
-                <a:latin typeface="Arial" pitchFamily="34" charset="0"/>
-                <a:cs typeface="Arial" pitchFamily="34" charset="0"/>
-              </a:rPr>
-              <a:t> </a:t>
-            </a:r>
-          </a:p>
-          <a:p>
-            <a:pPr marL="0" indent="0">
-              <a:buNone/>
-            </a:pPr>
-            <a:r>
-              <a:rPr lang="pt-BR" sz="1500" b="1" dirty="0">
-                <a:solidFill>
-                  <a:schemeClr val="tx1"/>
-                </a:solidFill>
-                <a:latin typeface="Arial" pitchFamily="34" charset="0"/>
-                <a:cs typeface="Arial" pitchFamily="34" charset="0"/>
-              </a:rPr>
-              <a:t>    public ConcessionariaDirector(CarroBuilder montadora) {</a:t>
-            </a:r>
-          </a:p>
-          <a:p>
-            <a:pPr marL="0" indent="0">
-              <a:buNone/>
-            </a:pPr>
-            <a:r>
-              <a:rPr lang="pt-BR" sz="1500" b="1" dirty="0">
-                <a:solidFill>
-                  <a:schemeClr val="tx1"/>
-                </a:solidFill>
-                <a:latin typeface="Arial" pitchFamily="34" charset="0"/>
-                <a:cs typeface="Arial" pitchFamily="34" charset="0"/>
-              </a:rPr>
-              <a:t>        this.montadora = montadora;</a:t>
-            </a:r>
-          </a:p>
-          <a:p>
-            <a:pPr marL="0" indent="0">
-              <a:buNone/>
-            </a:pPr>
-            <a:r>
-              <a:rPr lang="pt-BR" sz="1500" b="1" dirty="0">
-                <a:solidFill>
-                  <a:schemeClr val="tx1"/>
-                </a:solidFill>
-                <a:latin typeface="Arial" pitchFamily="34" charset="0"/>
-                <a:cs typeface="Arial" pitchFamily="34" charset="0"/>
-              </a:rPr>
-              <a:t>    }</a:t>
-            </a:r>
-          </a:p>
-          <a:p>
-            <a:pPr marL="0" indent="0">
-              <a:buNone/>
-            </a:pPr>
-            <a:r>
-              <a:rPr lang="pt-BR" sz="1500" b="1" dirty="0">
-                <a:solidFill>
-                  <a:schemeClr val="tx1"/>
-                </a:solidFill>
-                <a:latin typeface="Arial" pitchFamily="34" charset="0"/>
-                <a:cs typeface="Arial" pitchFamily="34" charset="0"/>
-              </a:rPr>
-              <a:t> </a:t>
-            </a:r>
-          </a:p>
-          <a:p>
-            <a:pPr marL="0" indent="0">
-              <a:buNone/>
-            </a:pPr>
-            <a:r>
-              <a:rPr lang="pt-BR" sz="1500" b="1" dirty="0">
-                <a:solidFill>
-                  <a:schemeClr val="tx1"/>
-                </a:solidFill>
-                <a:latin typeface="Arial" pitchFamily="34" charset="0"/>
-                <a:cs typeface="Arial" pitchFamily="34" charset="0"/>
-              </a:rPr>
-              <a:t>    public void construirCarro() {</a:t>
-            </a:r>
-          </a:p>
-          <a:p>
-            <a:pPr marL="0" indent="0">
-              <a:buNone/>
-            </a:pPr>
-            <a:r>
-              <a:rPr lang="pt-BR" sz="1500" b="1" dirty="0">
-                <a:solidFill>
-                  <a:schemeClr val="tx1"/>
-                </a:solidFill>
-                <a:latin typeface="Arial" pitchFamily="34" charset="0"/>
-                <a:cs typeface="Arial" pitchFamily="34" charset="0"/>
-              </a:rPr>
-              <a:t>        montadora.buildPreco();</a:t>
-            </a:r>
-          </a:p>
-          <a:p>
-            <a:pPr marL="0" indent="0">
-              <a:buNone/>
-            </a:pPr>
-            <a:r>
-              <a:rPr lang="pt-BR" sz="1500" b="1" dirty="0">
-                <a:solidFill>
-                  <a:schemeClr val="tx1"/>
-                </a:solidFill>
-                <a:latin typeface="Arial" pitchFamily="34" charset="0"/>
-                <a:cs typeface="Arial" pitchFamily="34" charset="0"/>
-              </a:rPr>
-              <a:t>        montadora.buildAnoDeFabricacao();</a:t>
-            </a:r>
-          </a:p>
-          <a:p>
-            <a:pPr marL="0" indent="0">
-              <a:buNone/>
-            </a:pPr>
-            <a:r>
-              <a:rPr lang="pt-BR" sz="1500" b="1" dirty="0">
-                <a:solidFill>
-                  <a:schemeClr val="tx1"/>
-                </a:solidFill>
-                <a:latin typeface="Arial" pitchFamily="34" charset="0"/>
-                <a:cs typeface="Arial" pitchFamily="34" charset="0"/>
-              </a:rPr>
-              <a:t>        montadora.buildDscMotor();</a:t>
-            </a:r>
-          </a:p>
-          <a:p>
-            <a:pPr marL="0" indent="0">
-              <a:buNone/>
-            </a:pPr>
-            <a:r>
-              <a:rPr lang="pt-BR" sz="1500" b="1" dirty="0">
-                <a:solidFill>
-                  <a:schemeClr val="tx1"/>
-                </a:solidFill>
-                <a:latin typeface="Arial" pitchFamily="34" charset="0"/>
-                <a:cs typeface="Arial" pitchFamily="34" charset="0"/>
-              </a:rPr>
-              <a:t>        montadora.buildModelo();</a:t>
-            </a:r>
-          </a:p>
-          <a:p>
-            <a:pPr marL="0" indent="0">
-              <a:buNone/>
-            </a:pPr>
-            <a:r>
-              <a:rPr lang="pt-BR" sz="1500" b="1" dirty="0">
-                <a:solidFill>
-                  <a:schemeClr val="tx1"/>
-                </a:solidFill>
-                <a:latin typeface="Arial" pitchFamily="34" charset="0"/>
-                <a:cs typeface="Arial" pitchFamily="34" charset="0"/>
-              </a:rPr>
-              <a:t>        montadora.buildMontadora();</a:t>
-            </a:r>
-          </a:p>
-          <a:p>
-            <a:pPr marL="0" indent="0">
-              <a:buNone/>
-            </a:pPr>
-            <a:r>
-              <a:rPr lang="pt-BR" sz="1500" b="1" dirty="0">
-                <a:solidFill>
-                  <a:schemeClr val="tx1"/>
-                </a:solidFill>
-                <a:latin typeface="Arial" pitchFamily="34" charset="0"/>
-                <a:cs typeface="Arial" pitchFamily="34" charset="0"/>
-              </a:rPr>
-              <a:t>    }</a:t>
-            </a:r>
-          </a:p>
-          <a:p>
-            <a:pPr marL="0" indent="0">
-              <a:buNone/>
-            </a:pPr>
-            <a:r>
-              <a:rPr lang="pt-BR" sz="1500" b="1" dirty="0">
-                <a:solidFill>
-                  <a:schemeClr val="tx1"/>
-                </a:solidFill>
-                <a:latin typeface="Arial" pitchFamily="34" charset="0"/>
-                <a:cs typeface="Arial" pitchFamily="34" charset="0"/>
-              </a:rPr>
-              <a:t> </a:t>
-            </a:r>
-          </a:p>
-          <a:p>
-            <a:pPr marL="0" indent="0">
-              <a:buNone/>
-            </a:pPr>
-            <a:r>
-              <a:rPr lang="pt-BR" sz="1500" b="1" dirty="0">
-                <a:solidFill>
-                  <a:schemeClr val="tx1"/>
-                </a:solidFill>
-                <a:latin typeface="Arial" pitchFamily="34" charset="0"/>
-                <a:cs typeface="Arial" pitchFamily="34" charset="0"/>
-              </a:rPr>
-              <a:t>    public CarroProduct getCarro() {</a:t>
-            </a:r>
-          </a:p>
-          <a:p>
-            <a:pPr marL="0" indent="0">
-              <a:buNone/>
-            </a:pPr>
-            <a:r>
-              <a:rPr lang="pt-BR" sz="1500" b="1" dirty="0">
-                <a:solidFill>
-                  <a:schemeClr val="tx1"/>
-                </a:solidFill>
-                <a:latin typeface="Arial" pitchFamily="34" charset="0"/>
-                <a:cs typeface="Arial" pitchFamily="34" charset="0"/>
-              </a:rPr>
-              <a:t>        return montadora.getCarro();</a:t>
-            </a:r>
-          </a:p>
-          <a:p>
-            <a:pPr marL="0" indent="0">
-              <a:buNone/>
-            </a:pPr>
-            <a:r>
-              <a:rPr lang="pt-BR" sz="1500" b="1" dirty="0">
-                <a:solidFill>
-                  <a:schemeClr val="tx1"/>
-                </a:solidFill>
-                <a:latin typeface="Arial" pitchFamily="34" charset="0"/>
-                <a:cs typeface="Arial" pitchFamily="34" charset="0"/>
-              </a:rPr>
-              <a:t>    }</a:t>
-            </a:r>
-          </a:p>
-          <a:p>
-            <a:pPr marL="0" indent="0">
-              <a:buNone/>
-            </a:pPr>
-            <a:r>
-              <a:rPr lang="pt-BR" sz="1500" b="1" dirty="0">
-                <a:solidFill>
-                  <a:schemeClr val="tx1"/>
-                </a:solidFill>
-                <a:latin typeface="Arial" pitchFamily="34" charset="0"/>
-                <a:cs typeface="Arial" pitchFamily="34" charset="0"/>
-              </a:rPr>
-              <a:t>}</a:t>
-            </a:r>
-          </a:p>
-        </p:txBody>
-      </p:sp>
-      <p:sp>
-        <p:nvSpPr>
-          <p:cNvPr id="5" name="Title 1"/>
-          <p:cNvSpPr>
-            <a:spLocks noGrp="1"/>
-          </p:cNvSpPr>
-          <p:nvPr>
-            <p:ph type="title"/>
-          </p:nvPr>
-        </p:nvSpPr>
-        <p:spPr>
-          <a:xfrm>
-            <a:off x="457200" y="0"/>
-            <a:ext cx="8229600" cy="1600200"/>
-          </a:xfrm>
-        </p:spPr>
-        <p:txBody>
-          <a:bodyPr/>
-          <a:lstStyle/>
-          <a:p>
-            <a:r>
-              <a:rPr lang="pt-BR" dirty="0"/>
-              <a:t>Concrete Builder</a:t>
-            </a:r>
-          </a:p>
-        </p:txBody>
-      </p:sp>
+      </p:pic>
     </p:spTree>
     <p:extLst>
       <p:ext uri="{BB962C8B-B14F-4D97-AF65-F5344CB8AC3E}">
-        <p14:creationId xmlns:p14="http://schemas.microsoft.com/office/powerpoint/2010/main" val="2096579547"/>
+        <p14:creationId xmlns:p14="http://schemas.microsoft.com/office/powerpoint/2010/main" val="3727460716"/>
       </p:ext>
     </p:extLst>
   </p:cSld>
   <p:clrMapOvr>
     <a:masterClrMapping/>
   </p:clrMapOvr>
+  <p:timing>
+    <p:tnLst>
+      <p:par>
+        <p:cTn id="1" dur="indefinite" restart="never" nodeType="tmRoot"/>
+      </p:par>
+    </p:tnLst>
+  </p:timing>
 </p:sld>
 </file>
 
@@ -6565,412 +9036,108 @@
       </p:grpSpPr>
       <p:sp>
         <p:nvSpPr>
-          <p:cNvPr id="3" name="Content Placeholder 2"/>
-          <p:cNvSpPr>
-            <a:spLocks noGrp="1"/>
-          </p:cNvSpPr>
-          <p:nvPr>
-            <p:ph idx="1"/>
-          </p:nvPr>
-        </p:nvSpPr>
-        <p:spPr>
+          <p:cNvPr id="2" name="Title 1"/>
+          <p:cNvSpPr>
+            <a:spLocks noGrp="1"/>
+          </p:cNvSpPr>
+          <p:nvPr>
+            <p:ph type="title"/>
+          </p:nvPr>
+        </p:nvSpPr>
+        <p:spPr/>
+        <p:txBody>
+          <a:bodyPr/>
+          <a:lstStyle/>
+          <a:p>
+            <a:r>
+              <a:rPr lang="pt-BR" dirty="0" smtClean="0"/>
+              <a:t>Exemplo Builder</a:t>
+            </a:r>
+            <a:endParaRPr lang="pt-BR" dirty="0"/>
+          </a:p>
+        </p:txBody>
+      </p:sp>
+      <p:pic>
+        <p:nvPicPr>
+          <p:cNvPr id="10242" name="Picture 2"/>
+          <p:cNvPicPr>
+            <a:picLocks noChangeAspect="1" noChangeArrowheads="1"/>
+          </p:cNvPicPr>
+          <p:nvPr/>
+        </p:nvPicPr>
+        <p:blipFill>
+          <a:blip r:embed="rId2">
+            <a:extLst>
+              <a:ext uri="{28A0092B-C50C-407E-A947-70E740481C1C}">
+                <a14:useLocalDpi xmlns:a14="http://schemas.microsoft.com/office/drawing/2010/main" val="0"/>
+              </a:ext>
+            </a:extLst>
+          </a:blip>
+          <a:srcRect/>
+          <a:stretch>
+            <a:fillRect/>
+          </a:stretch>
+        </p:blipFill>
+        <p:spPr bwMode="auto">
           <a:xfrm>
-            <a:off x="611560" y="188640"/>
-            <a:ext cx="8229600" cy="6669360"/>
+            <a:off x="1115616" y="1556791"/>
+            <a:ext cx="7168807" cy="4880223"/>
           </a:xfrm>
+          <a:prstGeom prst="rect">
+            <a:avLst/>
+          </a:prstGeom>
+          <a:noFill/>
+          <a:ln>
+            <a:noFill/>
+          </a:ln>
+          <a:effectLst/>
+          <a:extLst>
+            <a:ext uri="{909E8E84-426E-40DD-AFC4-6F175D3DCCD1}">
+              <a14:hiddenFill xmlns:a14="http://schemas.microsoft.com/office/drawing/2010/main">
+                <a:solidFill>
+                  <a:schemeClr val="accent1"/>
+                </a:solidFill>
+              </a14:hiddenFill>
+            </a:ext>
+            <a:ext uri="{91240B29-F687-4F45-9708-019B960494DF}">
+              <a14:hiddenLine xmlns:a14="http://schemas.microsoft.com/office/drawing/2010/main" w="9525">
+                <a:solidFill>
+                  <a:schemeClr val="tx1"/>
+                </a:solidFill>
+                <a:miter lim="800000"/>
+                <a:headEnd/>
+                <a:tailEnd/>
+              </a14:hiddenLine>
+            </a:ext>
+            <a:ext uri="{AF507438-7753-43E0-B8FC-AC1667EBCBE1}">
+              <a14:hiddenEffects xmlns:a14="http://schemas.microsoft.com/office/drawing/2010/main">
+                <a:effectLst>
+                  <a:outerShdw dist="35921" dir="2700000" algn="ctr" rotWithShape="0">
+                    <a:schemeClr val="bg2"/>
+                  </a:outerShdw>
+                </a:effectLst>
+              </a14:hiddenEffects>
+            </a:ext>
+          </a:extLst>
         </p:spPr>
-        <p:txBody>
-          <a:bodyPr>
-            <a:normAutofit/>
-          </a:bodyPr>
-          <a:lstStyle/>
-          <a:p>
-            <a:pPr marL="0" indent="0">
-              <a:buNone/>
-            </a:pPr>
-            <a:r>
-              <a:rPr lang="pt-BR" sz="1800" b="1" dirty="0">
-                <a:solidFill>
-                  <a:srgbClr val="7030A0"/>
-                </a:solidFill>
-                <a:latin typeface="Arial" pitchFamily="34" charset="0"/>
-                <a:cs typeface="Arial" pitchFamily="34" charset="0"/>
-              </a:rPr>
-              <a:t>public static void</a:t>
-            </a:r>
-            <a:r>
-              <a:rPr lang="pt-BR" sz="1800" b="1" dirty="0">
-                <a:solidFill>
-                  <a:schemeClr val="tx1"/>
-                </a:solidFill>
-                <a:latin typeface="Arial" pitchFamily="34" charset="0"/>
-                <a:cs typeface="Arial" pitchFamily="34" charset="0"/>
-              </a:rPr>
-              <a:t> main(String[] args) {</a:t>
-            </a:r>
-          </a:p>
-          <a:p>
-            <a:pPr marL="0" indent="0">
-              <a:buNone/>
-            </a:pPr>
-            <a:r>
-              <a:rPr lang="pt-BR" sz="1800" b="1" dirty="0">
-                <a:solidFill>
-                  <a:schemeClr val="tx1"/>
-                </a:solidFill>
-                <a:latin typeface="Arial" pitchFamily="34" charset="0"/>
-                <a:cs typeface="Arial" pitchFamily="34" charset="0"/>
-              </a:rPr>
-              <a:t>    ConcessionariaDirector concessionaria = </a:t>
-            </a:r>
-            <a:r>
-              <a:rPr lang="pt-BR" sz="1800" b="1" dirty="0">
-                <a:solidFill>
-                  <a:srgbClr val="7030A0"/>
-                </a:solidFill>
-                <a:latin typeface="Arial" pitchFamily="34" charset="0"/>
-                <a:cs typeface="Arial" pitchFamily="34" charset="0"/>
-              </a:rPr>
-              <a:t>new</a:t>
-            </a:r>
-            <a:r>
-              <a:rPr lang="pt-BR" sz="1800" b="1" dirty="0">
-                <a:solidFill>
-                  <a:schemeClr val="tx1"/>
-                </a:solidFill>
-                <a:latin typeface="Arial" pitchFamily="34" charset="0"/>
-                <a:cs typeface="Arial" pitchFamily="34" charset="0"/>
-              </a:rPr>
-              <a:t> ConcessionariaDirector(</a:t>
-            </a:r>
-          </a:p>
-          <a:p>
-            <a:pPr marL="0" indent="0">
-              <a:buNone/>
-            </a:pPr>
-            <a:r>
-              <a:rPr lang="pt-BR" sz="1800" b="1" dirty="0">
-                <a:solidFill>
-                  <a:schemeClr val="tx1"/>
-                </a:solidFill>
-                <a:latin typeface="Arial" pitchFamily="34" charset="0"/>
-                <a:cs typeface="Arial" pitchFamily="34" charset="0"/>
-              </a:rPr>
-              <a:t>            </a:t>
-            </a:r>
-            <a:r>
-              <a:rPr lang="pt-BR" sz="1800" b="1" dirty="0">
-                <a:solidFill>
-                  <a:srgbClr val="7030A0"/>
-                </a:solidFill>
-                <a:latin typeface="Arial" pitchFamily="34" charset="0"/>
-                <a:cs typeface="Arial" pitchFamily="34" charset="0"/>
-              </a:rPr>
-              <a:t>new</a:t>
-            </a:r>
-            <a:r>
-              <a:rPr lang="pt-BR" sz="1800" b="1" dirty="0">
-                <a:solidFill>
-                  <a:schemeClr val="tx1"/>
-                </a:solidFill>
-                <a:latin typeface="Arial" pitchFamily="34" charset="0"/>
-                <a:cs typeface="Arial" pitchFamily="34" charset="0"/>
-              </a:rPr>
-              <a:t> FiatBuilder());</a:t>
-            </a:r>
-          </a:p>
-          <a:p>
-            <a:pPr marL="0" indent="0">
-              <a:buNone/>
-            </a:pPr>
-            <a:r>
-              <a:rPr lang="pt-BR" sz="1800" b="1" dirty="0">
-                <a:solidFill>
-                  <a:schemeClr val="tx1"/>
-                </a:solidFill>
-                <a:latin typeface="Arial" pitchFamily="34" charset="0"/>
-                <a:cs typeface="Arial" pitchFamily="34" charset="0"/>
-              </a:rPr>
-              <a:t> </a:t>
-            </a:r>
-          </a:p>
-          <a:p>
-            <a:pPr marL="0" indent="0">
-              <a:buNone/>
-            </a:pPr>
-            <a:r>
-              <a:rPr lang="pt-BR" sz="1800" b="1" dirty="0">
-                <a:solidFill>
-                  <a:schemeClr val="tx1"/>
-                </a:solidFill>
-                <a:latin typeface="Arial" pitchFamily="34" charset="0"/>
-                <a:cs typeface="Arial" pitchFamily="34" charset="0"/>
-              </a:rPr>
-              <a:t>    concessionaria.construirCarro();</a:t>
-            </a:r>
-          </a:p>
-          <a:p>
-            <a:pPr marL="0" indent="0">
-              <a:buNone/>
-            </a:pPr>
-            <a:r>
-              <a:rPr lang="pt-BR" sz="1800" b="1" dirty="0">
-                <a:solidFill>
-                  <a:schemeClr val="tx1"/>
-                </a:solidFill>
-                <a:latin typeface="Arial" pitchFamily="34" charset="0"/>
-                <a:cs typeface="Arial" pitchFamily="34" charset="0"/>
-              </a:rPr>
-              <a:t>    CarroProduct carro = concessionaria.getCarro();</a:t>
-            </a:r>
-          </a:p>
-          <a:p>
-            <a:pPr marL="0" indent="0">
-              <a:buNone/>
-            </a:pPr>
-            <a:r>
-              <a:rPr lang="pt-BR" sz="1800" b="1" dirty="0">
-                <a:solidFill>
-                  <a:schemeClr val="tx1"/>
-                </a:solidFill>
-                <a:latin typeface="Arial" pitchFamily="34" charset="0"/>
-                <a:cs typeface="Arial" pitchFamily="34" charset="0"/>
-              </a:rPr>
-              <a:t>    System.out.println("Carro: " + carro.modelo + "/" + carro.montadora</a:t>
-            </a:r>
-          </a:p>
-          <a:p>
-            <a:pPr marL="0" indent="0">
-              <a:buNone/>
-            </a:pPr>
-            <a:r>
-              <a:rPr lang="pt-BR" sz="1800" b="1" dirty="0">
-                <a:solidFill>
-                  <a:schemeClr val="tx1"/>
-                </a:solidFill>
-                <a:latin typeface="Arial" pitchFamily="34" charset="0"/>
-                <a:cs typeface="Arial" pitchFamily="34" charset="0"/>
-              </a:rPr>
-              <a:t>            + "\nAno: " + carro.anoDeFabricacao + "\nMotor: "</a:t>
-            </a:r>
-          </a:p>
-          <a:p>
-            <a:pPr marL="0" indent="0">
-              <a:buNone/>
-            </a:pPr>
-            <a:r>
-              <a:rPr lang="pt-BR" sz="1800" b="1" dirty="0">
-                <a:solidFill>
-                  <a:schemeClr val="tx1"/>
-                </a:solidFill>
-                <a:latin typeface="Arial" pitchFamily="34" charset="0"/>
-                <a:cs typeface="Arial" pitchFamily="34" charset="0"/>
-              </a:rPr>
-              <a:t>            + carro.dscMotor + "\nValor: " + carro.preco);</a:t>
-            </a:r>
-          </a:p>
-          <a:p>
-            <a:pPr marL="0" indent="0">
-              <a:buNone/>
-            </a:pPr>
-            <a:r>
-              <a:rPr lang="pt-BR" sz="1800" b="1" dirty="0">
-                <a:solidFill>
-                  <a:schemeClr val="tx1"/>
-                </a:solidFill>
-                <a:latin typeface="Arial" pitchFamily="34" charset="0"/>
-                <a:cs typeface="Arial" pitchFamily="34" charset="0"/>
-              </a:rPr>
-              <a:t> </a:t>
-            </a:r>
-          </a:p>
-          <a:p>
-            <a:pPr marL="0" indent="0">
-              <a:buNone/>
-            </a:pPr>
-            <a:r>
-              <a:rPr lang="pt-BR" sz="1800" b="1" dirty="0">
-                <a:solidFill>
-                  <a:schemeClr val="tx1"/>
-                </a:solidFill>
-                <a:latin typeface="Arial" pitchFamily="34" charset="0"/>
-                <a:cs typeface="Arial" pitchFamily="34" charset="0"/>
-              </a:rPr>
-              <a:t>    System.out.println();</a:t>
-            </a:r>
-          </a:p>
-          <a:p>
-            <a:pPr marL="0" indent="0">
-              <a:buNone/>
-            </a:pPr>
-            <a:r>
-              <a:rPr lang="pt-BR" sz="1800" b="1" dirty="0">
-                <a:solidFill>
-                  <a:schemeClr val="tx1"/>
-                </a:solidFill>
-                <a:latin typeface="Arial" pitchFamily="34" charset="0"/>
-                <a:cs typeface="Arial" pitchFamily="34" charset="0"/>
-              </a:rPr>
-              <a:t> </a:t>
-            </a:r>
-          </a:p>
-          <a:p>
-            <a:pPr marL="0" indent="0">
-              <a:buNone/>
-            </a:pPr>
-            <a:r>
-              <a:rPr lang="pt-BR" sz="1800" b="1" dirty="0">
-                <a:solidFill>
-                  <a:schemeClr val="tx1"/>
-                </a:solidFill>
-                <a:latin typeface="Arial" pitchFamily="34" charset="0"/>
-                <a:cs typeface="Arial" pitchFamily="34" charset="0"/>
-              </a:rPr>
-              <a:t>    concessionaria = </a:t>
-            </a:r>
-            <a:r>
-              <a:rPr lang="pt-BR" sz="1800" b="1" dirty="0">
-                <a:solidFill>
-                  <a:srgbClr val="7030A0"/>
-                </a:solidFill>
-                <a:latin typeface="Arial" pitchFamily="34" charset="0"/>
-                <a:cs typeface="Arial" pitchFamily="34" charset="0"/>
-              </a:rPr>
-              <a:t>new</a:t>
-            </a:r>
-            <a:r>
-              <a:rPr lang="pt-BR" sz="1800" b="1" dirty="0">
-                <a:solidFill>
-                  <a:schemeClr val="tx1"/>
-                </a:solidFill>
-                <a:latin typeface="Arial" pitchFamily="34" charset="0"/>
-                <a:cs typeface="Arial" pitchFamily="34" charset="0"/>
-              </a:rPr>
-              <a:t> ConcessionariaDirector(</a:t>
-            </a:r>
-            <a:r>
-              <a:rPr lang="pt-BR" sz="1800" b="1" dirty="0">
-                <a:solidFill>
-                  <a:srgbClr val="7030A0"/>
-                </a:solidFill>
-                <a:latin typeface="Arial" pitchFamily="34" charset="0"/>
-                <a:cs typeface="Arial" pitchFamily="34" charset="0"/>
-              </a:rPr>
-              <a:t>new</a:t>
-            </a:r>
-            <a:r>
-              <a:rPr lang="pt-BR" sz="1800" b="1" dirty="0">
-                <a:solidFill>
-                  <a:schemeClr val="tx1"/>
-                </a:solidFill>
-                <a:latin typeface="Arial" pitchFamily="34" charset="0"/>
-                <a:cs typeface="Arial" pitchFamily="34" charset="0"/>
-              </a:rPr>
-              <a:t> VolksBuilder());</a:t>
-            </a:r>
-          </a:p>
-          <a:p>
-            <a:pPr marL="0" indent="0">
-              <a:buNone/>
-            </a:pPr>
-            <a:r>
-              <a:rPr lang="pt-BR" sz="1800" b="1" dirty="0">
-                <a:solidFill>
-                  <a:schemeClr val="tx1"/>
-                </a:solidFill>
-                <a:latin typeface="Arial" pitchFamily="34" charset="0"/>
-                <a:cs typeface="Arial" pitchFamily="34" charset="0"/>
-              </a:rPr>
-              <a:t>    concessionaria.construirCarro();</a:t>
-            </a:r>
-          </a:p>
-          <a:p>
-            <a:pPr marL="0" indent="0">
-              <a:buNone/>
-            </a:pPr>
-            <a:r>
-              <a:rPr lang="pt-BR" sz="1800" b="1" dirty="0">
-                <a:solidFill>
-                  <a:schemeClr val="tx1"/>
-                </a:solidFill>
-                <a:latin typeface="Arial" pitchFamily="34" charset="0"/>
-                <a:cs typeface="Arial" pitchFamily="34" charset="0"/>
-              </a:rPr>
-              <a:t>    carro = concessionaria.getCarro();</a:t>
-            </a:r>
-          </a:p>
-          <a:p>
-            <a:pPr marL="0" indent="0">
-              <a:buNone/>
-            </a:pPr>
-            <a:r>
-              <a:rPr lang="pt-BR" sz="1800" b="1" dirty="0">
-                <a:solidFill>
-                  <a:schemeClr val="tx1"/>
-                </a:solidFill>
-                <a:latin typeface="Arial" pitchFamily="34" charset="0"/>
-                <a:cs typeface="Arial" pitchFamily="34" charset="0"/>
-              </a:rPr>
-              <a:t>    System.out.println("Carro: " + carro.modelo + "/" + carro.montadora</a:t>
-            </a:r>
-          </a:p>
-          <a:p>
-            <a:pPr marL="0" indent="0">
-              <a:buNone/>
-            </a:pPr>
-            <a:r>
-              <a:rPr lang="pt-BR" sz="1800" b="1" dirty="0">
-                <a:solidFill>
-                  <a:schemeClr val="tx1"/>
-                </a:solidFill>
-                <a:latin typeface="Arial" pitchFamily="34" charset="0"/>
-                <a:cs typeface="Arial" pitchFamily="34" charset="0"/>
-              </a:rPr>
-              <a:t>            + "\nAno: " + carro.anoDeFabricacao + "\nMotor: "</a:t>
-            </a:r>
-          </a:p>
-          <a:p>
-            <a:pPr marL="0" indent="0">
-              <a:buNone/>
-            </a:pPr>
-            <a:r>
-              <a:rPr lang="pt-BR" sz="1800" b="1" dirty="0">
-                <a:solidFill>
-                  <a:schemeClr val="tx1"/>
-                </a:solidFill>
-                <a:latin typeface="Arial" pitchFamily="34" charset="0"/>
-                <a:cs typeface="Arial" pitchFamily="34" charset="0"/>
-              </a:rPr>
-              <a:t>            + carro.dscMotor + "\nValor: " + carro.preco);</a:t>
-            </a:r>
-          </a:p>
-          <a:p>
-            <a:pPr marL="0" indent="0">
-              <a:buNone/>
-            </a:pPr>
-            <a:r>
-              <a:rPr lang="pt-BR" sz="1800" b="1" dirty="0">
-                <a:solidFill>
-                  <a:schemeClr val="tx1"/>
-                </a:solidFill>
-                <a:latin typeface="Arial" pitchFamily="34" charset="0"/>
-                <a:cs typeface="Arial" pitchFamily="34" charset="0"/>
-              </a:rPr>
-              <a:t>}</a:t>
-            </a:r>
-          </a:p>
-        </p:txBody>
-      </p:sp>
+      </p:pic>
     </p:spTree>
     <p:extLst>
       <p:ext uri="{BB962C8B-B14F-4D97-AF65-F5344CB8AC3E}">
-        <p14:creationId xmlns:p14="http://schemas.microsoft.com/office/powerpoint/2010/main" val="1201195775"/>
+        <p14:creationId xmlns:p14="http://schemas.microsoft.com/office/powerpoint/2010/main" val="4133865715"/>
       </p:ext>
     </p:extLst>
   </p:cSld>
   <p:clrMapOvr>
     <a:masterClrMapping/>
   </p:clrMapOvr>
+  <p:timing>
+    <p:tnLst>
+      <p:par>
+        <p:cTn id="1" dur="indefinite" restart="never" nodeType="tmRoot"/>
+      </p:par>
+    </p:tnLst>
+  </p:timing>
 </p:sld>
 </file>
 
